--- a/EDBVPRAESI.pptx
+++ b/EDBVPRAESI.pptx
@@ -1,26 +1,122 @@
 
 <file path=ppt/presentation.xml><?xml version="1.0" encoding="utf-8"?>
-<p:presentation xmlns:a="http://schemas.openxmlformats.org/drawingml/2006/main" xmlns:p="http://schemas.openxmlformats.org/presentationml/2006/main" xmlns:r="http://schemas.openxmlformats.org/officeDocument/2006/relationships" xmlns:p14="http://schemas.microsoft.com/office/powerpoint/2010/main" xmlns:p15="http://schemas.microsoft.com/office/powerpoint/2012/main" xmlns:mc="http://schemas.openxmlformats.org/markup-compatibility/2006">
+<p:presentation xmlns:a="http://schemas.openxmlformats.org/drawingml/2006/main" xmlns:r="http://schemas.openxmlformats.org/officeDocument/2006/relationships" xmlns:p="http://schemas.openxmlformats.org/presentationml/2006/main">
   <p:sldMasterIdLst>
-    <p:sldMasterId id="2147483648" r:id="rId2"/>
-    <p:sldMasterId id="2147483661" r:id="rId3"/>
-    <p:sldMasterId id="2147483674" r:id="rId4"/>
+    <p:sldMasterId id="2147483648" r:id="rId1"/>
+    <p:sldMasterId id="2147483661" r:id="rId2"/>
+    <p:sldMasterId id="2147483674" r:id="rId3"/>
   </p:sldMasterIdLst>
   <p:sldIdLst>
-    <p:sldId id="256" r:id="rId5"/>
-    <p:sldId id="257" r:id="rId6"/>
-    <p:sldId id="258" r:id="rId7"/>
-    <p:sldId id="259" r:id="rId8"/>
-    <p:sldId id="260" r:id="rId9"/>
-    <p:sldId id="261" r:id="rId10"/>
+    <p:sldId id="256" r:id="rId4"/>
+    <p:sldId id="257" r:id="rId5"/>
+    <p:sldId id="258" r:id="rId6"/>
+    <p:sldId id="259" r:id="rId7"/>
+    <p:sldId id="260" r:id="rId8"/>
+    <p:sldId id="261" r:id="rId9"/>
+    <p:sldId id="262" r:id="rId10"/>
   </p:sldIdLst>
   <p:sldSz cx="12192000" cy="6858000"/>
   <p:notesSz cx="7772400" cy="10058400"/>
+  <p:defaultTextStyle>
+    <a:defPPr>
+      <a:defRPr lang="de-DE"/>
+    </a:defPPr>
+    <a:lvl1pPr marL="0" algn="l" defTabSz="914400" rtl="0" eaLnBrk="1" latinLnBrk="0" hangingPunct="1">
+      <a:defRPr sz="1800" kern="1200">
+        <a:solidFill>
+          <a:schemeClr val="tx1"/>
+        </a:solidFill>
+        <a:latin typeface="+mn-lt"/>
+        <a:ea typeface="+mn-ea"/>
+        <a:cs typeface="+mn-cs"/>
+      </a:defRPr>
+    </a:lvl1pPr>
+    <a:lvl2pPr marL="457200" algn="l" defTabSz="914400" rtl="0" eaLnBrk="1" latinLnBrk="0" hangingPunct="1">
+      <a:defRPr sz="1800" kern="1200">
+        <a:solidFill>
+          <a:schemeClr val="tx1"/>
+        </a:solidFill>
+        <a:latin typeface="+mn-lt"/>
+        <a:ea typeface="+mn-ea"/>
+        <a:cs typeface="+mn-cs"/>
+      </a:defRPr>
+    </a:lvl2pPr>
+    <a:lvl3pPr marL="914400" algn="l" defTabSz="914400" rtl="0" eaLnBrk="1" latinLnBrk="0" hangingPunct="1">
+      <a:defRPr sz="1800" kern="1200">
+        <a:solidFill>
+          <a:schemeClr val="tx1"/>
+        </a:solidFill>
+        <a:latin typeface="+mn-lt"/>
+        <a:ea typeface="+mn-ea"/>
+        <a:cs typeface="+mn-cs"/>
+      </a:defRPr>
+    </a:lvl3pPr>
+    <a:lvl4pPr marL="1371600" algn="l" defTabSz="914400" rtl="0" eaLnBrk="1" latinLnBrk="0" hangingPunct="1">
+      <a:defRPr sz="1800" kern="1200">
+        <a:solidFill>
+          <a:schemeClr val="tx1"/>
+        </a:solidFill>
+        <a:latin typeface="+mn-lt"/>
+        <a:ea typeface="+mn-ea"/>
+        <a:cs typeface="+mn-cs"/>
+      </a:defRPr>
+    </a:lvl4pPr>
+    <a:lvl5pPr marL="1828800" algn="l" defTabSz="914400" rtl="0" eaLnBrk="1" latinLnBrk="0" hangingPunct="1">
+      <a:defRPr sz="1800" kern="1200">
+        <a:solidFill>
+          <a:schemeClr val="tx1"/>
+        </a:solidFill>
+        <a:latin typeface="+mn-lt"/>
+        <a:ea typeface="+mn-ea"/>
+        <a:cs typeface="+mn-cs"/>
+      </a:defRPr>
+    </a:lvl5pPr>
+    <a:lvl6pPr marL="2286000" algn="l" defTabSz="914400" rtl="0" eaLnBrk="1" latinLnBrk="0" hangingPunct="1">
+      <a:defRPr sz="1800" kern="1200">
+        <a:solidFill>
+          <a:schemeClr val="tx1"/>
+        </a:solidFill>
+        <a:latin typeface="+mn-lt"/>
+        <a:ea typeface="+mn-ea"/>
+        <a:cs typeface="+mn-cs"/>
+      </a:defRPr>
+    </a:lvl6pPr>
+    <a:lvl7pPr marL="2743200" algn="l" defTabSz="914400" rtl="0" eaLnBrk="1" latinLnBrk="0" hangingPunct="1">
+      <a:defRPr sz="1800" kern="1200">
+        <a:solidFill>
+          <a:schemeClr val="tx1"/>
+        </a:solidFill>
+        <a:latin typeface="+mn-lt"/>
+        <a:ea typeface="+mn-ea"/>
+        <a:cs typeface="+mn-cs"/>
+      </a:defRPr>
+    </a:lvl7pPr>
+    <a:lvl8pPr marL="3200400" algn="l" defTabSz="914400" rtl="0" eaLnBrk="1" latinLnBrk="0" hangingPunct="1">
+      <a:defRPr sz="1800" kern="1200">
+        <a:solidFill>
+          <a:schemeClr val="tx1"/>
+        </a:solidFill>
+        <a:latin typeface="+mn-lt"/>
+        <a:ea typeface="+mn-ea"/>
+        <a:cs typeface="+mn-cs"/>
+      </a:defRPr>
+    </a:lvl8pPr>
+    <a:lvl9pPr marL="3657600" algn="l" defTabSz="914400" rtl="0" eaLnBrk="1" latinLnBrk="0" hangingPunct="1">
+      <a:defRPr sz="1800" kern="1200">
+        <a:solidFill>
+          <a:schemeClr val="tx1"/>
+        </a:solidFill>
+        <a:latin typeface="+mn-lt"/>
+        <a:ea typeface="+mn-ea"/>
+        <a:cs typeface="+mn-cs"/>
+      </a:defRPr>
+    </a:lvl9pPr>
+  </p:defaultTextStyle>
 </p:presentation>
 </file>
 
 <file path=ppt/slideLayouts/slideLayout1.xml><?xml version="1.0" encoding="utf-8"?>
-<p:sldLayout xmlns:a="http://schemas.openxmlformats.org/drawingml/2006/main" xmlns:p="http://schemas.openxmlformats.org/presentationml/2006/main" xmlns:r="http://schemas.openxmlformats.org/officeDocument/2006/relationships" xmlns:p14="http://schemas.microsoft.com/office/powerpoint/2010/main" xmlns:p15="http://schemas.microsoft.com/office/powerpoint/2012/main" xmlns:mc="http://schemas.openxmlformats.org/markup-compatibility/2006" type="blank" preserve="1">
+<p:sldLayout xmlns:a="http://schemas.openxmlformats.org/drawingml/2006/main" xmlns:r="http://schemas.openxmlformats.org/officeDocument/2006/relationships" xmlns:p="http://schemas.openxmlformats.org/presentationml/2006/main" type="blank" preserve="1">
   <p:cSld name="Blank Slide">
     <p:spTree>
       <p:nvGrpSpPr>
@@ -38,11 +134,14 @@
       </p:grpSpPr>
     </p:spTree>
   </p:cSld>
+  <p:clrMapOvr>
+    <a:masterClrMapping/>
+  </p:clrMapOvr>
 </p:sldLayout>
 </file>
 
 <file path=ppt/slideLayouts/slideLayout10.xml><?xml version="1.0" encoding="utf-8"?>
-<p:sldLayout xmlns:a="http://schemas.openxmlformats.org/drawingml/2006/main" xmlns:p="http://schemas.openxmlformats.org/presentationml/2006/main" xmlns:r="http://schemas.openxmlformats.org/officeDocument/2006/relationships" xmlns:p14="http://schemas.microsoft.com/office/powerpoint/2010/main" xmlns:p15="http://schemas.microsoft.com/office/powerpoint/2012/main" xmlns:mc="http://schemas.openxmlformats.org/markup-compatibility/2006" type="objOverTx" preserve="1">
+<p:sldLayout xmlns:a="http://schemas.openxmlformats.org/drawingml/2006/main" xmlns:r="http://schemas.openxmlformats.org/officeDocument/2006/relationships" xmlns:p="http://schemas.openxmlformats.org/presentationml/2006/main" type="objOverTx" preserve="1">
   <p:cSld name="Title, Content over Content">
     <p:spTree>
       <p:nvGrpSpPr>
@@ -78,15 +177,16 @@
           </a:prstGeom>
         </p:spPr>
         <p:txBody>
-          <a:bodyPr lIns="0" rIns="0" tIns="0" bIns="0" anchor="ctr"/>
-          <a:p>
-            <a:endParaRPr b="0" lang="de-DE" sz="1800" spc="-1" strike="noStrike">
-              <a:solidFill>
-                <a:srgbClr val="000000"/>
-              </a:solidFill>
-              <a:uFill>
-                <a:solidFill>
-                  <a:srgbClr val="ffffff"/>
+          <a:bodyPr lIns="0" tIns="0" rIns="0" bIns="0" anchor="ctr"/>
+          <a:lstStyle/>
+          <a:p>
+            <a:endParaRPr lang="de-DE" sz="1800" b="0" strike="noStrike" spc="-1">
+              <a:solidFill>
+                <a:srgbClr val="000000"/>
+              </a:solidFill>
+              <a:uFill>
+                <a:solidFill>
+                  <a:srgbClr val="FFFFFF"/>
                 </a:solidFill>
               </a:uFill>
               <a:latin typeface="Calibri"/>
@@ -114,17 +214,18 @@
           </a:prstGeom>
         </p:spPr>
         <p:txBody>
-          <a:bodyPr lIns="0" rIns="0" tIns="0" bIns="0">
+          <a:bodyPr lIns="0" tIns="0" rIns="0" bIns="0">
             <a:normAutofit/>
           </a:bodyPr>
-          <a:p>
-            <a:endParaRPr b="0" lang="de-DE" sz="2800" spc="-1" strike="noStrike">
-              <a:solidFill>
-                <a:srgbClr val="000000"/>
-              </a:solidFill>
-              <a:uFill>
-                <a:solidFill>
-                  <a:srgbClr val="ffffff"/>
+          <a:lstStyle/>
+          <a:p>
+            <a:endParaRPr lang="de-DE" sz="2800" b="0" strike="noStrike" spc="-1">
+              <a:solidFill>
+                <a:srgbClr val="000000"/>
+              </a:solidFill>
+              <a:uFill>
+                <a:solidFill>
+                  <a:srgbClr val="FFFFFF"/>
                 </a:solidFill>
               </a:uFill>
               <a:latin typeface="Calibri"/>
@@ -152,17 +253,18 @@
           </a:prstGeom>
         </p:spPr>
         <p:txBody>
-          <a:bodyPr lIns="0" rIns="0" tIns="0" bIns="0">
+          <a:bodyPr lIns="0" tIns="0" rIns="0" bIns="0">
             <a:normAutofit/>
           </a:bodyPr>
-          <a:p>
-            <a:endParaRPr b="0" lang="de-DE" sz="2800" spc="-1" strike="noStrike">
-              <a:solidFill>
-                <a:srgbClr val="000000"/>
-              </a:solidFill>
-              <a:uFill>
-                <a:solidFill>
-                  <a:srgbClr val="ffffff"/>
+          <a:lstStyle/>
+          <a:p>
+            <a:endParaRPr lang="de-DE" sz="2800" b="0" strike="noStrike" spc="-1">
+              <a:solidFill>
+                <a:srgbClr val="000000"/>
+              </a:solidFill>
+              <a:uFill>
+                <a:solidFill>
+                  <a:srgbClr val="FFFFFF"/>
                 </a:solidFill>
               </a:uFill>
               <a:latin typeface="Calibri"/>
@@ -172,11 +274,14 @@
       </p:sp>
     </p:spTree>
   </p:cSld>
+  <p:clrMapOvr>
+    <a:masterClrMapping/>
+  </p:clrMapOvr>
 </p:sldLayout>
 </file>
 
 <file path=ppt/slideLayouts/slideLayout11.xml><?xml version="1.0" encoding="utf-8"?>
-<p:sldLayout xmlns:a="http://schemas.openxmlformats.org/drawingml/2006/main" xmlns:p="http://schemas.openxmlformats.org/presentationml/2006/main" xmlns:r="http://schemas.openxmlformats.org/officeDocument/2006/relationships" xmlns:p14="http://schemas.microsoft.com/office/powerpoint/2010/main" xmlns:p15="http://schemas.microsoft.com/office/powerpoint/2012/main" xmlns:mc="http://schemas.openxmlformats.org/markup-compatibility/2006" type="fourObj" preserve="1">
+<p:sldLayout xmlns:a="http://schemas.openxmlformats.org/drawingml/2006/main" xmlns:r="http://schemas.openxmlformats.org/officeDocument/2006/relationships" xmlns:p="http://schemas.openxmlformats.org/presentationml/2006/main" type="fourObj" preserve="1">
   <p:cSld name="Title, 4 Content">
     <p:spTree>
       <p:nvGrpSpPr>
@@ -212,15 +317,16 @@
           </a:prstGeom>
         </p:spPr>
         <p:txBody>
-          <a:bodyPr lIns="0" rIns="0" tIns="0" bIns="0" anchor="ctr"/>
-          <a:p>
-            <a:endParaRPr b="0" lang="de-DE" sz="1800" spc="-1" strike="noStrike">
-              <a:solidFill>
-                <a:srgbClr val="000000"/>
-              </a:solidFill>
-              <a:uFill>
-                <a:solidFill>
-                  <a:srgbClr val="ffffff"/>
+          <a:bodyPr lIns="0" tIns="0" rIns="0" bIns="0" anchor="ctr"/>
+          <a:lstStyle/>
+          <a:p>
+            <a:endParaRPr lang="de-DE" sz="1800" b="0" strike="noStrike" spc="-1">
+              <a:solidFill>
+                <a:srgbClr val="000000"/>
+              </a:solidFill>
+              <a:uFill>
+                <a:solidFill>
+                  <a:srgbClr val="FFFFFF"/>
                 </a:solidFill>
               </a:uFill>
               <a:latin typeface="Calibri"/>
@@ -248,17 +354,18 @@
           </a:prstGeom>
         </p:spPr>
         <p:txBody>
-          <a:bodyPr lIns="0" rIns="0" tIns="0" bIns="0">
+          <a:bodyPr lIns="0" tIns="0" rIns="0" bIns="0">
             <a:normAutofit/>
           </a:bodyPr>
-          <a:p>
-            <a:endParaRPr b="0" lang="de-DE" sz="2800" spc="-1" strike="noStrike">
-              <a:solidFill>
-                <a:srgbClr val="000000"/>
-              </a:solidFill>
-              <a:uFill>
-                <a:solidFill>
-                  <a:srgbClr val="ffffff"/>
+          <a:lstStyle/>
+          <a:p>
+            <a:endParaRPr lang="de-DE" sz="2800" b="0" strike="noStrike" spc="-1">
+              <a:solidFill>
+                <a:srgbClr val="000000"/>
+              </a:solidFill>
+              <a:uFill>
+                <a:solidFill>
+                  <a:srgbClr val="FFFFFF"/>
                 </a:solidFill>
               </a:uFill>
               <a:latin typeface="Calibri"/>
@@ -286,17 +393,18 @@
           </a:prstGeom>
         </p:spPr>
         <p:txBody>
-          <a:bodyPr lIns="0" rIns="0" tIns="0" bIns="0">
+          <a:bodyPr lIns="0" tIns="0" rIns="0" bIns="0">
             <a:normAutofit/>
           </a:bodyPr>
-          <a:p>
-            <a:endParaRPr b="0" lang="de-DE" sz="2800" spc="-1" strike="noStrike">
-              <a:solidFill>
-                <a:srgbClr val="000000"/>
-              </a:solidFill>
-              <a:uFill>
-                <a:solidFill>
-                  <a:srgbClr val="ffffff"/>
+          <a:lstStyle/>
+          <a:p>
+            <a:endParaRPr lang="de-DE" sz="2800" b="0" strike="noStrike" spc="-1">
+              <a:solidFill>
+                <a:srgbClr val="000000"/>
+              </a:solidFill>
+              <a:uFill>
+                <a:solidFill>
+                  <a:srgbClr val="FFFFFF"/>
                 </a:solidFill>
               </a:uFill>
               <a:latin typeface="Calibri"/>
@@ -324,17 +432,18 @@
           </a:prstGeom>
         </p:spPr>
         <p:txBody>
-          <a:bodyPr lIns="0" rIns="0" tIns="0" bIns="0">
+          <a:bodyPr lIns="0" tIns="0" rIns="0" bIns="0">
             <a:normAutofit/>
           </a:bodyPr>
-          <a:p>
-            <a:endParaRPr b="0" lang="de-DE" sz="2800" spc="-1" strike="noStrike">
-              <a:solidFill>
-                <a:srgbClr val="000000"/>
-              </a:solidFill>
-              <a:uFill>
-                <a:solidFill>
-                  <a:srgbClr val="ffffff"/>
+          <a:lstStyle/>
+          <a:p>
+            <a:endParaRPr lang="de-DE" sz="2800" b="0" strike="noStrike" spc="-1">
+              <a:solidFill>
+                <a:srgbClr val="000000"/>
+              </a:solidFill>
+              <a:uFill>
+                <a:solidFill>
+                  <a:srgbClr val="FFFFFF"/>
                 </a:solidFill>
               </a:uFill>
               <a:latin typeface="Calibri"/>
@@ -362,17 +471,18 @@
           </a:prstGeom>
         </p:spPr>
         <p:txBody>
-          <a:bodyPr lIns="0" rIns="0" tIns="0" bIns="0">
+          <a:bodyPr lIns="0" tIns="0" rIns="0" bIns="0">
             <a:normAutofit/>
           </a:bodyPr>
-          <a:p>
-            <a:endParaRPr b="0" lang="de-DE" sz="2800" spc="-1" strike="noStrike">
-              <a:solidFill>
-                <a:srgbClr val="000000"/>
-              </a:solidFill>
-              <a:uFill>
-                <a:solidFill>
-                  <a:srgbClr val="ffffff"/>
+          <a:lstStyle/>
+          <a:p>
+            <a:endParaRPr lang="de-DE" sz="2800" b="0" strike="noStrike" spc="-1">
+              <a:solidFill>
+                <a:srgbClr val="000000"/>
+              </a:solidFill>
+              <a:uFill>
+                <a:solidFill>
+                  <a:srgbClr val="FFFFFF"/>
                 </a:solidFill>
               </a:uFill>
               <a:latin typeface="Calibri"/>
@@ -382,11 +492,14 @@
       </p:sp>
     </p:spTree>
   </p:cSld>
+  <p:clrMapOvr>
+    <a:masterClrMapping/>
+  </p:clrMapOvr>
 </p:sldLayout>
 </file>
 
 <file path=ppt/slideLayouts/slideLayout12.xml><?xml version="1.0" encoding="utf-8"?>
-<p:sldLayout xmlns:a="http://schemas.openxmlformats.org/drawingml/2006/main" xmlns:p="http://schemas.openxmlformats.org/presentationml/2006/main" xmlns:r="http://schemas.openxmlformats.org/officeDocument/2006/relationships" xmlns:p14="http://schemas.microsoft.com/office/powerpoint/2010/main" xmlns:p15="http://schemas.microsoft.com/office/powerpoint/2012/main" xmlns:mc="http://schemas.openxmlformats.org/markup-compatibility/2006" type="blank" preserve="1">
+<p:sldLayout xmlns:a="http://schemas.openxmlformats.org/drawingml/2006/main" xmlns:r="http://schemas.openxmlformats.org/officeDocument/2006/relationships" xmlns:p="http://schemas.openxmlformats.org/presentationml/2006/main" type="blank" preserve="1">
   <p:cSld name="Title, 6 Content">
     <p:spTree>
       <p:nvGrpSpPr>
@@ -422,15 +535,16 @@
           </a:prstGeom>
         </p:spPr>
         <p:txBody>
-          <a:bodyPr lIns="0" rIns="0" tIns="0" bIns="0" anchor="ctr"/>
-          <a:p>
-            <a:endParaRPr b="0" lang="de-DE" sz="1800" spc="-1" strike="noStrike">
-              <a:solidFill>
-                <a:srgbClr val="000000"/>
-              </a:solidFill>
-              <a:uFill>
-                <a:solidFill>
-                  <a:srgbClr val="ffffff"/>
+          <a:bodyPr lIns="0" tIns="0" rIns="0" bIns="0" anchor="ctr"/>
+          <a:lstStyle/>
+          <a:p>
+            <a:endParaRPr lang="de-DE" sz="1800" b="0" strike="noStrike" spc="-1">
+              <a:solidFill>
+                <a:srgbClr val="000000"/>
+              </a:solidFill>
+              <a:uFill>
+                <a:solidFill>
+                  <a:srgbClr val="FFFFFF"/>
                 </a:solidFill>
               </a:uFill>
               <a:latin typeface="Calibri"/>
@@ -458,17 +572,18 @@
           </a:prstGeom>
         </p:spPr>
         <p:txBody>
-          <a:bodyPr lIns="0" rIns="0" tIns="0" bIns="0">
+          <a:bodyPr lIns="0" tIns="0" rIns="0" bIns="0">
             <a:normAutofit/>
           </a:bodyPr>
-          <a:p>
-            <a:endParaRPr b="0" lang="de-DE" sz="2800" spc="-1" strike="noStrike">
-              <a:solidFill>
-                <a:srgbClr val="000000"/>
-              </a:solidFill>
-              <a:uFill>
-                <a:solidFill>
-                  <a:srgbClr val="ffffff"/>
+          <a:lstStyle/>
+          <a:p>
+            <a:endParaRPr lang="de-DE" sz="2800" b="0" strike="noStrike" spc="-1">
+              <a:solidFill>
+                <a:srgbClr val="000000"/>
+              </a:solidFill>
+              <a:uFill>
+                <a:solidFill>
+                  <a:srgbClr val="FFFFFF"/>
                 </a:solidFill>
               </a:uFill>
               <a:latin typeface="Calibri"/>
@@ -496,17 +611,18 @@
           </a:prstGeom>
         </p:spPr>
         <p:txBody>
-          <a:bodyPr lIns="0" rIns="0" tIns="0" bIns="0">
+          <a:bodyPr lIns="0" tIns="0" rIns="0" bIns="0">
             <a:normAutofit/>
           </a:bodyPr>
-          <a:p>
-            <a:endParaRPr b="0" lang="de-DE" sz="2800" spc="-1" strike="noStrike">
-              <a:solidFill>
-                <a:srgbClr val="000000"/>
-              </a:solidFill>
-              <a:uFill>
-                <a:solidFill>
-                  <a:srgbClr val="ffffff"/>
+          <a:lstStyle/>
+          <a:p>
+            <a:endParaRPr lang="de-DE" sz="2800" b="0" strike="noStrike" spc="-1">
+              <a:solidFill>
+                <a:srgbClr val="000000"/>
+              </a:solidFill>
+              <a:uFill>
+                <a:solidFill>
+                  <a:srgbClr val="FFFFFF"/>
                 </a:solidFill>
               </a:uFill>
               <a:latin typeface="Calibri"/>
@@ -516,7 +632,7 @@
       </p:sp>
       <p:pic>
         <p:nvPicPr>
-          <p:cNvPr id="37" name="" descr=""/>
+          <p:cNvPr id="37" name="Grafik 36"/>
           <p:cNvPicPr/>
           <p:nvPr/>
         </p:nvPicPr>
@@ -539,12 +655,12 @@
       </p:pic>
       <p:pic>
         <p:nvPicPr>
-          <p:cNvPr id="38" name="" descr=""/>
+          <p:cNvPr id="38" name="Grafik 37"/>
           <p:cNvPicPr/>
           <p:nvPr/>
         </p:nvPicPr>
         <p:blipFill>
-          <a:blip r:embed="rId3"/>
+          <a:blip r:embed="rId2"/>
           <a:stretch/>
         </p:blipFill>
         <p:spPr>
@@ -562,11 +678,14 @@
       </p:pic>
     </p:spTree>
   </p:cSld>
+  <p:clrMapOvr>
+    <a:masterClrMapping/>
+  </p:clrMapOvr>
 </p:sldLayout>
 </file>
 
 <file path=ppt/slideLayouts/slideLayout13.xml><?xml version="1.0" encoding="utf-8"?>
-<p:sldLayout xmlns:a="http://schemas.openxmlformats.org/drawingml/2006/main" xmlns:p="http://schemas.openxmlformats.org/presentationml/2006/main" xmlns:r="http://schemas.openxmlformats.org/officeDocument/2006/relationships" xmlns:p14="http://schemas.microsoft.com/office/powerpoint/2010/main" xmlns:p15="http://schemas.microsoft.com/office/powerpoint/2012/main" xmlns:mc="http://schemas.openxmlformats.org/markup-compatibility/2006" type="blank" preserve="1">
+<p:sldLayout xmlns:a="http://schemas.openxmlformats.org/drawingml/2006/main" xmlns:r="http://schemas.openxmlformats.org/officeDocument/2006/relationships" xmlns:p="http://schemas.openxmlformats.org/presentationml/2006/main" type="blank" preserve="1">
   <p:cSld name="Blank Slide">
     <p:spTree>
       <p:nvGrpSpPr>
@@ -584,11 +703,14 @@
       </p:grpSpPr>
     </p:spTree>
   </p:cSld>
+  <p:clrMapOvr>
+    <a:masterClrMapping/>
+  </p:clrMapOvr>
 </p:sldLayout>
 </file>
 
 <file path=ppt/slideLayouts/slideLayout14.xml><?xml version="1.0" encoding="utf-8"?>
-<p:sldLayout xmlns:a="http://schemas.openxmlformats.org/drawingml/2006/main" xmlns:p="http://schemas.openxmlformats.org/presentationml/2006/main" xmlns:r="http://schemas.openxmlformats.org/officeDocument/2006/relationships" xmlns:p14="http://schemas.microsoft.com/office/powerpoint/2010/main" xmlns:p15="http://schemas.microsoft.com/office/powerpoint/2012/main" xmlns:mc="http://schemas.openxmlformats.org/markup-compatibility/2006" type="tx" preserve="1">
+<p:sldLayout xmlns:a="http://schemas.openxmlformats.org/drawingml/2006/main" xmlns:r="http://schemas.openxmlformats.org/officeDocument/2006/relationships" xmlns:p="http://schemas.openxmlformats.org/presentationml/2006/main" type="tx" preserve="1">
   <p:cSld name="Title Slide">
     <p:spTree>
       <p:nvGrpSpPr>
@@ -624,15 +746,16 @@
           </a:prstGeom>
         </p:spPr>
         <p:txBody>
-          <a:bodyPr lIns="0" rIns="0" tIns="0" bIns="0" anchor="ctr"/>
-          <a:p>
-            <a:endParaRPr b="0" lang="de-DE" sz="1800" spc="-1" strike="noStrike">
-              <a:solidFill>
-                <a:srgbClr val="000000"/>
-              </a:solidFill>
-              <a:uFill>
-                <a:solidFill>
-                  <a:srgbClr val="ffffff"/>
+          <a:bodyPr lIns="0" tIns="0" rIns="0" bIns="0" anchor="ctr"/>
+          <a:lstStyle/>
+          <a:p>
+            <a:endParaRPr lang="de-DE" sz="1800" b="0" strike="noStrike" spc="-1">
+              <a:solidFill>
+                <a:srgbClr val="000000"/>
+              </a:solidFill>
+              <a:uFill>
+                <a:solidFill>
+                  <a:srgbClr val="FFFFFF"/>
                 </a:solidFill>
               </a:uFill>
               <a:latin typeface="Calibri"/>
@@ -660,16 +783,17 @@
           </a:prstGeom>
         </p:spPr>
         <p:txBody>
-          <a:bodyPr lIns="0" rIns="0" tIns="0" bIns="0" anchor="ctr"/>
+          <a:bodyPr lIns="0" tIns="0" rIns="0" bIns="0" anchor="ctr"/>
+          <a:lstStyle/>
           <a:p>
             <a:pPr algn="ctr"/>
-            <a:endParaRPr b="0" lang="en-US" sz="3200" spc="-1" strike="noStrike">
-              <a:solidFill>
-                <a:srgbClr val="000000"/>
-              </a:solidFill>
-              <a:uFill>
-                <a:solidFill>
-                  <a:srgbClr val="ffffff"/>
+            <a:endParaRPr lang="en-US" sz="3200" b="0" strike="noStrike" spc="-1">
+              <a:solidFill>
+                <a:srgbClr val="000000"/>
+              </a:solidFill>
+              <a:uFill>
+                <a:solidFill>
+                  <a:srgbClr val="FFFFFF"/>
                 </a:solidFill>
               </a:uFill>
               <a:latin typeface="Arial"/>
@@ -679,11 +803,14 @@
       </p:sp>
     </p:spTree>
   </p:cSld>
+  <p:clrMapOvr>
+    <a:masterClrMapping/>
+  </p:clrMapOvr>
 </p:sldLayout>
 </file>
 
 <file path=ppt/slideLayouts/slideLayout15.xml><?xml version="1.0" encoding="utf-8"?>
-<p:sldLayout xmlns:a="http://schemas.openxmlformats.org/drawingml/2006/main" xmlns:p="http://schemas.openxmlformats.org/presentationml/2006/main" xmlns:r="http://schemas.openxmlformats.org/officeDocument/2006/relationships" xmlns:p14="http://schemas.microsoft.com/office/powerpoint/2010/main" xmlns:p15="http://schemas.microsoft.com/office/powerpoint/2012/main" xmlns:mc="http://schemas.openxmlformats.org/markup-compatibility/2006" type="obj" preserve="1">
+<p:sldLayout xmlns:a="http://schemas.openxmlformats.org/drawingml/2006/main" xmlns:r="http://schemas.openxmlformats.org/officeDocument/2006/relationships" xmlns:p="http://schemas.openxmlformats.org/presentationml/2006/main" type="obj" preserve="1">
   <p:cSld name="Title, Content">
     <p:spTree>
       <p:nvGrpSpPr>
@@ -719,15 +846,16 @@
           </a:prstGeom>
         </p:spPr>
         <p:txBody>
-          <a:bodyPr lIns="0" rIns="0" tIns="0" bIns="0" anchor="ctr"/>
-          <a:p>
-            <a:endParaRPr b="0" lang="de-DE" sz="1800" spc="-1" strike="noStrike">
-              <a:solidFill>
-                <a:srgbClr val="000000"/>
-              </a:solidFill>
-              <a:uFill>
-                <a:solidFill>
-                  <a:srgbClr val="ffffff"/>
+          <a:bodyPr lIns="0" tIns="0" rIns="0" bIns="0" anchor="ctr"/>
+          <a:lstStyle/>
+          <a:p>
+            <a:endParaRPr lang="de-DE" sz="1800" b="0" strike="noStrike" spc="-1">
+              <a:solidFill>
+                <a:srgbClr val="000000"/>
+              </a:solidFill>
+              <a:uFill>
+                <a:solidFill>
+                  <a:srgbClr val="FFFFFF"/>
                 </a:solidFill>
               </a:uFill>
               <a:latin typeface="Calibri"/>
@@ -755,17 +883,18 @@
           </a:prstGeom>
         </p:spPr>
         <p:txBody>
-          <a:bodyPr lIns="0" rIns="0" tIns="0" bIns="0">
+          <a:bodyPr lIns="0" tIns="0" rIns="0" bIns="0">
             <a:normAutofit/>
           </a:bodyPr>
-          <a:p>
-            <a:endParaRPr b="0" lang="de-DE" sz="2800" spc="-1" strike="noStrike">
-              <a:solidFill>
-                <a:srgbClr val="000000"/>
-              </a:solidFill>
-              <a:uFill>
-                <a:solidFill>
-                  <a:srgbClr val="ffffff"/>
+          <a:lstStyle/>
+          <a:p>
+            <a:endParaRPr lang="de-DE" sz="2800" b="0" strike="noStrike" spc="-1">
+              <a:solidFill>
+                <a:srgbClr val="000000"/>
+              </a:solidFill>
+              <a:uFill>
+                <a:solidFill>
+                  <a:srgbClr val="FFFFFF"/>
                 </a:solidFill>
               </a:uFill>
               <a:latin typeface="Calibri"/>
@@ -775,11 +904,14 @@
       </p:sp>
     </p:spTree>
   </p:cSld>
+  <p:clrMapOvr>
+    <a:masterClrMapping/>
+  </p:clrMapOvr>
 </p:sldLayout>
 </file>
 
 <file path=ppt/slideLayouts/slideLayout16.xml><?xml version="1.0" encoding="utf-8"?>
-<p:sldLayout xmlns:a="http://schemas.openxmlformats.org/drawingml/2006/main" xmlns:p="http://schemas.openxmlformats.org/presentationml/2006/main" xmlns:r="http://schemas.openxmlformats.org/officeDocument/2006/relationships" xmlns:p14="http://schemas.microsoft.com/office/powerpoint/2010/main" xmlns:p15="http://schemas.microsoft.com/office/powerpoint/2012/main" xmlns:mc="http://schemas.openxmlformats.org/markup-compatibility/2006" type="twoObj" preserve="1">
+<p:sldLayout xmlns:a="http://schemas.openxmlformats.org/drawingml/2006/main" xmlns:r="http://schemas.openxmlformats.org/officeDocument/2006/relationships" xmlns:p="http://schemas.openxmlformats.org/presentationml/2006/main" type="twoObj" preserve="1">
   <p:cSld name="Title, 2 Content">
     <p:spTree>
       <p:nvGrpSpPr>
@@ -815,15 +947,16 @@
           </a:prstGeom>
         </p:spPr>
         <p:txBody>
-          <a:bodyPr lIns="0" rIns="0" tIns="0" bIns="0" anchor="ctr"/>
-          <a:p>
-            <a:endParaRPr b="0" lang="de-DE" sz="1800" spc="-1" strike="noStrike">
-              <a:solidFill>
-                <a:srgbClr val="000000"/>
-              </a:solidFill>
-              <a:uFill>
-                <a:solidFill>
-                  <a:srgbClr val="ffffff"/>
+          <a:bodyPr lIns="0" tIns="0" rIns="0" bIns="0" anchor="ctr"/>
+          <a:lstStyle/>
+          <a:p>
+            <a:endParaRPr lang="de-DE" sz="1800" b="0" strike="noStrike" spc="-1">
+              <a:solidFill>
+                <a:srgbClr val="000000"/>
+              </a:solidFill>
+              <a:uFill>
+                <a:solidFill>
+                  <a:srgbClr val="FFFFFF"/>
                 </a:solidFill>
               </a:uFill>
               <a:latin typeface="Calibri"/>
@@ -851,17 +984,18 @@
           </a:prstGeom>
         </p:spPr>
         <p:txBody>
-          <a:bodyPr lIns="0" rIns="0" tIns="0" bIns="0">
+          <a:bodyPr lIns="0" tIns="0" rIns="0" bIns="0">
             <a:normAutofit/>
           </a:bodyPr>
-          <a:p>
-            <a:endParaRPr b="0" lang="de-DE" sz="2800" spc="-1" strike="noStrike">
-              <a:solidFill>
-                <a:srgbClr val="000000"/>
-              </a:solidFill>
-              <a:uFill>
-                <a:solidFill>
-                  <a:srgbClr val="ffffff"/>
+          <a:lstStyle/>
+          <a:p>
+            <a:endParaRPr lang="de-DE" sz="2800" b="0" strike="noStrike" spc="-1">
+              <a:solidFill>
+                <a:srgbClr val="000000"/>
+              </a:solidFill>
+              <a:uFill>
+                <a:solidFill>
+                  <a:srgbClr val="FFFFFF"/>
                 </a:solidFill>
               </a:uFill>
               <a:latin typeface="Calibri"/>
@@ -889,17 +1023,18 @@
           </a:prstGeom>
         </p:spPr>
         <p:txBody>
-          <a:bodyPr lIns="0" rIns="0" tIns="0" bIns="0">
+          <a:bodyPr lIns="0" tIns="0" rIns="0" bIns="0">
             <a:normAutofit/>
           </a:bodyPr>
-          <a:p>
-            <a:endParaRPr b="0" lang="de-DE" sz="2800" spc="-1" strike="noStrike">
-              <a:solidFill>
-                <a:srgbClr val="000000"/>
-              </a:solidFill>
-              <a:uFill>
-                <a:solidFill>
-                  <a:srgbClr val="ffffff"/>
+          <a:lstStyle/>
+          <a:p>
+            <a:endParaRPr lang="de-DE" sz="2800" b="0" strike="noStrike" spc="-1">
+              <a:solidFill>
+                <a:srgbClr val="000000"/>
+              </a:solidFill>
+              <a:uFill>
+                <a:solidFill>
+                  <a:srgbClr val="FFFFFF"/>
                 </a:solidFill>
               </a:uFill>
               <a:latin typeface="Calibri"/>
@@ -909,11 +1044,14 @@
       </p:sp>
     </p:spTree>
   </p:cSld>
+  <p:clrMapOvr>
+    <a:masterClrMapping/>
+  </p:clrMapOvr>
 </p:sldLayout>
 </file>
 
 <file path=ppt/slideLayouts/slideLayout17.xml><?xml version="1.0" encoding="utf-8"?>
-<p:sldLayout xmlns:a="http://schemas.openxmlformats.org/drawingml/2006/main" xmlns:p="http://schemas.openxmlformats.org/presentationml/2006/main" xmlns:r="http://schemas.openxmlformats.org/officeDocument/2006/relationships" xmlns:p14="http://schemas.microsoft.com/office/powerpoint/2010/main" xmlns:p15="http://schemas.microsoft.com/office/powerpoint/2012/main" xmlns:mc="http://schemas.openxmlformats.org/markup-compatibility/2006" type="titleOnly" preserve="1">
+<p:sldLayout xmlns:a="http://schemas.openxmlformats.org/drawingml/2006/main" xmlns:r="http://schemas.openxmlformats.org/officeDocument/2006/relationships" xmlns:p="http://schemas.openxmlformats.org/presentationml/2006/main" type="titleOnly" preserve="1">
   <p:cSld name="Title Only">
     <p:spTree>
       <p:nvGrpSpPr>
@@ -949,15 +1087,16 @@
           </a:prstGeom>
         </p:spPr>
         <p:txBody>
-          <a:bodyPr lIns="0" rIns="0" tIns="0" bIns="0" anchor="ctr"/>
-          <a:p>
-            <a:endParaRPr b="0" lang="de-DE" sz="1800" spc="-1" strike="noStrike">
-              <a:solidFill>
-                <a:srgbClr val="000000"/>
-              </a:solidFill>
-              <a:uFill>
-                <a:solidFill>
-                  <a:srgbClr val="ffffff"/>
+          <a:bodyPr lIns="0" tIns="0" rIns="0" bIns="0" anchor="ctr"/>
+          <a:lstStyle/>
+          <a:p>
+            <a:endParaRPr lang="de-DE" sz="1800" b="0" strike="noStrike" spc="-1">
+              <a:solidFill>
+                <a:srgbClr val="000000"/>
+              </a:solidFill>
+              <a:uFill>
+                <a:solidFill>
+                  <a:srgbClr val="FFFFFF"/>
                 </a:solidFill>
               </a:uFill>
               <a:latin typeface="Calibri"/>
@@ -967,11 +1106,14 @@
       </p:sp>
     </p:spTree>
   </p:cSld>
+  <p:clrMapOvr>
+    <a:masterClrMapping/>
+  </p:clrMapOvr>
 </p:sldLayout>
 </file>
 
 <file path=ppt/slideLayouts/slideLayout18.xml><?xml version="1.0" encoding="utf-8"?>
-<p:sldLayout xmlns:a="http://schemas.openxmlformats.org/drawingml/2006/main" xmlns:p="http://schemas.openxmlformats.org/presentationml/2006/main" xmlns:r="http://schemas.openxmlformats.org/officeDocument/2006/relationships" xmlns:p14="http://schemas.microsoft.com/office/powerpoint/2010/main" xmlns:p15="http://schemas.microsoft.com/office/powerpoint/2012/main" xmlns:mc="http://schemas.openxmlformats.org/markup-compatibility/2006" type="objOnly" preserve="1">
+<p:sldLayout xmlns:a="http://schemas.openxmlformats.org/drawingml/2006/main" xmlns:r="http://schemas.openxmlformats.org/officeDocument/2006/relationships" xmlns:p="http://schemas.openxmlformats.org/presentationml/2006/main" type="objOnly" preserve="1">
   <p:cSld name="Centered Text">
     <p:spTree>
       <p:nvGrpSpPr>
@@ -1007,16 +1149,17 @@
           </a:prstGeom>
         </p:spPr>
         <p:txBody>
-          <a:bodyPr lIns="0" rIns="0" tIns="0" bIns="0" anchor="ctr"/>
+          <a:bodyPr lIns="0" tIns="0" rIns="0" bIns="0" anchor="ctr"/>
+          <a:lstStyle/>
           <a:p>
             <a:pPr algn="ctr"/>
-            <a:endParaRPr b="0" lang="en-US" sz="3200" spc="-1" strike="noStrike">
-              <a:solidFill>
-                <a:srgbClr val="000000"/>
-              </a:solidFill>
-              <a:uFill>
-                <a:solidFill>
-                  <a:srgbClr val="ffffff"/>
+            <a:endParaRPr lang="en-US" sz="3200" b="0" strike="noStrike" spc="-1">
+              <a:solidFill>
+                <a:srgbClr val="000000"/>
+              </a:solidFill>
+              <a:uFill>
+                <a:solidFill>
+                  <a:srgbClr val="FFFFFF"/>
                 </a:solidFill>
               </a:uFill>
               <a:latin typeface="Arial"/>
@@ -1026,11 +1169,14 @@
       </p:sp>
     </p:spTree>
   </p:cSld>
+  <p:clrMapOvr>
+    <a:masterClrMapping/>
+  </p:clrMapOvr>
 </p:sldLayout>
 </file>
 
 <file path=ppt/slideLayouts/slideLayout19.xml><?xml version="1.0" encoding="utf-8"?>
-<p:sldLayout xmlns:a="http://schemas.openxmlformats.org/drawingml/2006/main" xmlns:p="http://schemas.openxmlformats.org/presentationml/2006/main" xmlns:r="http://schemas.openxmlformats.org/officeDocument/2006/relationships" xmlns:p14="http://schemas.microsoft.com/office/powerpoint/2010/main" xmlns:p15="http://schemas.microsoft.com/office/powerpoint/2012/main" xmlns:mc="http://schemas.openxmlformats.org/markup-compatibility/2006" type="twoObjAndObj" preserve="1">
+<p:sldLayout xmlns:a="http://schemas.openxmlformats.org/drawingml/2006/main" xmlns:r="http://schemas.openxmlformats.org/officeDocument/2006/relationships" xmlns:p="http://schemas.openxmlformats.org/presentationml/2006/main" type="twoObjAndObj" preserve="1">
   <p:cSld name="Title, 2 Content and Content">
     <p:spTree>
       <p:nvGrpSpPr>
@@ -1066,15 +1212,16 @@
           </a:prstGeom>
         </p:spPr>
         <p:txBody>
-          <a:bodyPr lIns="0" rIns="0" tIns="0" bIns="0" anchor="ctr"/>
-          <a:p>
-            <a:endParaRPr b="0" lang="de-DE" sz="1800" spc="-1" strike="noStrike">
-              <a:solidFill>
-                <a:srgbClr val="000000"/>
-              </a:solidFill>
-              <a:uFill>
-                <a:solidFill>
-                  <a:srgbClr val="ffffff"/>
+          <a:bodyPr lIns="0" tIns="0" rIns="0" bIns="0" anchor="ctr"/>
+          <a:lstStyle/>
+          <a:p>
+            <a:endParaRPr lang="de-DE" sz="1800" b="0" strike="noStrike" spc="-1">
+              <a:solidFill>
+                <a:srgbClr val="000000"/>
+              </a:solidFill>
+              <a:uFill>
+                <a:solidFill>
+                  <a:srgbClr val="FFFFFF"/>
                 </a:solidFill>
               </a:uFill>
               <a:latin typeface="Calibri"/>
@@ -1102,17 +1249,18 @@
           </a:prstGeom>
         </p:spPr>
         <p:txBody>
-          <a:bodyPr lIns="0" rIns="0" tIns="0" bIns="0">
+          <a:bodyPr lIns="0" tIns="0" rIns="0" bIns="0">
             <a:normAutofit/>
           </a:bodyPr>
-          <a:p>
-            <a:endParaRPr b="0" lang="de-DE" sz="2800" spc="-1" strike="noStrike">
-              <a:solidFill>
-                <a:srgbClr val="000000"/>
-              </a:solidFill>
-              <a:uFill>
-                <a:solidFill>
-                  <a:srgbClr val="ffffff"/>
+          <a:lstStyle/>
+          <a:p>
+            <a:endParaRPr lang="de-DE" sz="2800" b="0" strike="noStrike" spc="-1">
+              <a:solidFill>
+                <a:srgbClr val="000000"/>
+              </a:solidFill>
+              <a:uFill>
+                <a:solidFill>
+                  <a:srgbClr val="FFFFFF"/>
                 </a:solidFill>
               </a:uFill>
               <a:latin typeface="Calibri"/>
@@ -1140,17 +1288,18 @@
           </a:prstGeom>
         </p:spPr>
         <p:txBody>
-          <a:bodyPr lIns="0" rIns="0" tIns="0" bIns="0">
+          <a:bodyPr lIns="0" tIns="0" rIns="0" bIns="0">
             <a:normAutofit/>
           </a:bodyPr>
-          <a:p>
-            <a:endParaRPr b="0" lang="de-DE" sz="2800" spc="-1" strike="noStrike">
-              <a:solidFill>
-                <a:srgbClr val="000000"/>
-              </a:solidFill>
-              <a:uFill>
-                <a:solidFill>
-                  <a:srgbClr val="ffffff"/>
+          <a:lstStyle/>
+          <a:p>
+            <a:endParaRPr lang="de-DE" sz="2800" b="0" strike="noStrike" spc="-1">
+              <a:solidFill>
+                <a:srgbClr val="000000"/>
+              </a:solidFill>
+              <a:uFill>
+                <a:solidFill>
+                  <a:srgbClr val="FFFFFF"/>
                 </a:solidFill>
               </a:uFill>
               <a:latin typeface="Calibri"/>
@@ -1178,17 +1327,18 @@
           </a:prstGeom>
         </p:spPr>
         <p:txBody>
-          <a:bodyPr lIns="0" rIns="0" tIns="0" bIns="0">
+          <a:bodyPr lIns="0" tIns="0" rIns="0" bIns="0">
             <a:normAutofit/>
           </a:bodyPr>
-          <a:p>
-            <a:endParaRPr b="0" lang="de-DE" sz="2800" spc="-1" strike="noStrike">
-              <a:solidFill>
-                <a:srgbClr val="000000"/>
-              </a:solidFill>
-              <a:uFill>
-                <a:solidFill>
-                  <a:srgbClr val="ffffff"/>
+          <a:lstStyle/>
+          <a:p>
+            <a:endParaRPr lang="de-DE" sz="2800" b="0" strike="noStrike" spc="-1">
+              <a:solidFill>
+                <a:srgbClr val="000000"/>
+              </a:solidFill>
+              <a:uFill>
+                <a:solidFill>
+                  <a:srgbClr val="FFFFFF"/>
                 </a:solidFill>
               </a:uFill>
               <a:latin typeface="Calibri"/>
@@ -1198,11 +1348,14 @@
       </p:sp>
     </p:spTree>
   </p:cSld>
+  <p:clrMapOvr>
+    <a:masterClrMapping/>
+  </p:clrMapOvr>
 </p:sldLayout>
 </file>
 
 <file path=ppt/slideLayouts/slideLayout2.xml><?xml version="1.0" encoding="utf-8"?>
-<p:sldLayout xmlns:a="http://schemas.openxmlformats.org/drawingml/2006/main" xmlns:p="http://schemas.openxmlformats.org/presentationml/2006/main" xmlns:r="http://schemas.openxmlformats.org/officeDocument/2006/relationships" xmlns:p14="http://schemas.microsoft.com/office/powerpoint/2010/main" xmlns:p15="http://schemas.microsoft.com/office/powerpoint/2012/main" xmlns:mc="http://schemas.openxmlformats.org/markup-compatibility/2006" type="tx" preserve="1">
+<p:sldLayout xmlns:a="http://schemas.openxmlformats.org/drawingml/2006/main" xmlns:r="http://schemas.openxmlformats.org/officeDocument/2006/relationships" xmlns:p="http://schemas.openxmlformats.org/presentationml/2006/main" type="tx" preserve="1">
   <p:cSld name="Title Slide">
     <p:spTree>
       <p:nvGrpSpPr>
@@ -1238,15 +1391,16 @@
           </a:prstGeom>
         </p:spPr>
         <p:txBody>
-          <a:bodyPr lIns="0" rIns="0" tIns="0" bIns="0" anchor="ctr"/>
-          <a:p>
-            <a:endParaRPr b="0" lang="de-DE" sz="1800" spc="-1" strike="noStrike">
-              <a:solidFill>
-                <a:srgbClr val="000000"/>
-              </a:solidFill>
-              <a:uFill>
-                <a:solidFill>
-                  <a:srgbClr val="ffffff"/>
+          <a:bodyPr lIns="0" tIns="0" rIns="0" bIns="0" anchor="ctr"/>
+          <a:lstStyle/>
+          <a:p>
+            <a:endParaRPr lang="de-DE" sz="1800" b="0" strike="noStrike" spc="-1">
+              <a:solidFill>
+                <a:srgbClr val="000000"/>
+              </a:solidFill>
+              <a:uFill>
+                <a:solidFill>
+                  <a:srgbClr val="FFFFFF"/>
                 </a:solidFill>
               </a:uFill>
               <a:latin typeface="Calibri"/>
@@ -1274,16 +1428,17 @@
           </a:prstGeom>
         </p:spPr>
         <p:txBody>
-          <a:bodyPr lIns="0" rIns="0" tIns="0" bIns="0" anchor="ctr"/>
+          <a:bodyPr lIns="0" tIns="0" rIns="0" bIns="0" anchor="ctr"/>
+          <a:lstStyle/>
           <a:p>
             <a:pPr algn="ctr"/>
-            <a:endParaRPr b="0" lang="en-US" sz="3200" spc="-1" strike="noStrike">
-              <a:solidFill>
-                <a:srgbClr val="000000"/>
-              </a:solidFill>
-              <a:uFill>
-                <a:solidFill>
-                  <a:srgbClr val="ffffff"/>
+            <a:endParaRPr lang="en-US" sz="3200" b="0" strike="noStrike" spc="-1">
+              <a:solidFill>
+                <a:srgbClr val="000000"/>
+              </a:solidFill>
+              <a:uFill>
+                <a:solidFill>
+                  <a:srgbClr val="FFFFFF"/>
                 </a:solidFill>
               </a:uFill>
               <a:latin typeface="Arial"/>
@@ -1293,11 +1448,14 @@
       </p:sp>
     </p:spTree>
   </p:cSld>
+  <p:clrMapOvr>
+    <a:masterClrMapping/>
+  </p:clrMapOvr>
 </p:sldLayout>
 </file>
 
 <file path=ppt/slideLayouts/slideLayout20.xml><?xml version="1.0" encoding="utf-8"?>
-<p:sldLayout xmlns:a="http://schemas.openxmlformats.org/drawingml/2006/main" xmlns:p="http://schemas.openxmlformats.org/presentationml/2006/main" xmlns:r="http://schemas.openxmlformats.org/officeDocument/2006/relationships" xmlns:p14="http://schemas.microsoft.com/office/powerpoint/2010/main" xmlns:p15="http://schemas.microsoft.com/office/powerpoint/2012/main" xmlns:mc="http://schemas.openxmlformats.org/markup-compatibility/2006" type="objAndTwoObj" preserve="1">
+<p:sldLayout xmlns:a="http://schemas.openxmlformats.org/drawingml/2006/main" xmlns:r="http://schemas.openxmlformats.org/officeDocument/2006/relationships" xmlns:p="http://schemas.openxmlformats.org/presentationml/2006/main" type="objAndTwoObj" preserve="1">
   <p:cSld name="Title Content and 2 Content">
     <p:spTree>
       <p:nvGrpSpPr>
@@ -1333,15 +1491,16 @@
           </a:prstGeom>
         </p:spPr>
         <p:txBody>
-          <a:bodyPr lIns="0" rIns="0" tIns="0" bIns="0" anchor="ctr"/>
-          <a:p>
-            <a:endParaRPr b="0" lang="de-DE" sz="1800" spc="-1" strike="noStrike">
-              <a:solidFill>
-                <a:srgbClr val="000000"/>
-              </a:solidFill>
-              <a:uFill>
-                <a:solidFill>
-                  <a:srgbClr val="ffffff"/>
+          <a:bodyPr lIns="0" tIns="0" rIns="0" bIns="0" anchor="ctr"/>
+          <a:lstStyle/>
+          <a:p>
+            <a:endParaRPr lang="de-DE" sz="1800" b="0" strike="noStrike" spc="-1">
+              <a:solidFill>
+                <a:srgbClr val="000000"/>
+              </a:solidFill>
+              <a:uFill>
+                <a:solidFill>
+                  <a:srgbClr val="FFFFFF"/>
                 </a:solidFill>
               </a:uFill>
               <a:latin typeface="Calibri"/>
@@ -1369,17 +1528,18 @@
           </a:prstGeom>
         </p:spPr>
         <p:txBody>
-          <a:bodyPr lIns="0" rIns="0" tIns="0" bIns="0">
+          <a:bodyPr lIns="0" tIns="0" rIns="0" bIns="0">
             <a:normAutofit/>
           </a:bodyPr>
-          <a:p>
-            <a:endParaRPr b="0" lang="de-DE" sz="2800" spc="-1" strike="noStrike">
-              <a:solidFill>
-                <a:srgbClr val="000000"/>
-              </a:solidFill>
-              <a:uFill>
-                <a:solidFill>
-                  <a:srgbClr val="ffffff"/>
+          <a:lstStyle/>
+          <a:p>
+            <a:endParaRPr lang="de-DE" sz="2800" b="0" strike="noStrike" spc="-1">
+              <a:solidFill>
+                <a:srgbClr val="000000"/>
+              </a:solidFill>
+              <a:uFill>
+                <a:solidFill>
+                  <a:srgbClr val="FFFFFF"/>
                 </a:solidFill>
               </a:uFill>
               <a:latin typeface="Calibri"/>
@@ -1407,17 +1567,18 @@
           </a:prstGeom>
         </p:spPr>
         <p:txBody>
-          <a:bodyPr lIns="0" rIns="0" tIns="0" bIns="0">
+          <a:bodyPr lIns="0" tIns="0" rIns="0" bIns="0">
             <a:normAutofit/>
           </a:bodyPr>
-          <a:p>
-            <a:endParaRPr b="0" lang="de-DE" sz="2800" spc="-1" strike="noStrike">
-              <a:solidFill>
-                <a:srgbClr val="000000"/>
-              </a:solidFill>
-              <a:uFill>
-                <a:solidFill>
-                  <a:srgbClr val="ffffff"/>
+          <a:lstStyle/>
+          <a:p>
+            <a:endParaRPr lang="de-DE" sz="2800" b="0" strike="noStrike" spc="-1">
+              <a:solidFill>
+                <a:srgbClr val="000000"/>
+              </a:solidFill>
+              <a:uFill>
+                <a:solidFill>
+                  <a:srgbClr val="FFFFFF"/>
                 </a:solidFill>
               </a:uFill>
               <a:latin typeface="Calibri"/>
@@ -1445,17 +1606,18 @@
           </a:prstGeom>
         </p:spPr>
         <p:txBody>
-          <a:bodyPr lIns="0" rIns="0" tIns="0" bIns="0">
+          <a:bodyPr lIns="0" tIns="0" rIns="0" bIns="0">
             <a:normAutofit/>
           </a:bodyPr>
-          <a:p>
-            <a:endParaRPr b="0" lang="de-DE" sz="2800" spc="-1" strike="noStrike">
-              <a:solidFill>
-                <a:srgbClr val="000000"/>
-              </a:solidFill>
-              <a:uFill>
-                <a:solidFill>
-                  <a:srgbClr val="ffffff"/>
+          <a:lstStyle/>
+          <a:p>
+            <a:endParaRPr lang="de-DE" sz="2800" b="0" strike="noStrike" spc="-1">
+              <a:solidFill>
+                <a:srgbClr val="000000"/>
+              </a:solidFill>
+              <a:uFill>
+                <a:solidFill>
+                  <a:srgbClr val="FFFFFF"/>
                 </a:solidFill>
               </a:uFill>
               <a:latin typeface="Calibri"/>
@@ -1465,11 +1627,14 @@
       </p:sp>
     </p:spTree>
   </p:cSld>
+  <p:clrMapOvr>
+    <a:masterClrMapping/>
+  </p:clrMapOvr>
 </p:sldLayout>
 </file>
 
 <file path=ppt/slideLayouts/slideLayout21.xml><?xml version="1.0" encoding="utf-8"?>
-<p:sldLayout xmlns:a="http://schemas.openxmlformats.org/drawingml/2006/main" xmlns:p="http://schemas.openxmlformats.org/presentationml/2006/main" xmlns:r="http://schemas.openxmlformats.org/officeDocument/2006/relationships" xmlns:p14="http://schemas.microsoft.com/office/powerpoint/2010/main" xmlns:p15="http://schemas.microsoft.com/office/powerpoint/2012/main" xmlns:mc="http://schemas.openxmlformats.org/markup-compatibility/2006" type="twoObjOverTx" preserve="1">
+<p:sldLayout xmlns:a="http://schemas.openxmlformats.org/drawingml/2006/main" xmlns:r="http://schemas.openxmlformats.org/officeDocument/2006/relationships" xmlns:p="http://schemas.openxmlformats.org/presentationml/2006/main" type="twoObjOverTx" preserve="1">
   <p:cSld name="Title, 2 Content over Content">
     <p:spTree>
       <p:nvGrpSpPr>
@@ -1505,15 +1670,16 @@
           </a:prstGeom>
         </p:spPr>
         <p:txBody>
-          <a:bodyPr lIns="0" rIns="0" tIns="0" bIns="0" anchor="ctr"/>
-          <a:p>
-            <a:endParaRPr b="0" lang="de-DE" sz="1800" spc="-1" strike="noStrike">
-              <a:solidFill>
-                <a:srgbClr val="000000"/>
-              </a:solidFill>
-              <a:uFill>
-                <a:solidFill>
-                  <a:srgbClr val="ffffff"/>
+          <a:bodyPr lIns="0" tIns="0" rIns="0" bIns="0" anchor="ctr"/>
+          <a:lstStyle/>
+          <a:p>
+            <a:endParaRPr lang="de-DE" sz="1800" b="0" strike="noStrike" spc="-1">
+              <a:solidFill>
+                <a:srgbClr val="000000"/>
+              </a:solidFill>
+              <a:uFill>
+                <a:solidFill>
+                  <a:srgbClr val="FFFFFF"/>
                 </a:solidFill>
               </a:uFill>
               <a:latin typeface="Calibri"/>
@@ -1541,17 +1707,18 @@
           </a:prstGeom>
         </p:spPr>
         <p:txBody>
-          <a:bodyPr lIns="0" rIns="0" tIns="0" bIns="0">
+          <a:bodyPr lIns="0" tIns="0" rIns="0" bIns="0">
             <a:normAutofit/>
           </a:bodyPr>
-          <a:p>
-            <a:endParaRPr b="0" lang="de-DE" sz="2800" spc="-1" strike="noStrike">
-              <a:solidFill>
-                <a:srgbClr val="000000"/>
-              </a:solidFill>
-              <a:uFill>
-                <a:solidFill>
-                  <a:srgbClr val="ffffff"/>
+          <a:lstStyle/>
+          <a:p>
+            <a:endParaRPr lang="de-DE" sz="2800" b="0" strike="noStrike" spc="-1">
+              <a:solidFill>
+                <a:srgbClr val="000000"/>
+              </a:solidFill>
+              <a:uFill>
+                <a:solidFill>
+                  <a:srgbClr val="FFFFFF"/>
                 </a:solidFill>
               </a:uFill>
               <a:latin typeface="Calibri"/>
@@ -1579,17 +1746,18 @@
           </a:prstGeom>
         </p:spPr>
         <p:txBody>
-          <a:bodyPr lIns="0" rIns="0" tIns="0" bIns="0">
+          <a:bodyPr lIns="0" tIns="0" rIns="0" bIns="0">
             <a:normAutofit/>
           </a:bodyPr>
-          <a:p>
-            <a:endParaRPr b="0" lang="de-DE" sz="2800" spc="-1" strike="noStrike">
-              <a:solidFill>
-                <a:srgbClr val="000000"/>
-              </a:solidFill>
-              <a:uFill>
-                <a:solidFill>
-                  <a:srgbClr val="ffffff"/>
+          <a:lstStyle/>
+          <a:p>
+            <a:endParaRPr lang="de-DE" sz="2800" b="0" strike="noStrike" spc="-1">
+              <a:solidFill>
+                <a:srgbClr val="000000"/>
+              </a:solidFill>
+              <a:uFill>
+                <a:solidFill>
+                  <a:srgbClr val="FFFFFF"/>
                 </a:solidFill>
               </a:uFill>
               <a:latin typeface="Calibri"/>
@@ -1617,17 +1785,18 @@
           </a:prstGeom>
         </p:spPr>
         <p:txBody>
-          <a:bodyPr lIns="0" rIns="0" tIns="0" bIns="0">
+          <a:bodyPr lIns="0" tIns="0" rIns="0" bIns="0">
             <a:normAutofit/>
           </a:bodyPr>
-          <a:p>
-            <a:endParaRPr b="0" lang="de-DE" sz="2800" spc="-1" strike="noStrike">
-              <a:solidFill>
-                <a:srgbClr val="000000"/>
-              </a:solidFill>
-              <a:uFill>
-                <a:solidFill>
-                  <a:srgbClr val="ffffff"/>
+          <a:lstStyle/>
+          <a:p>
+            <a:endParaRPr lang="de-DE" sz="2800" b="0" strike="noStrike" spc="-1">
+              <a:solidFill>
+                <a:srgbClr val="000000"/>
+              </a:solidFill>
+              <a:uFill>
+                <a:solidFill>
+                  <a:srgbClr val="FFFFFF"/>
                 </a:solidFill>
               </a:uFill>
               <a:latin typeface="Calibri"/>
@@ -1637,11 +1806,14 @@
       </p:sp>
     </p:spTree>
   </p:cSld>
+  <p:clrMapOvr>
+    <a:masterClrMapping/>
+  </p:clrMapOvr>
 </p:sldLayout>
 </file>
 
 <file path=ppt/slideLayouts/slideLayout22.xml><?xml version="1.0" encoding="utf-8"?>
-<p:sldLayout xmlns:a="http://schemas.openxmlformats.org/drawingml/2006/main" xmlns:p="http://schemas.openxmlformats.org/presentationml/2006/main" xmlns:r="http://schemas.openxmlformats.org/officeDocument/2006/relationships" xmlns:p14="http://schemas.microsoft.com/office/powerpoint/2010/main" xmlns:p15="http://schemas.microsoft.com/office/powerpoint/2012/main" xmlns:mc="http://schemas.openxmlformats.org/markup-compatibility/2006" type="objOverTx" preserve="1">
+<p:sldLayout xmlns:a="http://schemas.openxmlformats.org/drawingml/2006/main" xmlns:r="http://schemas.openxmlformats.org/officeDocument/2006/relationships" xmlns:p="http://schemas.openxmlformats.org/presentationml/2006/main" type="objOverTx" preserve="1">
   <p:cSld name="Title, Content over Content">
     <p:spTree>
       <p:nvGrpSpPr>
@@ -1677,15 +1849,16 @@
           </a:prstGeom>
         </p:spPr>
         <p:txBody>
-          <a:bodyPr lIns="0" rIns="0" tIns="0" bIns="0" anchor="ctr"/>
-          <a:p>
-            <a:endParaRPr b="0" lang="de-DE" sz="1800" spc="-1" strike="noStrike">
-              <a:solidFill>
-                <a:srgbClr val="000000"/>
-              </a:solidFill>
-              <a:uFill>
-                <a:solidFill>
-                  <a:srgbClr val="ffffff"/>
+          <a:bodyPr lIns="0" tIns="0" rIns="0" bIns="0" anchor="ctr"/>
+          <a:lstStyle/>
+          <a:p>
+            <a:endParaRPr lang="de-DE" sz="1800" b="0" strike="noStrike" spc="-1">
+              <a:solidFill>
+                <a:srgbClr val="000000"/>
+              </a:solidFill>
+              <a:uFill>
+                <a:solidFill>
+                  <a:srgbClr val="FFFFFF"/>
                 </a:solidFill>
               </a:uFill>
               <a:latin typeface="Calibri"/>
@@ -1713,17 +1886,18 @@
           </a:prstGeom>
         </p:spPr>
         <p:txBody>
-          <a:bodyPr lIns="0" rIns="0" tIns="0" bIns="0">
+          <a:bodyPr lIns="0" tIns="0" rIns="0" bIns="0">
             <a:normAutofit/>
           </a:bodyPr>
-          <a:p>
-            <a:endParaRPr b="0" lang="de-DE" sz="2800" spc="-1" strike="noStrike">
-              <a:solidFill>
-                <a:srgbClr val="000000"/>
-              </a:solidFill>
-              <a:uFill>
-                <a:solidFill>
-                  <a:srgbClr val="ffffff"/>
+          <a:lstStyle/>
+          <a:p>
+            <a:endParaRPr lang="de-DE" sz="2800" b="0" strike="noStrike" spc="-1">
+              <a:solidFill>
+                <a:srgbClr val="000000"/>
+              </a:solidFill>
+              <a:uFill>
+                <a:solidFill>
+                  <a:srgbClr val="FFFFFF"/>
                 </a:solidFill>
               </a:uFill>
               <a:latin typeface="Calibri"/>
@@ -1751,17 +1925,18 @@
           </a:prstGeom>
         </p:spPr>
         <p:txBody>
-          <a:bodyPr lIns="0" rIns="0" tIns="0" bIns="0">
+          <a:bodyPr lIns="0" tIns="0" rIns="0" bIns="0">
             <a:normAutofit/>
           </a:bodyPr>
-          <a:p>
-            <a:endParaRPr b="0" lang="de-DE" sz="2800" spc="-1" strike="noStrike">
-              <a:solidFill>
-                <a:srgbClr val="000000"/>
-              </a:solidFill>
-              <a:uFill>
-                <a:solidFill>
-                  <a:srgbClr val="ffffff"/>
+          <a:lstStyle/>
+          <a:p>
+            <a:endParaRPr lang="de-DE" sz="2800" b="0" strike="noStrike" spc="-1">
+              <a:solidFill>
+                <a:srgbClr val="000000"/>
+              </a:solidFill>
+              <a:uFill>
+                <a:solidFill>
+                  <a:srgbClr val="FFFFFF"/>
                 </a:solidFill>
               </a:uFill>
               <a:latin typeface="Calibri"/>
@@ -1771,11 +1946,14 @@
       </p:sp>
     </p:spTree>
   </p:cSld>
+  <p:clrMapOvr>
+    <a:masterClrMapping/>
+  </p:clrMapOvr>
 </p:sldLayout>
 </file>
 
 <file path=ppt/slideLayouts/slideLayout23.xml><?xml version="1.0" encoding="utf-8"?>
-<p:sldLayout xmlns:a="http://schemas.openxmlformats.org/drawingml/2006/main" xmlns:p="http://schemas.openxmlformats.org/presentationml/2006/main" xmlns:r="http://schemas.openxmlformats.org/officeDocument/2006/relationships" xmlns:p14="http://schemas.microsoft.com/office/powerpoint/2010/main" xmlns:p15="http://schemas.microsoft.com/office/powerpoint/2012/main" xmlns:mc="http://schemas.openxmlformats.org/markup-compatibility/2006" type="fourObj" preserve="1">
+<p:sldLayout xmlns:a="http://schemas.openxmlformats.org/drawingml/2006/main" xmlns:r="http://schemas.openxmlformats.org/officeDocument/2006/relationships" xmlns:p="http://schemas.openxmlformats.org/presentationml/2006/main" type="fourObj" preserve="1">
   <p:cSld name="Title, 4 Content">
     <p:spTree>
       <p:nvGrpSpPr>
@@ -1811,15 +1989,16 @@
           </a:prstGeom>
         </p:spPr>
         <p:txBody>
-          <a:bodyPr lIns="0" rIns="0" tIns="0" bIns="0" anchor="ctr"/>
-          <a:p>
-            <a:endParaRPr b="0" lang="de-DE" sz="1800" spc="-1" strike="noStrike">
-              <a:solidFill>
-                <a:srgbClr val="000000"/>
-              </a:solidFill>
-              <a:uFill>
-                <a:solidFill>
-                  <a:srgbClr val="ffffff"/>
+          <a:bodyPr lIns="0" tIns="0" rIns="0" bIns="0" anchor="ctr"/>
+          <a:lstStyle/>
+          <a:p>
+            <a:endParaRPr lang="de-DE" sz="1800" b="0" strike="noStrike" spc="-1">
+              <a:solidFill>
+                <a:srgbClr val="000000"/>
+              </a:solidFill>
+              <a:uFill>
+                <a:solidFill>
+                  <a:srgbClr val="FFFFFF"/>
                 </a:solidFill>
               </a:uFill>
               <a:latin typeface="Calibri"/>
@@ -1847,17 +2026,18 @@
           </a:prstGeom>
         </p:spPr>
         <p:txBody>
-          <a:bodyPr lIns="0" rIns="0" tIns="0" bIns="0">
+          <a:bodyPr lIns="0" tIns="0" rIns="0" bIns="0">
             <a:normAutofit/>
           </a:bodyPr>
-          <a:p>
-            <a:endParaRPr b="0" lang="de-DE" sz="2800" spc="-1" strike="noStrike">
-              <a:solidFill>
-                <a:srgbClr val="000000"/>
-              </a:solidFill>
-              <a:uFill>
-                <a:solidFill>
-                  <a:srgbClr val="ffffff"/>
+          <a:lstStyle/>
+          <a:p>
+            <a:endParaRPr lang="de-DE" sz="2800" b="0" strike="noStrike" spc="-1">
+              <a:solidFill>
+                <a:srgbClr val="000000"/>
+              </a:solidFill>
+              <a:uFill>
+                <a:solidFill>
+                  <a:srgbClr val="FFFFFF"/>
                 </a:solidFill>
               </a:uFill>
               <a:latin typeface="Calibri"/>
@@ -1885,17 +2065,18 @@
           </a:prstGeom>
         </p:spPr>
         <p:txBody>
-          <a:bodyPr lIns="0" rIns="0" tIns="0" bIns="0">
+          <a:bodyPr lIns="0" tIns="0" rIns="0" bIns="0">
             <a:normAutofit/>
           </a:bodyPr>
-          <a:p>
-            <a:endParaRPr b="0" lang="de-DE" sz="2800" spc="-1" strike="noStrike">
-              <a:solidFill>
-                <a:srgbClr val="000000"/>
-              </a:solidFill>
-              <a:uFill>
-                <a:solidFill>
-                  <a:srgbClr val="ffffff"/>
+          <a:lstStyle/>
+          <a:p>
+            <a:endParaRPr lang="de-DE" sz="2800" b="0" strike="noStrike" spc="-1">
+              <a:solidFill>
+                <a:srgbClr val="000000"/>
+              </a:solidFill>
+              <a:uFill>
+                <a:solidFill>
+                  <a:srgbClr val="FFFFFF"/>
                 </a:solidFill>
               </a:uFill>
               <a:latin typeface="Calibri"/>
@@ -1923,17 +2104,18 @@
           </a:prstGeom>
         </p:spPr>
         <p:txBody>
-          <a:bodyPr lIns="0" rIns="0" tIns="0" bIns="0">
+          <a:bodyPr lIns="0" tIns="0" rIns="0" bIns="0">
             <a:normAutofit/>
           </a:bodyPr>
-          <a:p>
-            <a:endParaRPr b="0" lang="de-DE" sz="2800" spc="-1" strike="noStrike">
-              <a:solidFill>
-                <a:srgbClr val="000000"/>
-              </a:solidFill>
-              <a:uFill>
-                <a:solidFill>
-                  <a:srgbClr val="ffffff"/>
+          <a:lstStyle/>
+          <a:p>
+            <a:endParaRPr lang="de-DE" sz="2800" b="0" strike="noStrike" spc="-1">
+              <a:solidFill>
+                <a:srgbClr val="000000"/>
+              </a:solidFill>
+              <a:uFill>
+                <a:solidFill>
+                  <a:srgbClr val="FFFFFF"/>
                 </a:solidFill>
               </a:uFill>
               <a:latin typeface="Calibri"/>
@@ -1961,17 +2143,18 @@
           </a:prstGeom>
         </p:spPr>
         <p:txBody>
-          <a:bodyPr lIns="0" rIns="0" tIns="0" bIns="0">
+          <a:bodyPr lIns="0" tIns="0" rIns="0" bIns="0">
             <a:normAutofit/>
           </a:bodyPr>
-          <a:p>
-            <a:endParaRPr b="0" lang="de-DE" sz="2800" spc="-1" strike="noStrike">
-              <a:solidFill>
-                <a:srgbClr val="000000"/>
-              </a:solidFill>
-              <a:uFill>
-                <a:solidFill>
-                  <a:srgbClr val="ffffff"/>
+          <a:lstStyle/>
+          <a:p>
+            <a:endParaRPr lang="de-DE" sz="2800" b="0" strike="noStrike" spc="-1">
+              <a:solidFill>
+                <a:srgbClr val="000000"/>
+              </a:solidFill>
+              <a:uFill>
+                <a:solidFill>
+                  <a:srgbClr val="FFFFFF"/>
                 </a:solidFill>
               </a:uFill>
               <a:latin typeface="Calibri"/>
@@ -1981,11 +2164,14 @@
       </p:sp>
     </p:spTree>
   </p:cSld>
+  <p:clrMapOvr>
+    <a:masterClrMapping/>
+  </p:clrMapOvr>
 </p:sldLayout>
 </file>
 
 <file path=ppt/slideLayouts/slideLayout24.xml><?xml version="1.0" encoding="utf-8"?>
-<p:sldLayout xmlns:a="http://schemas.openxmlformats.org/drawingml/2006/main" xmlns:p="http://schemas.openxmlformats.org/presentationml/2006/main" xmlns:r="http://schemas.openxmlformats.org/officeDocument/2006/relationships" xmlns:p14="http://schemas.microsoft.com/office/powerpoint/2010/main" xmlns:p15="http://schemas.microsoft.com/office/powerpoint/2012/main" xmlns:mc="http://schemas.openxmlformats.org/markup-compatibility/2006" type="blank" preserve="1">
+<p:sldLayout xmlns:a="http://schemas.openxmlformats.org/drawingml/2006/main" xmlns:r="http://schemas.openxmlformats.org/officeDocument/2006/relationships" xmlns:p="http://schemas.openxmlformats.org/presentationml/2006/main" type="blank" preserve="1">
   <p:cSld name="Title, 6 Content">
     <p:spTree>
       <p:nvGrpSpPr>
@@ -2021,15 +2207,16 @@
           </a:prstGeom>
         </p:spPr>
         <p:txBody>
-          <a:bodyPr lIns="0" rIns="0" tIns="0" bIns="0" anchor="ctr"/>
-          <a:p>
-            <a:endParaRPr b="0" lang="de-DE" sz="1800" spc="-1" strike="noStrike">
-              <a:solidFill>
-                <a:srgbClr val="000000"/>
-              </a:solidFill>
-              <a:uFill>
-                <a:solidFill>
-                  <a:srgbClr val="ffffff"/>
+          <a:bodyPr lIns="0" tIns="0" rIns="0" bIns="0" anchor="ctr"/>
+          <a:lstStyle/>
+          <a:p>
+            <a:endParaRPr lang="de-DE" sz="1800" b="0" strike="noStrike" spc="-1">
+              <a:solidFill>
+                <a:srgbClr val="000000"/>
+              </a:solidFill>
+              <a:uFill>
+                <a:solidFill>
+                  <a:srgbClr val="FFFFFF"/>
                 </a:solidFill>
               </a:uFill>
               <a:latin typeface="Calibri"/>
@@ -2057,17 +2244,18 @@
           </a:prstGeom>
         </p:spPr>
         <p:txBody>
-          <a:bodyPr lIns="0" rIns="0" tIns="0" bIns="0">
+          <a:bodyPr lIns="0" tIns="0" rIns="0" bIns="0">
             <a:normAutofit/>
           </a:bodyPr>
-          <a:p>
-            <a:endParaRPr b="0" lang="de-DE" sz="2800" spc="-1" strike="noStrike">
-              <a:solidFill>
-                <a:srgbClr val="000000"/>
-              </a:solidFill>
-              <a:uFill>
-                <a:solidFill>
-                  <a:srgbClr val="ffffff"/>
+          <a:lstStyle/>
+          <a:p>
+            <a:endParaRPr lang="de-DE" sz="2800" b="0" strike="noStrike" spc="-1">
+              <a:solidFill>
+                <a:srgbClr val="000000"/>
+              </a:solidFill>
+              <a:uFill>
+                <a:solidFill>
+                  <a:srgbClr val="FFFFFF"/>
                 </a:solidFill>
               </a:uFill>
               <a:latin typeface="Calibri"/>
@@ -2095,17 +2283,18 @@
           </a:prstGeom>
         </p:spPr>
         <p:txBody>
-          <a:bodyPr lIns="0" rIns="0" tIns="0" bIns="0">
+          <a:bodyPr lIns="0" tIns="0" rIns="0" bIns="0">
             <a:normAutofit/>
           </a:bodyPr>
-          <a:p>
-            <a:endParaRPr b="0" lang="de-DE" sz="2800" spc="-1" strike="noStrike">
-              <a:solidFill>
-                <a:srgbClr val="000000"/>
-              </a:solidFill>
-              <a:uFill>
-                <a:solidFill>
-                  <a:srgbClr val="ffffff"/>
+          <a:lstStyle/>
+          <a:p>
+            <a:endParaRPr lang="de-DE" sz="2800" b="0" strike="noStrike" spc="-1">
+              <a:solidFill>
+                <a:srgbClr val="000000"/>
+              </a:solidFill>
+              <a:uFill>
+                <a:solidFill>
+                  <a:srgbClr val="FFFFFF"/>
                 </a:solidFill>
               </a:uFill>
               <a:latin typeface="Calibri"/>
@@ -2115,7 +2304,7 @@
       </p:sp>
       <p:pic>
         <p:nvPicPr>
-          <p:cNvPr id="76" name="" descr=""/>
+          <p:cNvPr id="76" name="Grafik 75"/>
           <p:cNvPicPr/>
           <p:nvPr/>
         </p:nvPicPr>
@@ -2138,12 +2327,12 @@
       </p:pic>
       <p:pic>
         <p:nvPicPr>
-          <p:cNvPr id="77" name="" descr=""/>
+          <p:cNvPr id="77" name="Grafik 76"/>
           <p:cNvPicPr/>
           <p:nvPr/>
         </p:nvPicPr>
         <p:blipFill>
-          <a:blip r:embed="rId3"/>
+          <a:blip r:embed="rId2"/>
           <a:stretch/>
         </p:blipFill>
         <p:spPr>
@@ -2161,11 +2350,14 @@
       </p:pic>
     </p:spTree>
   </p:cSld>
+  <p:clrMapOvr>
+    <a:masterClrMapping/>
+  </p:clrMapOvr>
 </p:sldLayout>
 </file>
 
 <file path=ppt/slideLayouts/slideLayout25.xml><?xml version="1.0" encoding="utf-8"?>
-<p:sldLayout xmlns:a="http://schemas.openxmlformats.org/drawingml/2006/main" xmlns:p="http://schemas.openxmlformats.org/presentationml/2006/main" xmlns:r="http://schemas.openxmlformats.org/officeDocument/2006/relationships" xmlns:p14="http://schemas.microsoft.com/office/powerpoint/2010/main" xmlns:p15="http://schemas.microsoft.com/office/powerpoint/2012/main" xmlns:mc="http://schemas.openxmlformats.org/markup-compatibility/2006" type="blank" preserve="1">
+<p:sldLayout xmlns:a="http://schemas.openxmlformats.org/drawingml/2006/main" xmlns:r="http://schemas.openxmlformats.org/officeDocument/2006/relationships" xmlns:p="http://schemas.openxmlformats.org/presentationml/2006/main" type="blank" preserve="1">
   <p:cSld name="Blank Slide">
     <p:spTree>
       <p:nvGrpSpPr>
@@ -2183,11 +2375,14 @@
       </p:grpSpPr>
     </p:spTree>
   </p:cSld>
+  <p:clrMapOvr>
+    <a:masterClrMapping/>
+  </p:clrMapOvr>
 </p:sldLayout>
 </file>
 
 <file path=ppt/slideLayouts/slideLayout26.xml><?xml version="1.0" encoding="utf-8"?>
-<p:sldLayout xmlns:a="http://schemas.openxmlformats.org/drawingml/2006/main" xmlns:p="http://schemas.openxmlformats.org/presentationml/2006/main" xmlns:r="http://schemas.openxmlformats.org/officeDocument/2006/relationships" xmlns:p14="http://schemas.microsoft.com/office/powerpoint/2010/main" xmlns:p15="http://schemas.microsoft.com/office/powerpoint/2012/main" xmlns:mc="http://schemas.openxmlformats.org/markup-compatibility/2006" type="tx" preserve="1">
+<p:sldLayout xmlns:a="http://schemas.openxmlformats.org/drawingml/2006/main" xmlns:r="http://schemas.openxmlformats.org/officeDocument/2006/relationships" xmlns:p="http://schemas.openxmlformats.org/presentationml/2006/main" type="tx" preserve="1">
   <p:cSld name="Title Slide">
     <p:spTree>
       <p:nvGrpSpPr>
@@ -2223,15 +2418,16 @@
           </a:prstGeom>
         </p:spPr>
         <p:txBody>
-          <a:bodyPr lIns="0" rIns="0" tIns="0" bIns="0" anchor="ctr"/>
-          <a:p>
-            <a:endParaRPr b="0" lang="de-DE" sz="1800" spc="-1" strike="noStrike">
-              <a:solidFill>
-                <a:srgbClr val="000000"/>
-              </a:solidFill>
-              <a:uFill>
-                <a:solidFill>
-                  <a:srgbClr val="ffffff"/>
+          <a:bodyPr lIns="0" tIns="0" rIns="0" bIns="0" anchor="ctr"/>
+          <a:lstStyle/>
+          <a:p>
+            <a:endParaRPr lang="de-DE" sz="1800" b="0" strike="noStrike" spc="-1">
+              <a:solidFill>
+                <a:srgbClr val="000000"/>
+              </a:solidFill>
+              <a:uFill>
+                <a:solidFill>
+                  <a:srgbClr val="FFFFFF"/>
                 </a:solidFill>
               </a:uFill>
               <a:latin typeface="Calibri"/>
@@ -2259,16 +2455,17 @@
           </a:prstGeom>
         </p:spPr>
         <p:txBody>
-          <a:bodyPr lIns="0" rIns="0" tIns="0" bIns="0" anchor="ctr"/>
+          <a:bodyPr lIns="0" tIns="0" rIns="0" bIns="0" anchor="ctr"/>
+          <a:lstStyle/>
           <a:p>
             <a:pPr algn="ctr"/>
-            <a:endParaRPr b="0" lang="en-US" sz="3200" spc="-1" strike="noStrike">
-              <a:solidFill>
-                <a:srgbClr val="000000"/>
-              </a:solidFill>
-              <a:uFill>
-                <a:solidFill>
-                  <a:srgbClr val="ffffff"/>
+            <a:endParaRPr lang="en-US" sz="3200" b="0" strike="noStrike" spc="-1">
+              <a:solidFill>
+                <a:srgbClr val="000000"/>
+              </a:solidFill>
+              <a:uFill>
+                <a:solidFill>
+                  <a:srgbClr val="FFFFFF"/>
                 </a:solidFill>
               </a:uFill>
               <a:latin typeface="Arial"/>
@@ -2278,11 +2475,14 @@
       </p:sp>
     </p:spTree>
   </p:cSld>
+  <p:clrMapOvr>
+    <a:masterClrMapping/>
+  </p:clrMapOvr>
 </p:sldLayout>
 </file>
 
 <file path=ppt/slideLayouts/slideLayout27.xml><?xml version="1.0" encoding="utf-8"?>
-<p:sldLayout xmlns:a="http://schemas.openxmlformats.org/drawingml/2006/main" xmlns:p="http://schemas.openxmlformats.org/presentationml/2006/main" xmlns:r="http://schemas.openxmlformats.org/officeDocument/2006/relationships" xmlns:p14="http://schemas.microsoft.com/office/powerpoint/2010/main" xmlns:p15="http://schemas.microsoft.com/office/powerpoint/2012/main" xmlns:mc="http://schemas.openxmlformats.org/markup-compatibility/2006" type="obj" preserve="1">
+<p:sldLayout xmlns:a="http://schemas.openxmlformats.org/drawingml/2006/main" xmlns:r="http://schemas.openxmlformats.org/officeDocument/2006/relationships" xmlns:p="http://schemas.openxmlformats.org/presentationml/2006/main" type="obj" preserve="1">
   <p:cSld name="Title, Content">
     <p:spTree>
       <p:nvGrpSpPr>
@@ -2318,15 +2518,16 @@
           </a:prstGeom>
         </p:spPr>
         <p:txBody>
-          <a:bodyPr lIns="0" rIns="0" tIns="0" bIns="0" anchor="ctr"/>
-          <a:p>
-            <a:endParaRPr b="0" lang="de-DE" sz="1800" spc="-1" strike="noStrike">
-              <a:solidFill>
-                <a:srgbClr val="000000"/>
-              </a:solidFill>
-              <a:uFill>
-                <a:solidFill>
-                  <a:srgbClr val="ffffff"/>
+          <a:bodyPr lIns="0" tIns="0" rIns="0" bIns="0" anchor="ctr"/>
+          <a:lstStyle/>
+          <a:p>
+            <a:endParaRPr lang="de-DE" sz="1800" b="0" strike="noStrike" spc="-1">
+              <a:solidFill>
+                <a:srgbClr val="000000"/>
+              </a:solidFill>
+              <a:uFill>
+                <a:solidFill>
+                  <a:srgbClr val="FFFFFF"/>
                 </a:solidFill>
               </a:uFill>
               <a:latin typeface="Calibri"/>
@@ -2354,17 +2555,18 @@
           </a:prstGeom>
         </p:spPr>
         <p:txBody>
-          <a:bodyPr lIns="0" rIns="0" tIns="0" bIns="0">
+          <a:bodyPr lIns="0" tIns="0" rIns="0" bIns="0">
             <a:normAutofit/>
           </a:bodyPr>
-          <a:p>
-            <a:endParaRPr b="0" lang="de-DE" sz="2800" spc="-1" strike="noStrike">
-              <a:solidFill>
-                <a:srgbClr val="000000"/>
-              </a:solidFill>
-              <a:uFill>
-                <a:solidFill>
-                  <a:srgbClr val="ffffff"/>
+          <a:lstStyle/>
+          <a:p>
+            <a:endParaRPr lang="de-DE" sz="2800" b="0" strike="noStrike" spc="-1">
+              <a:solidFill>
+                <a:srgbClr val="000000"/>
+              </a:solidFill>
+              <a:uFill>
+                <a:solidFill>
+                  <a:srgbClr val="FFFFFF"/>
                 </a:solidFill>
               </a:uFill>
               <a:latin typeface="Calibri"/>
@@ -2374,11 +2576,14 @@
       </p:sp>
     </p:spTree>
   </p:cSld>
+  <p:clrMapOvr>
+    <a:masterClrMapping/>
+  </p:clrMapOvr>
 </p:sldLayout>
 </file>
 
 <file path=ppt/slideLayouts/slideLayout28.xml><?xml version="1.0" encoding="utf-8"?>
-<p:sldLayout xmlns:a="http://schemas.openxmlformats.org/drawingml/2006/main" xmlns:p="http://schemas.openxmlformats.org/presentationml/2006/main" xmlns:r="http://schemas.openxmlformats.org/officeDocument/2006/relationships" xmlns:p14="http://schemas.microsoft.com/office/powerpoint/2010/main" xmlns:p15="http://schemas.microsoft.com/office/powerpoint/2012/main" xmlns:mc="http://schemas.openxmlformats.org/markup-compatibility/2006" type="twoObj" preserve="1">
+<p:sldLayout xmlns:a="http://schemas.openxmlformats.org/drawingml/2006/main" xmlns:r="http://schemas.openxmlformats.org/officeDocument/2006/relationships" xmlns:p="http://schemas.openxmlformats.org/presentationml/2006/main" type="twoObj" preserve="1">
   <p:cSld name="Title, 2 Content">
     <p:spTree>
       <p:nvGrpSpPr>
@@ -2414,15 +2619,16 @@
           </a:prstGeom>
         </p:spPr>
         <p:txBody>
-          <a:bodyPr lIns="0" rIns="0" tIns="0" bIns="0" anchor="ctr"/>
-          <a:p>
-            <a:endParaRPr b="0" lang="de-DE" sz="1800" spc="-1" strike="noStrike">
-              <a:solidFill>
-                <a:srgbClr val="000000"/>
-              </a:solidFill>
-              <a:uFill>
-                <a:solidFill>
-                  <a:srgbClr val="ffffff"/>
+          <a:bodyPr lIns="0" tIns="0" rIns="0" bIns="0" anchor="ctr"/>
+          <a:lstStyle/>
+          <a:p>
+            <a:endParaRPr lang="de-DE" sz="1800" b="0" strike="noStrike" spc="-1">
+              <a:solidFill>
+                <a:srgbClr val="000000"/>
+              </a:solidFill>
+              <a:uFill>
+                <a:solidFill>
+                  <a:srgbClr val="FFFFFF"/>
                 </a:solidFill>
               </a:uFill>
               <a:latin typeface="Calibri"/>
@@ -2450,17 +2656,18 @@
           </a:prstGeom>
         </p:spPr>
         <p:txBody>
-          <a:bodyPr lIns="0" rIns="0" tIns="0" bIns="0">
+          <a:bodyPr lIns="0" tIns="0" rIns="0" bIns="0">
             <a:normAutofit/>
           </a:bodyPr>
-          <a:p>
-            <a:endParaRPr b="0" lang="de-DE" sz="2800" spc="-1" strike="noStrike">
-              <a:solidFill>
-                <a:srgbClr val="000000"/>
-              </a:solidFill>
-              <a:uFill>
-                <a:solidFill>
-                  <a:srgbClr val="ffffff"/>
+          <a:lstStyle/>
+          <a:p>
+            <a:endParaRPr lang="de-DE" sz="2800" b="0" strike="noStrike" spc="-1">
+              <a:solidFill>
+                <a:srgbClr val="000000"/>
+              </a:solidFill>
+              <a:uFill>
+                <a:solidFill>
+                  <a:srgbClr val="FFFFFF"/>
                 </a:solidFill>
               </a:uFill>
               <a:latin typeface="Calibri"/>
@@ -2488,17 +2695,18 @@
           </a:prstGeom>
         </p:spPr>
         <p:txBody>
-          <a:bodyPr lIns="0" rIns="0" tIns="0" bIns="0">
+          <a:bodyPr lIns="0" tIns="0" rIns="0" bIns="0">
             <a:normAutofit/>
           </a:bodyPr>
-          <a:p>
-            <a:endParaRPr b="0" lang="de-DE" sz="2800" spc="-1" strike="noStrike">
-              <a:solidFill>
-                <a:srgbClr val="000000"/>
-              </a:solidFill>
-              <a:uFill>
-                <a:solidFill>
-                  <a:srgbClr val="ffffff"/>
+          <a:lstStyle/>
+          <a:p>
+            <a:endParaRPr lang="de-DE" sz="2800" b="0" strike="noStrike" spc="-1">
+              <a:solidFill>
+                <a:srgbClr val="000000"/>
+              </a:solidFill>
+              <a:uFill>
+                <a:solidFill>
+                  <a:srgbClr val="FFFFFF"/>
                 </a:solidFill>
               </a:uFill>
               <a:latin typeface="Calibri"/>
@@ -2508,11 +2716,14 @@
       </p:sp>
     </p:spTree>
   </p:cSld>
+  <p:clrMapOvr>
+    <a:masterClrMapping/>
+  </p:clrMapOvr>
 </p:sldLayout>
 </file>
 
 <file path=ppt/slideLayouts/slideLayout29.xml><?xml version="1.0" encoding="utf-8"?>
-<p:sldLayout xmlns:a="http://schemas.openxmlformats.org/drawingml/2006/main" xmlns:p="http://schemas.openxmlformats.org/presentationml/2006/main" xmlns:r="http://schemas.openxmlformats.org/officeDocument/2006/relationships" xmlns:p14="http://schemas.microsoft.com/office/powerpoint/2010/main" xmlns:p15="http://schemas.microsoft.com/office/powerpoint/2012/main" xmlns:mc="http://schemas.openxmlformats.org/markup-compatibility/2006" type="titleOnly" preserve="1">
+<p:sldLayout xmlns:a="http://schemas.openxmlformats.org/drawingml/2006/main" xmlns:r="http://schemas.openxmlformats.org/officeDocument/2006/relationships" xmlns:p="http://schemas.openxmlformats.org/presentationml/2006/main" type="titleOnly" preserve="1">
   <p:cSld name="Title Only">
     <p:spTree>
       <p:nvGrpSpPr>
@@ -2548,15 +2759,16 @@
           </a:prstGeom>
         </p:spPr>
         <p:txBody>
-          <a:bodyPr lIns="0" rIns="0" tIns="0" bIns="0" anchor="ctr"/>
-          <a:p>
-            <a:endParaRPr b="0" lang="de-DE" sz="1800" spc="-1" strike="noStrike">
-              <a:solidFill>
-                <a:srgbClr val="000000"/>
-              </a:solidFill>
-              <a:uFill>
-                <a:solidFill>
-                  <a:srgbClr val="ffffff"/>
+          <a:bodyPr lIns="0" tIns="0" rIns="0" bIns="0" anchor="ctr"/>
+          <a:lstStyle/>
+          <a:p>
+            <a:endParaRPr lang="de-DE" sz="1800" b="0" strike="noStrike" spc="-1">
+              <a:solidFill>
+                <a:srgbClr val="000000"/>
+              </a:solidFill>
+              <a:uFill>
+                <a:solidFill>
+                  <a:srgbClr val="FFFFFF"/>
                 </a:solidFill>
               </a:uFill>
               <a:latin typeface="Calibri"/>
@@ -2566,11 +2778,14 @@
       </p:sp>
     </p:spTree>
   </p:cSld>
+  <p:clrMapOvr>
+    <a:masterClrMapping/>
+  </p:clrMapOvr>
 </p:sldLayout>
 </file>
 
 <file path=ppt/slideLayouts/slideLayout3.xml><?xml version="1.0" encoding="utf-8"?>
-<p:sldLayout xmlns:a="http://schemas.openxmlformats.org/drawingml/2006/main" xmlns:p="http://schemas.openxmlformats.org/presentationml/2006/main" xmlns:r="http://schemas.openxmlformats.org/officeDocument/2006/relationships" xmlns:p14="http://schemas.microsoft.com/office/powerpoint/2010/main" xmlns:p15="http://schemas.microsoft.com/office/powerpoint/2012/main" xmlns:mc="http://schemas.openxmlformats.org/markup-compatibility/2006" type="obj" preserve="1">
+<p:sldLayout xmlns:a="http://schemas.openxmlformats.org/drawingml/2006/main" xmlns:r="http://schemas.openxmlformats.org/officeDocument/2006/relationships" xmlns:p="http://schemas.openxmlformats.org/presentationml/2006/main" type="obj" preserve="1">
   <p:cSld name="Title, Content">
     <p:spTree>
       <p:nvGrpSpPr>
@@ -2606,15 +2821,16 @@
           </a:prstGeom>
         </p:spPr>
         <p:txBody>
-          <a:bodyPr lIns="0" rIns="0" tIns="0" bIns="0" anchor="ctr"/>
-          <a:p>
-            <a:endParaRPr b="0" lang="de-DE" sz="1800" spc="-1" strike="noStrike">
-              <a:solidFill>
-                <a:srgbClr val="000000"/>
-              </a:solidFill>
-              <a:uFill>
-                <a:solidFill>
-                  <a:srgbClr val="ffffff"/>
+          <a:bodyPr lIns="0" tIns="0" rIns="0" bIns="0" anchor="ctr"/>
+          <a:lstStyle/>
+          <a:p>
+            <a:endParaRPr lang="de-DE" sz="1800" b="0" strike="noStrike" spc="-1">
+              <a:solidFill>
+                <a:srgbClr val="000000"/>
+              </a:solidFill>
+              <a:uFill>
+                <a:solidFill>
+                  <a:srgbClr val="FFFFFF"/>
                 </a:solidFill>
               </a:uFill>
               <a:latin typeface="Calibri"/>
@@ -2642,17 +2858,18 @@
           </a:prstGeom>
         </p:spPr>
         <p:txBody>
-          <a:bodyPr lIns="0" rIns="0" tIns="0" bIns="0">
+          <a:bodyPr lIns="0" tIns="0" rIns="0" bIns="0">
             <a:normAutofit/>
           </a:bodyPr>
-          <a:p>
-            <a:endParaRPr b="0" lang="de-DE" sz="2800" spc="-1" strike="noStrike">
-              <a:solidFill>
-                <a:srgbClr val="000000"/>
-              </a:solidFill>
-              <a:uFill>
-                <a:solidFill>
-                  <a:srgbClr val="ffffff"/>
+          <a:lstStyle/>
+          <a:p>
+            <a:endParaRPr lang="de-DE" sz="2800" b="0" strike="noStrike" spc="-1">
+              <a:solidFill>
+                <a:srgbClr val="000000"/>
+              </a:solidFill>
+              <a:uFill>
+                <a:solidFill>
+                  <a:srgbClr val="FFFFFF"/>
                 </a:solidFill>
               </a:uFill>
               <a:latin typeface="Calibri"/>
@@ -2662,11 +2879,14 @@
       </p:sp>
     </p:spTree>
   </p:cSld>
+  <p:clrMapOvr>
+    <a:masterClrMapping/>
+  </p:clrMapOvr>
 </p:sldLayout>
 </file>
 
 <file path=ppt/slideLayouts/slideLayout30.xml><?xml version="1.0" encoding="utf-8"?>
-<p:sldLayout xmlns:a="http://schemas.openxmlformats.org/drawingml/2006/main" xmlns:p="http://schemas.openxmlformats.org/presentationml/2006/main" xmlns:r="http://schemas.openxmlformats.org/officeDocument/2006/relationships" xmlns:p14="http://schemas.microsoft.com/office/powerpoint/2010/main" xmlns:p15="http://schemas.microsoft.com/office/powerpoint/2012/main" xmlns:mc="http://schemas.openxmlformats.org/markup-compatibility/2006" type="objOnly" preserve="1">
+<p:sldLayout xmlns:a="http://schemas.openxmlformats.org/drawingml/2006/main" xmlns:r="http://schemas.openxmlformats.org/officeDocument/2006/relationships" xmlns:p="http://schemas.openxmlformats.org/presentationml/2006/main" type="objOnly" preserve="1">
   <p:cSld name="Centered Text">
     <p:spTree>
       <p:nvGrpSpPr>
@@ -2702,16 +2922,17 @@
           </a:prstGeom>
         </p:spPr>
         <p:txBody>
-          <a:bodyPr lIns="0" rIns="0" tIns="0" bIns="0" anchor="ctr"/>
+          <a:bodyPr lIns="0" tIns="0" rIns="0" bIns="0" anchor="ctr"/>
+          <a:lstStyle/>
           <a:p>
             <a:pPr algn="ctr"/>
-            <a:endParaRPr b="0" lang="en-US" sz="3200" spc="-1" strike="noStrike">
-              <a:solidFill>
-                <a:srgbClr val="000000"/>
-              </a:solidFill>
-              <a:uFill>
-                <a:solidFill>
-                  <a:srgbClr val="ffffff"/>
+            <a:endParaRPr lang="en-US" sz="3200" b="0" strike="noStrike" spc="-1">
+              <a:solidFill>
+                <a:srgbClr val="000000"/>
+              </a:solidFill>
+              <a:uFill>
+                <a:solidFill>
+                  <a:srgbClr val="FFFFFF"/>
                 </a:solidFill>
               </a:uFill>
               <a:latin typeface="Arial"/>
@@ -2721,11 +2942,14 @@
       </p:sp>
     </p:spTree>
   </p:cSld>
+  <p:clrMapOvr>
+    <a:masterClrMapping/>
+  </p:clrMapOvr>
 </p:sldLayout>
 </file>
 
 <file path=ppt/slideLayouts/slideLayout31.xml><?xml version="1.0" encoding="utf-8"?>
-<p:sldLayout xmlns:a="http://schemas.openxmlformats.org/drawingml/2006/main" xmlns:p="http://schemas.openxmlformats.org/presentationml/2006/main" xmlns:r="http://schemas.openxmlformats.org/officeDocument/2006/relationships" xmlns:p14="http://schemas.microsoft.com/office/powerpoint/2010/main" xmlns:p15="http://schemas.microsoft.com/office/powerpoint/2012/main" xmlns:mc="http://schemas.openxmlformats.org/markup-compatibility/2006" type="twoObjAndObj" preserve="1">
+<p:sldLayout xmlns:a="http://schemas.openxmlformats.org/drawingml/2006/main" xmlns:r="http://schemas.openxmlformats.org/officeDocument/2006/relationships" xmlns:p="http://schemas.openxmlformats.org/presentationml/2006/main" type="twoObjAndObj" preserve="1">
   <p:cSld name="Title, 2 Content and Content">
     <p:spTree>
       <p:nvGrpSpPr>
@@ -2761,15 +2985,16 @@
           </a:prstGeom>
         </p:spPr>
         <p:txBody>
-          <a:bodyPr lIns="0" rIns="0" tIns="0" bIns="0" anchor="ctr"/>
-          <a:p>
-            <a:endParaRPr b="0" lang="de-DE" sz="1800" spc="-1" strike="noStrike">
-              <a:solidFill>
-                <a:srgbClr val="000000"/>
-              </a:solidFill>
-              <a:uFill>
-                <a:solidFill>
-                  <a:srgbClr val="ffffff"/>
+          <a:bodyPr lIns="0" tIns="0" rIns="0" bIns="0" anchor="ctr"/>
+          <a:lstStyle/>
+          <a:p>
+            <a:endParaRPr lang="de-DE" sz="1800" b="0" strike="noStrike" spc="-1">
+              <a:solidFill>
+                <a:srgbClr val="000000"/>
+              </a:solidFill>
+              <a:uFill>
+                <a:solidFill>
+                  <a:srgbClr val="FFFFFF"/>
                 </a:solidFill>
               </a:uFill>
               <a:latin typeface="Calibri"/>
@@ -2797,17 +3022,18 @@
           </a:prstGeom>
         </p:spPr>
         <p:txBody>
-          <a:bodyPr lIns="0" rIns="0" tIns="0" bIns="0">
+          <a:bodyPr lIns="0" tIns="0" rIns="0" bIns="0">
             <a:normAutofit/>
           </a:bodyPr>
-          <a:p>
-            <a:endParaRPr b="0" lang="de-DE" sz="2800" spc="-1" strike="noStrike">
-              <a:solidFill>
-                <a:srgbClr val="000000"/>
-              </a:solidFill>
-              <a:uFill>
-                <a:solidFill>
-                  <a:srgbClr val="ffffff"/>
+          <a:lstStyle/>
+          <a:p>
+            <a:endParaRPr lang="de-DE" sz="2800" b="0" strike="noStrike" spc="-1">
+              <a:solidFill>
+                <a:srgbClr val="000000"/>
+              </a:solidFill>
+              <a:uFill>
+                <a:solidFill>
+                  <a:srgbClr val="FFFFFF"/>
                 </a:solidFill>
               </a:uFill>
               <a:latin typeface="Calibri"/>
@@ -2835,17 +3061,18 @@
           </a:prstGeom>
         </p:spPr>
         <p:txBody>
-          <a:bodyPr lIns="0" rIns="0" tIns="0" bIns="0">
+          <a:bodyPr lIns="0" tIns="0" rIns="0" bIns="0">
             <a:normAutofit/>
           </a:bodyPr>
-          <a:p>
-            <a:endParaRPr b="0" lang="de-DE" sz="2800" spc="-1" strike="noStrike">
-              <a:solidFill>
-                <a:srgbClr val="000000"/>
-              </a:solidFill>
-              <a:uFill>
-                <a:solidFill>
-                  <a:srgbClr val="ffffff"/>
+          <a:lstStyle/>
+          <a:p>
+            <a:endParaRPr lang="de-DE" sz="2800" b="0" strike="noStrike" spc="-1">
+              <a:solidFill>
+                <a:srgbClr val="000000"/>
+              </a:solidFill>
+              <a:uFill>
+                <a:solidFill>
+                  <a:srgbClr val="FFFFFF"/>
                 </a:solidFill>
               </a:uFill>
               <a:latin typeface="Calibri"/>
@@ -2873,17 +3100,18 @@
           </a:prstGeom>
         </p:spPr>
         <p:txBody>
-          <a:bodyPr lIns="0" rIns="0" tIns="0" bIns="0">
+          <a:bodyPr lIns="0" tIns="0" rIns="0" bIns="0">
             <a:normAutofit/>
           </a:bodyPr>
-          <a:p>
-            <a:endParaRPr b="0" lang="de-DE" sz="2800" spc="-1" strike="noStrike">
-              <a:solidFill>
-                <a:srgbClr val="000000"/>
-              </a:solidFill>
-              <a:uFill>
-                <a:solidFill>
-                  <a:srgbClr val="ffffff"/>
+          <a:lstStyle/>
+          <a:p>
+            <a:endParaRPr lang="de-DE" sz="2800" b="0" strike="noStrike" spc="-1">
+              <a:solidFill>
+                <a:srgbClr val="000000"/>
+              </a:solidFill>
+              <a:uFill>
+                <a:solidFill>
+                  <a:srgbClr val="FFFFFF"/>
                 </a:solidFill>
               </a:uFill>
               <a:latin typeface="Calibri"/>
@@ -2893,11 +3121,14 @@
       </p:sp>
     </p:spTree>
   </p:cSld>
+  <p:clrMapOvr>
+    <a:masterClrMapping/>
+  </p:clrMapOvr>
 </p:sldLayout>
 </file>
 
 <file path=ppt/slideLayouts/slideLayout32.xml><?xml version="1.0" encoding="utf-8"?>
-<p:sldLayout xmlns:a="http://schemas.openxmlformats.org/drawingml/2006/main" xmlns:p="http://schemas.openxmlformats.org/presentationml/2006/main" xmlns:r="http://schemas.openxmlformats.org/officeDocument/2006/relationships" xmlns:p14="http://schemas.microsoft.com/office/powerpoint/2010/main" xmlns:p15="http://schemas.microsoft.com/office/powerpoint/2012/main" xmlns:mc="http://schemas.openxmlformats.org/markup-compatibility/2006" type="objAndTwoObj" preserve="1">
+<p:sldLayout xmlns:a="http://schemas.openxmlformats.org/drawingml/2006/main" xmlns:r="http://schemas.openxmlformats.org/officeDocument/2006/relationships" xmlns:p="http://schemas.openxmlformats.org/presentationml/2006/main" type="objAndTwoObj" preserve="1">
   <p:cSld name="Title Content and 2 Content">
     <p:spTree>
       <p:nvGrpSpPr>
@@ -2933,15 +3164,16 @@
           </a:prstGeom>
         </p:spPr>
         <p:txBody>
-          <a:bodyPr lIns="0" rIns="0" tIns="0" bIns="0" anchor="ctr"/>
-          <a:p>
-            <a:endParaRPr b="0" lang="de-DE" sz="1800" spc="-1" strike="noStrike">
-              <a:solidFill>
-                <a:srgbClr val="000000"/>
-              </a:solidFill>
-              <a:uFill>
-                <a:solidFill>
-                  <a:srgbClr val="ffffff"/>
+          <a:bodyPr lIns="0" tIns="0" rIns="0" bIns="0" anchor="ctr"/>
+          <a:lstStyle/>
+          <a:p>
+            <a:endParaRPr lang="de-DE" sz="1800" b="0" strike="noStrike" spc="-1">
+              <a:solidFill>
+                <a:srgbClr val="000000"/>
+              </a:solidFill>
+              <a:uFill>
+                <a:solidFill>
+                  <a:srgbClr val="FFFFFF"/>
                 </a:solidFill>
               </a:uFill>
               <a:latin typeface="Calibri"/>
@@ -2969,17 +3201,18 @@
           </a:prstGeom>
         </p:spPr>
         <p:txBody>
-          <a:bodyPr lIns="0" rIns="0" tIns="0" bIns="0">
+          <a:bodyPr lIns="0" tIns="0" rIns="0" bIns="0">
             <a:normAutofit/>
           </a:bodyPr>
-          <a:p>
-            <a:endParaRPr b="0" lang="de-DE" sz="2800" spc="-1" strike="noStrike">
-              <a:solidFill>
-                <a:srgbClr val="000000"/>
-              </a:solidFill>
-              <a:uFill>
-                <a:solidFill>
-                  <a:srgbClr val="ffffff"/>
+          <a:lstStyle/>
+          <a:p>
+            <a:endParaRPr lang="de-DE" sz="2800" b="0" strike="noStrike" spc="-1">
+              <a:solidFill>
+                <a:srgbClr val="000000"/>
+              </a:solidFill>
+              <a:uFill>
+                <a:solidFill>
+                  <a:srgbClr val="FFFFFF"/>
                 </a:solidFill>
               </a:uFill>
               <a:latin typeface="Calibri"/>
@@ -3007,17 +3240,18 @@
           </a:prstGeom>
         </p:spPr>
         <p:txBody>
-          <a:bodyPr lIns="0" rIns="0" tIns="0" bIns="0">
+          <a:bodyPr lIns="0" tIns="0" rIns="0" bIns="0">
             <a:normAutofit/>
           </a:bodyPr>
-          <a:p>
-            <a:endParaRPr b="0" lang="de-DE" sz="2800" spc="-1" strike="noStrike">
-              <a:solidFill>
-                <a:srgbClr val="000000"/>
-              </a:solidFill>
-              <a:uFill>
-                <a:solidFill>
-                  <a:srgbClr val="ffffff"/>
+          <a:lstStyle/>
+          <a:p>
+            <a:endParaRPr lang="de-DE" sz="2800" b="0" strike="noStrike" spc="-1">
+              <a:solidFill>
+                <a:srgbClr val="000000"/>
+              </a:solidFill>
+              <a:uFill>
+                <a:solidFill>
+                  <a:srgbClr val="FFFFFF"/>
                 </a:solidFill>
               </a:uFill>
               <a:latin typeface="Calibri"/>
@@ -3045,17 +3279,18 @@
           </a:prstGeom>
         </p:spPr>
         <p:txBody>
-          <a:bodyPr lIns="0" rIns="0" tIns="0" bIns="0">
+          <a:bodyPr lIns="0" tIns="0" rIns="0" bIns="0">
             <a:normAutofit/>
           </a:bodyPr>
-          <a:p>
-            <a:endParaRPr b="0" lang="de-DE" sz="2800" spc="-1" strike="noStrike">
-              <a:solidFill>
-                <a:srgbClr val="000000"/>
-              </a:solidFill>
-              <a:uFill>
-                <a:solidFill>
-                  <a:srgbClr val="ffffff"/>
+          <a:lstStyle/>
+          <a:p>
+            <a:endParaRPr lang="de-DE" sz="2800" b="0" strike="noStrike" spc="-1">
+              <a:solidFill>
+                <a:srgbClr val="000000"/>
+              </a:solidFill>
+              <a:uFill>
+                <a:solidFill>
+                  <a:srgbClr val="FFFFFF"/>
                 </a:solidFill>
               </a:uFill>
               <a:latin typeface="Calibri"/>
@@ -3065,11 +3300,14 @@
       </p:sp>
     </p:spTree>
   </p:cSld>
+  <p:clrMapOvr>
+    <a:masterClrMapping/>
+  </p:clrMapOvr>
 </p:sldLayout>
 </file>
 
 <file path=ppt/slideLayouts/slideLayout33.xml><?xml version="1.0" encoding="utf-8"?>
-<p:sldLayout xmlns:a="http://schemas.openxmlformats.org/drawingml/2006/main" xmlns:p="http://schemas.openxmlformats.org/presentationml/2006/main" xmlns:r="http://schemas.openxmlformats.org/officeDocument/2006/relationships" xmlns:p14="http://schemas.microsoft.com/office/powerpoint/2010/main" xmlns:p15="http://schemas.microsoft.com/office/powerpoint/2012/main" xmlns:mc="http://schemas.openxmlformats.org/markup-compatibility/2006" type="twoObjOverTx" preserve="1">
+<p:sldLayout xmlns:a="http://schemas.openxmlformats.org/drawingml/2006/main" xmlns:r="http://schemas.openxmlformats.org/officeDocument/2006/relationships" xmlns:p="http://schemas.openxmlformats.org/presentationml/2006/main" type="twoObjOverTx" preserve="1">
   <p:cSld name="Title, 2 Content over Content">
     <p:spTree>
       <p:nvGrpSpPr>
@@ -3105,15 +3343,16 @@
           </a:prstGeom>
         </p:spPr>
         <p:txBody>
-          <a:bodyPr lIns="0" rIns="0" tIns="0" bIns="0" anchor="ctr"/>
-          <a:p>
-            <a:endParaRPr b="0" lang="de-DE" sz="1800" spc="-1" strike="noStrike">
-              <a:solidFill>
-                <a:srgbClr val="000000"/>
-              </a:solidFill>
-              <a:uFill>
-                <a:solidFill>
-                  <a:srgbClr val="ffffff"/>
+          <a:bodyPr lIns="0" tIns="0" rIns="0" bIns="0" anchor="ctr"/>
+          <a:lstStyle/>
+          <a:p>
+            <a:endParaRPr lang="de-DE" sz="1800" b="0" strike="noStrike" spc="-1">
+              <a:solidFill>
+                <a:srgbClr val="000000"/>
+              </a:solidFill>
+              <a:uFill>
+                <a:solidFill>
+                  <a:srgbClr val="FFFFFF"/>
                 </a:solidFill>
               </a:uFill>
               <a:latin typeface="Calibri"/>
@@ -3141,17 +3380,18 @@
           </a:prstGeom>
         </p:spPr>
         <p:txBody>
-          <a:bodyPr lIns="0" rIns="0" tIns="0" bIns="0">
+          <a:bodyPr lIns="0" tIns="0" rIns="0" bIns="0">
             <a:normAutofit/>
           </a:bodyPr>
-          <a:p>
-            <a:endParaRPr b="0" lang="de-DE" sz="2800" spc="-1" strike="noStrike">
-              <a:solidFill>
-                <a:srgbClr val="000000"/>
-              </a:solidFill>
-              <a:uFill>
-                <a:solidFill>
-                  <a:srgbClr val="ffffff"/>
+          <a:lstStyle/>
+          <a:p>
+            <a:endParaRPr lang="de-DE" sz="2800" b="0" strike="noStrike" spc="-1">
+              <a:solidFill>
+                <a:srgbClr val="000000"/>
+              </a:solidFill>
+              <a:uFill>
+                <a:solidFill>
+                  <a:srgbClr val="FFFFFF"/>
                 </a:solidFill>
               </a:uFill>
               <a:latin typeface="Calibri"/>
@@ -3179,17 +3419,18 @@
           </a:prstGeom>
         </p:spPr>
         <p:txBody>
-          <a:bodyPr lIns="0" rIns="0" tIns="0" bIns="0">
+          <a:bodyPr lIns="0" tIns="0" rIns="0" bIns="0">
             <a:normAutofit/>
           </a:bodyPr>
-          <a:p>
-            <a:endParaRPr b="0" lang="de-DE" sz="2800" spc="-1" strike="noStrike">
-              <a:solidFill>
-                <a:srgbClr val="000000"/>
-              </a:solidFill>
-              <a:uFill>
-                <a:solidFill>
-                  <a:srgbClr val="ffffff"/>
+          <a:lstStyle/>
+          <a:p>
+            <a:endParaRPr lang="de-DE" sz="2800" b="0" strike="noStrike" spc="-1">
+              <a:solidFill>
+                <a:srgbClr val="000000"/>
+              </a:solidFill>
+              <a:uFill>
+                <a:solidFill>
+                  <a:srgbClr val="FFFFFF"/>
                 </a:solidFill>
               </a:uFill>
               <a:latin typeface="Calibri"/>
@@ -3217,17 +3458,18 @@
           </a:prstGeom>
         </p:spPr>
         <p:txBody>
-          <a:bodyPr lIns="0" rIns="0" tIns="0" bIns="0">
+          <a:bodyPr lIns="0" tIns="0" rIns="0" bIns="0">
             <a:normAutofit/>
           </a:bodyPr>
-          <a:p>
-            <a:endParaRPr b="0" lang="de-DE" sz="2800" spc="-1" strike="noStrike">
-              <a:solidFill>
-                <a:srgbClr val="000000"/>
-              </a:solidFill>
-              <a:uFill>
-                <a:solidFill>
-                  <a:srgbClr val="ffffff"/>
+          <a:lstStyle/>
+          <a:p>
+            <a:endParaRPr lang="de-DE" sz="2800" b="0" strike="noStrike" spc="-1">
+              <a:solidFill>
+                <a:srgbClr val="000000"/>
+              </a:solidFill>
+              <a:uFill>
+                <a:solidFill>
+                  <a:srgbClr val="FFFFFF"/>
                 </a:solidFill>
               </a:uFill>
               <a:latin typeface="Calibri"/>
@@ -3237,11 +3479,14 @@
       </p:sp>
     </p:spTree>
   </p:cSld>
+  <p:clrMapOvr>
+    <a:masterClrMapping/>
+  </p:clrMapOvr>
 </p:sldLayout>
 </file>
 
 <file path=ppt/slideLayouts/slideLayout34.xml><?xml version="1.0" encoding="utf-8"?>
-<p:sldLayout xmlns:a="http://schemas.openxmlformats.org/drawingml/2006/main" xmlns:p="http://schemas.openxmlformats.org/presentationml/2006/main" xmlns:r="http://schemas.openxmlformats.org/officeDocument/2006/relationships" xmlns:p14="http://schemas.microsoft.com/office/powerpoint/2010/main" xmlns:p15="http://schemas.microsoft.com/office/powerpoint/2012/main" xmlns:mc="http://schemas.openxmlformats.org/markup-compatibility/2006" type="objOverTx" preserve="1">
+<p:sldLayout xmlns:a="http://schemas.openxmlformats.org/drawingml/2006/main" xmlns:r="http://schemas.openxmlformats.org/officeDocument/2006/relationships" xmlns:p="http://schemas.openxmlformats.org/presentationml/2006/main" type="objOverTx" preserve="1">
   <p:cSld name="Title, Content over Content">
     <p:spTree>
       <p:nvGrpSpPr>
@@ -3277,15 +3522,16 @@
           </a:prstGeom>
         </p:spPr>
         <p:txBody>
-          <a:bodyPr lIns="0" rIns="0" tIns="0" bIns="0" anchor="ctr"/>
-          <a:p>
-            <a:endParaRPr b="0" lang="de-DE" sz="1800" spc="-1" strike="noStrike">
-              <a:solidFill>
-                <a:srgbClr val="000000"/>
-              </a:solidFill>
-              <a:uFill>
-                <a:solidFill>
-                  <a:srgbClr val="ffffff"/>
+          <a:bodyPr lIns="0" tIns="0" rIns="0" bIns="0" anchor="ctr"/>
+          <a:lstStyle/>
+          <a:p>
+            <a:endParaRPr lang="de-DE" sz="1800" b="0" strike="noStrike" spc="-1">
+              <a:solidFill>
+                <a:srgbClr val="000000"/>
+              </a:solidFill>
+              <a:uFill>
+                <a:solidFill>
+                  <a:srgbClr val="FFFFFF"/>
                 </a:solidFill>
               </a:uFill>
               <a:latin typeface="Calibri"/>
@@ -3313,17 +3559,18 @@
           </a:prstGeom>
         </p:spPr>
         <p:txBody>
-          <a:bodyPr lIns="0" rIns="0" tIns="0" bIns="0">
+          <a:bodyPr lIns="0" tIns="0" rIns="0" bIns="0">
             <a:normAutofit/>
           </a:bodyPr>
-          <a:p>
-            <a:endParaRPr b="0" lang="de-DE" sz="2800" spc="-1" strike="noStrike">
-              <a:solidFill>
-                <a:srgbClr val="000000"/>
-              </a:solidFill>
-              <a:uFill>
-                <a:solidFill>
-                  <a:srgbClr val="ffffff"/>
+          <a:lstStyle/>
+          <a:p>
+            <a:endParaRPr lang="de-DE" sz="2800" b="0" strike="noStrike" spc="-1">
+              <a:solidFill>
+                <a:srgbClr val="000000"/>
+              </a:solidFill>
+              <a:uFill>
+                <a:solidFill>
+                  <a:srgbClr val="FFFFFF"/>
                 </a:solidFill>
               </a:uFill>
               <a:latin typeface="Calibri"/>
@@ -3351,17 +3598,18 @@
           </a:prstGeom>
         </p:spPr>
         <p:txBody>
-          <a:bodyPr lIns="0" rIns="0" tIns="0" bIns="0">
+          <a:bodyPr lIns="0" tIns="0" rIns="0" bIns="0">
             <a:normAutofit/>
           </a:bodyPr>
-          <a:p>
-            <a:endParaRPr b="0" lang="de-DE" sz="2800" spc="-1" strike="noStrike">
-              <a:solidFill>
-                <a:srgbClr val="000000"/>
-              </a:solidFill>
-              <a:uFill>
-                <a:solidFill>
-                  <a:srgbClr val="ffffff"/>
+          <a:lstStyle/>
+          <a:p>
+            <a:endParaRPr lang="de-DE" sz="2800" b="0" strike="noStrike" spc="-1">
+              <a:solidFill>
+                <a:srgbClr val="000000"/>
+              </a:solidFill>
+              <a:uFill>
+                <a:solidFill>
+                  <a:srgbClr val="FFFFFF"/>
                 </a:solidFill>
               </a:uFill>
               <a:latin typeface="Calibri"/>
@@ -3371,11 +3619,14 @@
       </p:sp>
     </p:spTree>
   </p:cSld>
+  <p:clrMapOvr>
+    <a:masterClrMapping/>
+  </p:clrMapOvr>
 </p:sldLayout>
 </file>
 
 <file path=ppt/slideLayouts/slideLayout35.xml><?xml version="1.0" encoding="utf-8"?>
-<p:sldLayout xmlns:a="http://schemas.openxmlformats.org/drawingml/2006/main" xmlns:p="http://schemas.openxmlformats.org/presentationml/2006/main" xmlns:r="http://schemas.openxmlformats.org/officeDocument/2006/relationships" xmlns:p14="http://schemas.microsoft.com/office/powerpoint/2010/main" xmlns:p15="http://schemas.microsoft.com/office/powerpoint/2012/main" xmlns:mc="http://schemas.openxmlformats.org/markup-compatibility/2006" type="fourObj" preserve="1">
+<p:sldLayout xmlns:a="http://schemas.openxmlformats.org/drawingml/2006/main" xmlns:r="http://schemas.openxmlformats.org/officeDocument/2006/relationships" xmlns:p="http://schemas.openxmlformats.org/presentationml/2006/main" type="fourObj" preserve="1">
   <p:cSld name="Title, 4 Content">
     <p:spTree>
       <p:nvGrpSpPr>
@@ -3411,15 +3662,16 @@
           </a:prstGeom>
         </p:spPr>
         <p:txBody>
-          <a:bodyPr lIns="0" rIns="0" tIns="0" bIns="0" anchor="ctr"/>
-          <a:p>
-            <a:endParaRPr b="0" lang="de-DE" sz="1800" spc="-1" strike="noStrike">
-              <a:solidFill>
-                <a:srgbClr val="000000"/>
-              </a:solidFill>
-              <a:uFill>
-                <a:solidFill>
-                  <a:srgbClr val="ffffff"/>
+          <a:bodyPr lIns="0" tIns="0" rIns="0" bIns="0" anchor="ctr"/>
+          <a:lstStyle/>
+          <a:p>
+            <a:endParaRPr lang="de-DE" sz="1800" b="0" strike="noStrike" spc="-1">
+              <a:solidFill>
+                <a:srgbClr val="000000"/>
+              </a:solidFill>
+              <a:uFill>
+                <a:solidFill>
+                  <a:srgbClr val="FFFFFF"/>
                 </a:solidFill>
               </a:uFill>
               <a:latin typeface="Calibri"/>
@@ -3447,17 +3699,18 @@
           </a:prstGeom>
         </p:spPr>
         <p:txBody>
-          <a:bodyPr lIns="0" rIns="0" tIns="0" bIns="0">
+          <a:bodyPr lIns="0" tIns="0" rIns="0" bIns="0">
             <a:normAutofit/>
           </a:bodyPr>
-          <a:p>
-            <a:endParaRPr b="0" lang="de-DE" sz="2800" spc="-1" strike="noStrike">
-              <a:solidFill>
-                <a:srgbClr val="000000"/>
-              </a:solidFill>
-              <a:uFill>
-                <a:solidFill>
-                  <a:srgbClr val="ffffff"/>
+          <a:lstStyle/>
+          <a:p>
+            <a:endParaRPr lang="de-DE" sz="2800" b="0" strike="noStrike" spc="-1">
+              <a:solidFill>
+                <a:srgbClr val="000000"/>
+              </a:solidFill>
+              <a:uFill>
+                <a:solidFill>
+                  <a:srgbClr val="FFFFFF"/>
                 </a:solidFill>
               </a:uFill>
               <a:latin typeface="Calibri"/>
@@ -3485,17 +3738,18 @@
           </a:prstGeom>
         </p:spPr>
         <p:txBody>
-          <a:bodyPr lIns="0" rIns="0" tIns="0" bIns="0">
+          <a:bodyPr lIns="0" tIns="0" rIns="0" bIns="0">
             <a:normAutofit/>
           </a:bodyPr>
-          <a:p>
-            <a:endParaRPr b="0" lang="de-DE" sz="2800" spc="-1" strike="noStrike">
-              <a:solidFill>
-                <a:srgbClr val="000000"/>
-              </a:solidFill>
-              <a:uFill>
-                <a:solidFill>
-                  <a:srgbClr val="ffffff"/>
+          <a:lstStyle/>
+          <a:p>
+            <a:endParaRPr lang="de-DE" sz="2800" b="0" strike="noStrike" spc="-1">
+              <a:solidFill>
+                <a:srgbClr val="000000"/>
+              </a:solidFill>
+              <a:uFill>
+                <a:solidFill>
+                  <a:srgbClr val="FFFFFF"/>
                 </a:solidFill>
               </a:uFill>
               <a:latin typeface="Calibri"/>
@@ -3523,17 +3777,18 @@
           </a:prstGeom>
         </p:spPr>
         <p:txBody>
-          <a:bodyPr lIns="0" rIns="0" tIns="0" bIns="0">
+          <a:bodyPr lIns="0" tIns="0" rIns="0" bIns="0">
             <a:normAutofit/>
           </a:bodyPr>
-          <a:p>
-            <a:endParaRPr b="0" lang="de-DE" sz="2800" spc="-1" strike="noStrike">
-              <a:solidFill>
-                <a:srgbClr val="000000"/>
-              </a:solidFill>
-              <a:uFill>
-                <a:solidFill>
-                  <a:srgbClr val="ffffff"/>
+          <a:lstStyle/>
+          <a:p>
+            <a:endParaRPr lang="de-DE" sz="2800" b="0" strike="noStrike" spc="-1">
+              <a:solidFill>
+                <a:srgbClr val="000000"/>
+              </a:solidFill>
+              <a:uFill>
+                <a:solidFill>
+                  <a:srgbClr val="FFFFFF"/>
                 </a:solidFill>
               </a:uFill>
               <a:latin typeface="Calibri"/>
@@ -3561,17 +3816,18 @@
           </a:prstGeom>
         </p:spPr>
         <p:txBody>
-          <a:bodyPr lIns="0" rIns="0" tIns="0" bIns="0">
+          <a:bodyPr lIns="0" tIns="0" rIns="0" bIns="0">
             <a:normAutofit/>
           </a:bodyPr>
-          <a:p>
-            <a:endParaRPr b="0" lang="de-DE" sz="2800" spc="-1" strike="noStrike">
-              <a:solidFill>
-                <a:srgbClr val="000000"/>
-              </a:solidFill>
-              <a:uFill>
-                <a:solidFill>
-                  <a:srgbClr val="ffffff"/>
+          <a:lstStyle/>
+          <a:p>
+            <a:endParaRPr lang="de-DE" sz="2800" b="0" strike="noStrike" spc="-1">
+              <a:solidFill>
+                <a:srgbClr val="000000"/>
+              </a:solidFill>
+              <a:uFill>
+                <a:solidFill>
+                  <a:srgbClr val="FFFFFF"/>
                 </a:solidFill>
               </a:uFill>
               <a:latin typeface="Calibri"/>
@@ -3581,11 +3837,14 @@
       </p:sp>
     </p:spTree>
   </p:cSld>
+  <p:clrMapOvr>
+    <a:masterClrMapping/>
+  </p:clrMapOvr>
 </p:sldLayout>
 </file>
 
 <file path=ppt/slideLayouts/slideLayout36.xml><?xml version="1.0" encoding="utf-8"?>
-<p:sldLayout xmlns:a="http://schemas.openxmlformats.org/drawingml/2006/main" xmlns:p="http://schemas.openxmlformats.org/presentationml/2006/main" xmlns:r="http://schemas.openxmlformats.org/officeDocument/2006/relationships" xmlns:p14="http://schemas.microsoft.com/office/powerpoint/2010/main" xmlns:p15="http://schemas.microsoft.com/office/powerpoint/2012/main" xmlns:mc="http://schemas.openxmlformats.org/markup-compatibility/2006" type="blank" preserve="1">
+<p:sldLayout xmlns:a="http://schemas.openxmlformats.org/drawingml/2006/main" xmlns:r="http://schemas.openxmlformats.org/officeDocument/2006/relationships" xmlns:p="http://schemas.openxmlformats.org/presentationml/2006/main" type="blank" preserve="1">
   <p:cSld name="Title, 6 Content">
     <p:spTree>
       <p:nvGrpSpPr>
@@ -3621,15 +3880,16 @@
           </a:prstGeom>
         </p:spPr>
         <p:txBody>
-          <a:bodyPr lIns="0" rIns="0" tIns="0" bIns="0" anchor="ctr"/>
-          <a:p>
-            <a:endParaRPr b="0" lang="de-DE" sz="1800" spc="-1" strike="noStrike">
-              <a:solidFill>
-                <a:srgbClr val="000000"/>
-              </a:solidFill>
-              <a:uFill>
-                <a:solidFill>
-                  <a:srgbClr val="ffffff"/>
+          <a:bodyPr lIns="0" tIns="0" rIns="0" bIns="0" anchor="ctr"/>
+          <a:lstStyle/>
+          <a:p>
+            <a:endParaRPr lang="de-DE" sz="1800" b="0" strike="noStrike" spc="-1">
+              <a:solidFill>
+                <a:srgbClr val="000000"/>
+              </a:solidFill>
+              <a:uFill>
+                <a:solidFill>
+                  <a:srgbClr val="FFFFFF"/>
                 </a:solidFill>
               </a:uFill>
               <a:latin typeface="Calibri"/>
@@ -3657,17 +3917,18 @@
           </a:prstGeom>
         </p:spPr>
         <p:txBody>
-          <a:bodyPr lIns="0" rIns="0" tIns="0" bIns="0">
+          <a:bodyPr lIns="0" tIns="0" rIns="0" bIns="0">
             <a:normAutofit/>
           </a:bodyPr>
-          <a:p>
-            <a:endParaRPr b="0" lang="de-DE" sz="2800" spc="-1" strike="noStrike">
-              <a:solidFill>
-                <a:srgbClr val="000000"/>
-              </a:solidFill>
-              <a:uFill>
-                <a:solidFill>
-                  <a:srgbClr val="ffffff"/>
+          <a:lstStyle/>
+          <a:p>
+            <a:endParaRPr lang="de-DE" sz="2800" b="0" strike="noStrike" spc="-1">
+              <a:solidFill>
+                <a:srgbClr val="000000"/>
+              </a:solidFill>
+              <a:uFill>
+                <a:solidFill>
+                  <a:srgbClr val="FFFFFF"/>
                 </a:solidFill>
               </a:uFill>
               <a:latin typeface="Calibri"/>
@@ -3695,17 +3956,18 @@
           </a:prstGeom>
         </p:spPr>
         <p:txBody>
-          <a:bodyPr lIns="0" rIns="0" tIns="0" bIns="0">
+          <a:bodyPr lIns="0" tIns="0" rIns="0" bIns="0">
             <a:normAutofit/>
           </a:bodyPr>
-          <a:p>
-            <a:endParaRPr b="0" lang="de-DE" sz="2800" spc="-1" strike="noStrike">
-              <a:solidFill>
-                <a:srgbClr val="000000"/>
-              </a:solidFill>
-              <a:uFill>
-                <a:solidFill>
-                  <a:srgbClr val="ffffff"/>
+          <a:lstStyle/>
+          <a:p>
+            <a:endParaRPr lang="de-DE" sz="2800" b="0" strike="noStrike" spc="-1">
+              <a:solidFill>
+                <a:srgbClr val="000000"/>
+              </a:solidFill>
+              <a:uFill>
+                <a:solidFill>
+                  <a:srgbClr val="FFFFFF"/>
                 </a:solidFill>
               </a:uFill>
               <a:latin typeface="Calibri"/>
@@ -3715,7 +3977,7 @@
       </p:sp>
       <p:pic>
         <p:nvPicPr>
-          <p:cNvPr id="116" name="" descr=""/>
+          <p:cNvPr id="116" name="Grafik 115"/>
           <p:cNvPicPr/>
           <p:nvPr/>
         </p:nvPicPr>
@@ -3738,12 +4000,12 @@
       </p:pic>
       <p:pic>
         <p:nvPicPr>
-          <p:cNvPr id="117" name="" descr=""/>
+          <p:cNvPr id="117" name="Grafik 116"/>
           <p:cNvPicPr/>
           <p:nvPr/>
         </p:nvPicPr>
         <p:blipFill>
-          <a:blip r:embed="rId3"/>
+          <a:blip r:embed="rId2"/>
           <a:stretch/>
         </p:blipFill>
         <p:spPr>
@@ -3761,11 +4023,14 @@
       </p:pic>
     </p:spTree>
   </p:cSld>
+  <p:clrMapOvr>
+    <a:masterClrMapping/>
+  </p:clrMapOvr>
 </p:sldLayout>
 </file>
 
 <file path=ppt/slideLayouts/slideLayout4.xml><?xml version="1.0" encoding="utf-8"?>
-<p:sldLayout xmlns:a="http://schemas.openxmlformats.org/drawingml/2006/main" xmlns:p="http://schemas.openxmlformats.org/presentationml/2006/main" xmlns:r="http://schemas.openxmlformats.org/officeDocument/2006/relationships" xmlns:p14="http://schemas.microsoft.com/office/powerpoint/2010/main" xmlns:p15="http://schemas.microsoft.com/office/powerpoint/2012/main" xmlns:mc="http://schemas.openxmlformats.org/markup-compatibility/2006" type="twoObj" preserve="1">
+<p:sldLayout xmlns:a="http://schemas.openxmlformats.org/drawingml/2006/main" xmlns:r="http://schemas.openxmlformats.org/officeDocument/2006/relationships" xmlns:p="http://schemas.openxmlformats.org/presentationml/2006/main" type="twoObj" preserve="1">
   <p:cSld name="Title, 2 Content">
     <p:spTree>
       <p:nvGrpSpPr>
@@ -3801,15 +4066,16 @@
           </a:prstGeom>
         </p:spPr>
         <p:txBody>
-          <a:bodyPr lIns="0" rIns="0" tIns="0" bIns="0" anchor="ctr"/>
-          <a:p>
-            <a:endParaRPr b="0" lang="de-DE" sz="1800" spc="-1" strike="noStrike">
-              <a:solidFill>
-                <a:srgbClr val="000000"/>
-              </a:solidFill>
-              <a:uFill>
-                <a:solidFill>
-                  <a:srgbClr val="ffffff"/>
+          <a:bodyPr lIns="0" tIns="0" rIns="0" bIns="0" anchor="ctr"/>
+          <a:lstStyle/>
+          <a:p>
+            <a:endParaRPr lang="de-DE" sz="1800" b="0" strike="noStrike" spc="-1">
+              <a:solidFill>
+                <a:srgbClr val="000000"/>
+              </a:solidFill>
+              <a:uFill>
+                <a:solidFill>
+                  <a:srgbClr val="FFFFFF"/>
                 </a:solidFill>
               </a:uFill>
               <a:latin typeface="Calibri"/>
@@ -3837,17 +4103,18 @@
           </a:prstGeom>
         </p:spPr>
         <p:txBody>
-          <a:bodyPr lIns="0" rIns="0" tIns="0" bIns="0">
+          <a:bodyPr lIns="0" tIns="0" rIns="0" bIns="0">
             <a:normAutofit/>
           </a:bodyPr>
-          <a:p>
-            <a:endParaRPr b="0" lang="de-DE" sz="2800" spc="-1" strike="noStrike">
-              <a:solidFill>
-                <a:srgbClr val="000000"/>
-              </a:solidFill>
-              <a:uFill>
-                <a:solidFill>
-                  <a:srgbClr val="ffffff"/>
+          <a:lstStyle/>
+          <a:p>
+            <a:endParaRPr lang="de-DE" sz="2800" b="0" strike="noStrike" spc="-1">
+              <a:solidFill>
+                <a:srgbClr val="000000"/>
+              </a:solidFill>
+              <a:uFill>
+                <a:solidFill>
+                  <a:srgbClr val="FFFFFF"/>
                 </a:solidFill>
               </a:uFill>
               <a:latin typeface="Calibri"/>
@@ -3875,17 +4142,18 @@
           </a:prstGeom>
         </p:spPr>
         <p:txBody>
-          <a:bodyPr lIns="0" rIns="0" tIns="0" bIns="0">
+          <a:bodyPr lIns="0" tIns="0" rIns="0" bIns="0">
             <a:normAutofit/>
           </a:bodyPr>
-          <a:p>
-            <a:endParaRPr b="0" lang="de-DE" sz="2800" spc="-1" strike="noStrike">
-              <a:solidFill>
-                <a:srgbClr val="000000"/>
-              </a:solidFill>
-              <a:uFill>
-                <a:solidFill>
-                  <a:srgbClr val="ffffff"/>
+          <a:lstStyle/>
+          <a:p>
+            <a:endParaRPr lang="de-DE" sz="2800" b="0" strike="noStrike" spc="-1">
+              <a:solidFill>
+                <a:srgbClr val="000000"/>
+              </a:solidFill>
+              <a:uFill>
+                <a:solidFill>
+                  <a:srgbClr val="FFFFFF"/>
                 </a:solidFill>
               </a:uFill>
               <a:latin typeface="Calibri"/>
@@ -3895,11 +4163,14 @@
       </p:sp>
     </p:spTree>
   </p:cSld>
+  <p:clrMapOvr>
+    <a:masterClrMapping/>
+  </p:clrMapOvr>
 </p:sldLayout>
 </file>
 
 <file path=ppt/slideLayouts/slideLayout5.xml><?xml version="1.0" encoding="utf-8"?>
-<p:sldLayout xmlns:a="http://schemas.openxmlformats.org/drawingml/2006/main" xmlns:p="http://schemas.openxmlformats.org/presentationml/2006/main" xmlns:r="http://schemas.openxmlformats.org/officeDocument/2006/relationships" xmlns:p14="http://schemas.microsoft.com/office/powerpoint/2010/main" xmlns:p15="http://schemas.microsoft.com/office/powerpoint/2012/main" xmlns:mc="http://schemas.openxmlformats.org/markup-compatibility/2006" type="titleOnly" preserve="1">
+<p:sldLayout xmlns:a="http://schemas.openxmlformats.org/drawingml/2006/main" xmlns:r="http://schemas.openxmlformats.org/officeDocument/2006/relationships" xmlns:p="http://schemas.openxmlformats.org/presentationml/2006/main" type="titleOnly" preserve="1">
   <p:cSld name="Title Only">
     <p:spTree>
       <p:nvGrpSpPr>
@@ -3935,15 +4206,16 @@
           </a:prstGeom>
         </p:spPr>
         <p:txBody>
-          <a:bodyPr lIns="0" rIns="0" tIns="0" bIns="0" anchor="ctr"/>
-          <a:p>
-            <a:endParaRPr b="0" lang="de-DE" sz="1800" spc="-1" strike="noStrike">
-              <a:solidFill>
-                <a:srgbClr val="000000"/>
-              </a:solidFill>
-              <a:uFill>
-                <a:solidFill>
-                  <a:srgbClr val="ffffff"/>
+          <a:bodyPr lIns="0" tIns="0" rIns="0" bIns="0" anchor="ctr"/>
+          <a:lstStyle/>
+          <a:p>
+            <a:endParaRPr lang="de-DE" sz="1800" b="0" strike="noStrike" spc="-1">
+              <a:solidFill>
+                <a:srgbClr val="000000"/>
+              </a:solidFill>
+              <a:uFill>
+                <a:solidFill>
+                  <a:srgbClr val="FFFFFF"/>
                 </a:solidFill>
               </a:uFill>
               <a:latin typeface="Calibri"/>
@@ -3953,11 +4225,14 @@
       </p:sp>
     </p:spTree>
   </p:cSld>
+  <p:clrMapOvr>
+    <a:masterClrMapping/>
+  </p:clrMapOvr>
 </p:sldLayout>
 </file>
 
 <file path=ppt/slideLayouts/slideLayout6.xml><?xml version="1.0" encoding="utf-8"?>
-<p:sldLayout xmlns:a="http://schemas.openxmlformats.org/drawingml/2006/main" xmlns:p="http://schemas.openxmlformats.org/presentationml/2006/main" xmlns:r="http://schemas.openxmlformats.org/officeDocument/2006/relationships" xmlns:p14="http://schemas.microsoft.com/office/powerpoint/2010/main" xmlns:p15="http://schemas.microsoft.com/office/powerpoint/2012/main" xmlns:mc="http://schemas.openxmlformats.org/markup-compatibility/2006" type="objOnly" preserve="1">
+<p:sldLayout xmlns:a="http://schemas.openxmlformats.org/drawingml/2006/main" xmlns:r="http://schemas.openxmlformats.org/officeDocument/2006/relationships" xmlns:p="http://schemas.openxmlformats.org/presentationml/2006/main" type="objOnly" preserve="1">
   <p:cSld name="Centered Text">
     <p:spTree>
       <p:nvGrpSpPr>
@@ -3993,16 +4268,17 @@
           </a:prstGeom>
         </p:spPr>
         <p:txBody>
-          <a:bodyPr lIns="0" rIns="0" tIns="0" bIns="0" anchor="ctr"/>
+          <a:bodyPr lIns="0" tIns="0" rIns="0" bIns="0" anchor="ctr"/>
+          <a:lstStyle/>
           <a:p>
             <a:pPr algn="ctr"/>
-            <a:endParaRPr b="0" lang="en-US" sz="3200" spc="-1" strike="noStrike">
-              <a:solidFill>
-                <a:srgbClr val="000000"/>
-              </a:solidFill>
-              <a:uFill>
-                <a:solidFill>
-                  <a:srgbClr val="ffffff"/>
+            <a:endParaRPr lang="en-US" sz="3200" b="0" strike="noStrike" spc="-1">
+              <a:solidFill>
+                <a:srgbClr val="000000"/>
+              </a:solidFill>
+              <a:uFill>
+                <a:solidFill>
+                  <a:srgbClr val="FFFFFF"/>
                 </a:solidFill>
               </a:uFill>
               <a:latin typeface="Arial"/>
@@ -4012,11 +4288,14 @@
       </p:sp>
     </p:spTree>
   </p:cSld>
+  <p:clrMapOvr>
+    <a:masterClrMapping/>
+  </p:clrMapOvr>
 </p:sldLayout>
 </file>
 
 <file path=ppt/slideLayouts/slideLayout7.xml><?xml version="1.0" encoding="utf-8"?>
-<p:sldLayout xmlns:a="http://schemas.openxmlformats.org/drawingml/2006/main" xmlns:p="http://schemas.openxmlformats.org/presentationml/2006/main" xmlns:r="http://schemas.openxmlformats.org/officeDocument/2006/relationships" xmlns:p14="http://schemas.microsoft.com/office/powerpoint/2010/main" xmlns:p15="http://schemas.microsoft.com/office/powerpoint/2012/main" xmlns:mc="http://schemas.openxmlformats.org/markup-compatibility/2006" type="twoObjAndObj" preserve="1">
+<p:sldLayout xmlns:a="http://schemas.openxmlformats.org/drawingml/2006/main" xmlns:r="http://schemas.openxmlformats.org/officeDocument/2006/relationships" xmlns:p="http://schemas.openxmlformats.org/presentationml/2006/main" type="twoObjAndObj" preserve="1">
   <p:cSld name="Title, 2 Content and Content">
     <p:spTree>
       <p:nvGrpSpPr>
@@ -4052,15 +4331,16 @@
           </a:prstGeom>
         </p:spPr>
         <p:txBody>
-          <a:bodyPr lIns="0" rIns="0" tIns="0" bIns="0" anchor="ctr"/>
-          <a:p>
-            <a:endParaRPr b="0" lang="de-DE" sz="1800" spc="-1" strike="noStrike">
-              <a:solidFill>
-                <a:srgbClr val="000000"/>
-              </a:solidFill>
-              <a:uFill>
-                <a:solidFill>
-                  <a:srgbClr val="ffffff"/>
+          <a:bodyPr lIns="0" tIns="0" rIns="0" bIns="0" anchor="ctr"/>
+          <a:lstStyle/>
+          <a:p>
+            <a:endParaRPr lang="de-DE" sz="1800" b="0" strike="noStrike" spc="-1">
+              <a:solidFill>
+                <a:srgbClr val="000000"/>
+              </a:solidFill>
+              <a:uFill>
+                <a:solidFill>
+                  <a:srgbClr val="FFFFFF"/>
                 </a:solidFill>
               </a:uFill>
               <a:latin typeface="Calibri"/>
@@ -4088,17 +4368,18 @@
           </a:prstGeom>
         </p:spPr>
         <p:txBody>
-          <a:bodyPr lIns="0" rIns="0" tIns="0" bIns="0">
+          <a:bodyPr lIns="0" tIns="0" rIns="0" bIns="0">
             <a:normAutofit/>
           </a:bodyPr>
-          <a:p>
-            <a:endParaRPr b="0" lang="de-DE" sz="2800" spc="-1" strike="noStrike">
-              <a:solidFill>
-                <a:srgbClr val="000000"/>
-              </a:solidFill>
-              <a:uFill>
-                <a:solidFill>
-                  <a:srgbClr val="ffffff"/>
+          <a:lstStyle/>
+          <a:p>
+            <a:endParaRPr lang="de-DE" sz="2800" b="0" strike="noStrike" spc="-1">
+              <a:solidFill>
+                <a:srgbClr val="000000"/>
+              </a:solidFill>
+              <a:uFill>
+                <a:solidFill>
+                  <a:srgbClr val="FFFFFF"/>
                 </a:solidFill>
               </a:uFill>
               <a:latin typeface="Calibri"/>
@@ -4126,17 +4407,18 @@
           </a:prstGeom>
         </p:spPr>
         <p:txBody>
-          <a:bodyPr lIns="0" rIns="0" tIns="0" bIns="0">
+          <a:bodyPr lIns="0" tIns="0" rIns="0" bIns="0">
             <a:normAutofit/>
           </a:bodyPr>
-          <a:p>
-            <a:endParaRPr b="0" lang="de-DE" sz="2800" spc="-1" strike="noStrike">
-              <a:solidFill>
-                <a:srgbClr val="000000"/>
-              </a:solidFill>
-              <a:uFill>
-                <a:solidFill>
-                  <a:srgbClr val="ffffff"/>
+          <a:lstStyle/>
+          <a:p>
+            <a:endParaRPr lang="de-DE" sz="2800" b="0" strike="noStrike" spc="-1">
+              <a:solidFill>
+                <a:srgbClr val="000000"/>
+              </a:solidFill>
+              <a:uFill>
+                <a:solidFill>
+                  <a:srgbClr val="FFFFFF"/>
                 </a:solidFill>
               </a:uFill>
               <a:latin typeface="Calibri"/>
@@ -4164,17 +4446,18 @@
           </a:prstGeom>
         </p:spPr>
         <p:txBody>
-          <a:bodyPr lIns="0" rIns="0" tIns="0" bIns="0">
+          <a:bodyPr lIns="0" tIns="0" rIns="0" bIns="0">
             <a:normAutofit/>
           </a:bodyPr>
-          <a:p>
-            <a:endParaRPr b="0" lang="de-DE" sz="2800" spc="-1" strike="noStrike">
-              <a:solidFill>
-                <a:srgbClr val="000000"/>
-              </a:solidFill>
-              <a:uFill>
-                <a:solidFill>
-                  <a:srgbClr val="ffffff"/>
+          <a:lstStyle/>
+          <a:p>
+            <a:endParaRPr lang="de-DE" sz="2800" b="0" strike="noStrike" spc="-1">
+              <a:solidFill>
+                <a:srgbClr val="000000"/>
+              </a:solidFill>
+              <a:uFill>
+                <a:solidFill>
+                  <a:srgbClr val="FFFFFF"/>
                 </a:solidFill>
               </a:uFill>
               <a:latin typeface="Calibri"/>
@@ -4184,11 +4467,14 @@
       </p:sp>
     </p:spTree>
   </p:cSld>
+  <p:clrMapOvr>
+    <a:masterClrMapping/>
+  </p:clrMapOvr>
 </p:sldLayout>
 </file>
 
 <file path=ppt/slideLayouts/slideLayout8.xml><?xml version="1.0" encoding="utf-8"?>
-<p:sldLayout xmlns:a="http://schemas.openxmlformats.org/drawingml/2006/main" xmlns:p="http://schemas.openxmlformats.org/presentationml/2006/main" xmlns:r="http://schemas.openxmlformats.org/officeDocument/2006/relationships" xmlns:p14="http://schemas.microsoft.com/office/powerpoint/2010/main" xmlns:p15="http://schemas.microsoft.com/office/powerpoint/2012/main" xmlns:mc="http://schemas.openxmlformats.org/markup-compatibility/2006" type="objAndTwoObj" preserve="1">
+<p:sldLayout xmlns:a="http://schemas.openxmlformats.org/drawingml/2006/main" xmlns:r="http://schemas.openxmlformats.org/officeDocument/2006/relationships" xmlns:p="http://schemas.openxmlformats.org/presentationml/2006/main" type="objAndTwoObj" preserve="1">
   <p:cSld name="Title Content and 2 Content">
     <p:spTree>
       <p:nvGrpSpPr>
@@ -4224,15 +4510,16 @@
           </a:prstGeom>
         </p:spPr>
         <p:txBody>
-          <a:bodyPr lIns="0" rIns="0" tIns="0" bIns="0" anchor="ctr"/>
-          <a:p>
-            <a:endParaRPr b="0" lang="de-DE" sz="1800" spc="-1" strike="noStrike">
-              <a:solidFill>
-                <a:srgbClr val="000000"/>
-              </a:solidFill>
-              <a:uFill>
-                <a:solidFill>
-                  <a:srgbClr val="ffffff"/>
+          <a:bodyPr lIns="0" tIns="0" rIns="0" bIns="0" anchor="ctr"/>
+          <a:lstStyle/>
+          <a:p>
+            <a:endParaRPr lang="de-DE" sz="1800" b="0" strike="noStrike" spc="-1">
+              <a:solidFill>
+                <a:srgbClr val="000000"/>
+              </a:solidFill>
+              <a:uFill>
+                <a:solidFill>
+                  <a:srgbClr val="FFFFFF"/>
                 </a:solidFill>
               </a:uFill>
               <a:latin typeface="Calibri"/>
@@ -4260,17 +4547,18 @@
           </a:prstGeom>
         </p:spPr>
         <p:txBody>
-          <a:bodyPr lIns="0" rIns="0" tIns="0" bIns="0">
+          <a:bodyPr lIns="0" tIns="0" rIns="0" bIns="0">
             <a:normAutofit/>
           </a:bodyPr>
-          <a:p>
-            <a:endParaRPr b="0" lang="de-DE" sz="2800" spc="-1" strike="noStrike">
-              <a:solidFill>
-                <a:srgbClr val="000000"/>
-              </a:solidFill>
-              <a:uFill>
-                <a:solidFill>
-                  <a:srgbClr val="ffffff"/>
+          <a:lstStyle/>
+          <a:p>
+            <a:endParaRPr lang="de-DE" sz="2800" b="0" strike="noStrike" spc="-1">
+              <a:solidFill>
+                <a:srgbClr val="000000"/>
+              </a:solidFill>
+              <a:uFill>
+                <a:solidFill>
+                  <a:srgbClr val="FFFFFF"/>
                 </a:solidFill>
               </a:uFill>
               <a:latin typeface="Calibri"/>
@@ -4298,17 +4586,18 @@
           </a:prstGeom>
         </p:spPr>
         <p:txBody>
-          <a:bodyPr lIns="0" rIns="0" tIns="0" bIns="0">
+          <a:bodyPr lIns="0" tIns="0" rIns="0" bIns="0">
             <a:normAutofit/>
           </a:bodyPr>
-          <a:p>
-            <a:endParaRPr b="0" lang="de-DE" sz="2800" spc="-1" strike="noStrike">
-              <a:solidFill>
-                <a:srgbClr val="000000"/>
-              </a:solidFill>
-              <a:uFill>
-                <a:solidFill>
-                  <a:srgbClr val="ffffff"/>
+          <a:lstStyle/>
+          <a:p>
+            <a:endParaRPr lang="de-DE" sz="2800" b="0" strike="noStrike" spc="-1">
+              <a:solidFill>
+                <a:srgbClr val="000000"/>
+              </a:solidFill>
+              <a:uFill>
+                <a:solidFill>
+                  <a:srgbClr val="FFFFFF"/>
                 </a:solidFill>
               </a:uFill>
               <a:latin typeface="Calibri"/>
@@ -4336,17 +4625,18 @@
           </a:prstGeom>
         </p:spPr>
         <p:txBody>
-          <a:bodyPr lIns="0" rIns="0" tIns="0" bIns="0">
+          <a:bodyPr lIns="0" tIns="0" rIns="0" bIns="0">
             <a:normAutofit/>
           </a:bodyPr>
-          <a:p>
-            <a:endParaRPr b="0" lang="de-DE" sz="2800" spc="-1" strike="noStrike">
-              <a:solidFill>
-                <a:srgbClr val="000000"/>
-              </a:solidFill>
-              <a:uFill>
-                <a:solidFill>
-                  <a:srgbClr val="ffffff"/>
+          <a:lstStyle/>
+          <a:p>
+            <a:endParaRPr lang="de-DE" sz="2800" b="0" strike="noStrike" spc="-1">
+              <a:solidFill>
+                <a:srgbClr val="000000"/>
+              </a:solidFill>
+              <a:uFill>
+                <a:solidFill>
+                  <a:srgbClr val="FFFFFF"/>
                 </a:solidFill>
               </a:uFill>
               <a:latin typeface="Calibri"/>
@@ -4356,11 +4646,14 @@
       </p:sp>
     </p:spTree>
   </p:cSld>
+  <p:clrMapOvr>
+    <a:masterClrMapping/>
+  </p:clrMapOvr>
 </p:sldLayout>
 </file>
 
 <file path=ppt/slideLayouts/slideLayout9.xml><?xml version="1.0" encoding="utf-8"?>
-<p:sldLayout xmlns:a="http://schemas.openxmlformats.org/drawingml/2006/main" xmlns:p="http://schemas.openxmlformats.org/presentationml/2006/main" xmlns:r="http://schemas.openxmlformats.org/officeDocument/2006/relationships" xmlns:p14="http://schemas.microsoft.com/office/powerpoint/2010/main" xmlns:p15="http://schemas.microsoft.com/office/powerpoint/2012/main" xmlns:mc="http://schemas.openxmlformats.org/markup-compatibility/2006" type="twoObjOverTx" preserve="1">
+<p:sldLayout xmlns:a="http://schemas.openxmlformats.org/drawingml/2006/main" xmlns:r="http://schemas.openxmlformats.org/officeDocument/2006/relationships" xmlns:p="http://schemas.openxmlformats.org/presentationml/2006/main" type="twoObjOverTx" preserve="1">
   <p:cSld name="Title, 2 Content over Content">
     <p:spTree>
       <p:nvGrpSpPr>
@@ -4396,15 +4689,16 @@
           </a:prstGeom>
         </p:spPr>
         <p:txBody>
-          <a:bodyPr lIns="0" rIns="0" tIns="0" bIns="0" anchor="ctr"/>
-          <a:p>
-            <a:endParaRPr b="0" lang="de-DE" sz="1800" spc="-1" strike="noStrike">
-              <a:solidFill>
-                <a:srgbClr val="000000"/>
-              </a:solidFill>
-              <a:uFill>
-                <a:solidFill>
-                  <a:srgbClr val="ffffff"/>
+          <a:bodyPr lIns="0" tIns="0" rIns="0" bIns="0" anchor="ctr"/>
+          <a:lstStyle/>
+          <a:p>
+            <a:endParaRPr lang="de-DE" sz="1800" b="0" strike="noStrike" spc="-1">
+              <a:solidFill>
+                <a:srgbClr val="000000"/>
+              </a:solidFill>
+              <a:uFill>
+                <a:solidFill>
+                  <a:srgbClr val="FFFFFF"/>
                 </a:solidFill>
               </a:uFill>
               <a:latin typeface="Calibri"/>
@@ -4432,17 +4726,18 @@
           </a:prstGeom>
         </p:spPr>
         <p:txBody>
-          <a:bodyPr lIns="0" rIns="0" tIns="0" bIns="0">
+          <a:bodyPr lIns="0" tIns="0" rIns="0" bIns="0">
             <a:normAutofit/>
           </a:bodyPr>
-          <a:p>
-            <a:endParaRPr b="0" lang="de-DE" sz="2800" spc="-1" strike="noStrike">
-              <a:solidFill>
-                <a:srgbClr val="000000"/>
-              </a:solidFill>
-              <a:uFill>
-                <a:solidFill>
-                  <a:srgbClr val="ffffff"/>
+          <a:lstStyle/>
+          <a:p>
+            <a:endParaRPr lang="de-DE" sz="2800" b="0" strike="noStrike" spc="-1">
+              <a:solidFill>
+                <a:srgbClr val="000000"/>
+              </a:solidFill>
+              <a:uFill>
+                <a:solidFill>
+                  <a:srgbClr val="FFFFFF"/>
                 </a:solidFill>
               </a:uFill>
               <a:latin typeface="Calibri"/>
@@ -4470,17 +4765,18 @@
           </a:prstGeom>
         </p:spPr>
         <p:txBody>
-          <a:bodyPr lIns="0" rIns="0" tIns="0" bIns="0">
+          <a:bodyPr lIns="0" tIns="0" rIns="0" bIns="0">
             <a:normAutofit/>
           </a:bodyPr>
-          <a:p>
-            <a:endParaRPr b="0" lang="de-DE" sz="2800" spc="-1" strike="noStrike">
-              <a:solidFill>
-                <a:srgbClr val="000000"/>
-              </a:solidFill>
-              <a:uFill>
-                <a:solidFill>
-                  <a:srgbClr val="ffffff"/>
+          <a:lstStyle/>
+          <a:p>
+            <a:endParaRPr lang="de-DE" sz="2800" b="0" strike="noStrike" spc="-1">
+              <a:solidFill>
+                <a:srgbClr val="000000"/>
+              </a:solidFill>
+              <a:uFill>
+                <a:solidFill>
+                  <a:srgbClr val="FFFFFF"/>
                 </a:solidFill>
               </a:uFill>
               <a:latin typeface="Calibri"/>
@@ -4508,17 +4804,18 @@
           </a:prstGeom>
         </p:spPr>
         <p:txBody>
-          <a:bodyPr lIns="0" rIns="0" tIns="0" bIns="0">
+          <a:bodyPr lIns="0" tIns="0" rIns="0" bIns="0">
             <a:normAutofit/>
           </a:bodyPr>
-          <a:p>
-            <a:endParaRPr b="0" lang="de-DE" sz="2800" spc="-1" strike="noStrike">
-              <a:solidFill>
-                <a:srgbClr val="000000"/>
-              </a:solidFill>
-              <a:uFill>
-                <a:solidFill>
-                  <a:srgbClr val="ffffff"/>
+          <a:lstStyle/>
+          <a:p>
+            <a:endParaRPr lang="de-DE" sz="2800" b="0" strike="noStrike" spc="-1">
+              <a:solidFill>
+                <a:srgbClr val="000000"/>
+              </a:solidFill>
+              <a:uFill>
+                <a:solidFill>
+                  <a:srgbClr val="FFFFFF"/>
                 </a:solidFill>
               </a:uFill>
               <a:latin typeface="Calibri"/>
@@ -4528,17 +4825,21 @@
       </p:sp>
     </p:spTree>
   </p:cSld>
+  <p:clrMapOvr>
+    <a:masterClrMapping/>
+  </p:clrMapOvr>
 </p:sldLayout>
 </file>
 
 <file path=ppt/slideMasters/slideMaster1.xml><?xml version="1.0" encoding="utf-8"?>
-<p:sldMaster xmlns:a="http://schemas.openxmlformats.org/drawingml/2006/main" xmlns:p="http://schemas.openxmlformats.org/presentationml/2006/main" xmlns:r="http://schemas.openxmlformats.org/officeDocument/2006/relationships" xmlns:p14="http://schemas.microsoft.com/office/powerpoint/2010/main" xmlns:p15="http://schemas.microsoft.com/office/powerpoint/2012/main" xmlns:mc="http://schemas.openxmlformats.org/markup-compatibility/2006">
+<p:sldMaster xmlns:a="http://schemas.openxmlformats.org/drawingml/2006/main" xmlns:r="http://schemas.openxmlformats.org/officeDocument/2006/relationships" xmlns:p="http://schemas.openxmlformats.org/presentationml/2006/main">
   <p:cSld>
     <p:bg>
       <p:bgPr>
         <a:solidFill>
-          <a:srgbClr val="ffffff"/>
+          <a:srgbClr val="FFFFFF"/>
         </a:solidFill>
+        <a:effectLst/>
       </p:bgPr>
     </p:bg>
     <p:spTree>
@@ -4557,7 +4858,7 @@
       </p:grpSpPr>
       <p:sp>
         <p:nvSpPr>
-          <p:cNvPr id="0" name="PlaceHolder 1"/>
+          <p:cNvPr id="5" name="PlaceHolder 1"/>
           <p:cNvSpPr>
             <a:spLocks noGrp="1"/>
           </p:cNvSpPr>
@@ -4576,6 +4877,7 @@
         </p:spPr>
         <p:txBody>
           <a:bodyPr anchor="b"/>
+          <a:lstStyle/>
           <a:p>
             <a:pPr algn="ctr">
               <a:lnSpc>
@@ -4583,36 +4885,36 @@
               </a:lnSpc>
             </a:pPr>
             <a:r>
-              <a:rPr b="0" lang="de-DE" sz="6000" spc="-1" strike="noStrike">
+              <a:rPr lang="de-DE" sz="6000" b="0" strike="noStrike" spc="-1">
                 <a:solidFill>
                   <a:srgbClr val="000000"/>
                 </a:solidFill>
                 <a:uFill>
                   <a:solidFill>
-                    <a:srgbClr val="ffffff"/>
+                    <a:srgbClr val="FFFFFF"/>
                   </a:solidFill>
                 </a:uFill>
                 <a:latin typeface="Calibri Light"/>
               </a:rPr>
               <a:t>Mastertitelformat bearbeiten</a:t>
             </a:r>
-            <a:endParaRPr b="0" lang="de-DE" sz="6000" spc="-1" strike="noStrike">
-              <a:solidFill>
-                <a:srgbClr val="000000"/>
-              </a:solidFill>
-              <a:uFill>
-                <a:solidFill>
-                  <a:srgbClr val="ffffff"/>
-                </a:solidFill>
-              </a:uFill>
-              <a:latin typeface="Calibri"/>
-            </a:endParaRPr>
-          </a:p>
-        </p:txBody>
-      </p:sp>
-      <p:sp>
-        <p:nvSpPr>
-          <p:cNvPr id="1" name="PlaceHolder 2"/>
+            <a:endParaRPr lang="de-DE" sz="6000" b="0" strike="noStrike" spc="-1">
+              <a:solidFill>
+                <a:srgbClr val="000000"/>
+              </a:solidFill>
+              <a:uFill>
+                <a:solidFill>
+                  <a:srgbClr val="FFFFFF"/>
+                </a:solidFill>
+              </a:uFill>
+              <a:latin typeface="Calibri"/>
+            </a:endParaRPr>
+          </a:p>
+        </p:txBody>
+      </p:sp>
+      <p:sp>
+        <p:nvSpPr>
+          <p:cNvPr id="6" name="PlaceHolder 2"/>
           <p:cNvSpPr>
             <a:spLocks noGrp="1"/>
           </p:cNvSpPr>
@@ -4631,6 +4933,7 @@
         </p:spPr>
         <p:txBody>
           <a:bodyPr anchor="ctr"/>
+          <a:lstStyle/>
           <a:p>
             <a:pPr>
               <a:lnSpc>
@@ -4638,26 +4941,26 @@
               </a:lnSpc>
             </a:pPr>
             <a:fld id="{96A4ECF1-2E12-4500-92A6-BC33A3A302CA}" type="datetime">
-              <a:rPr b="0" lang="en-US" sz="1200" spc="-1" strike="noStrike">
-                <a:solidFill>
-                  <a:srgbClr val="8b8b8b"/>
+              <a:rPr lang="en-US" sz="1200" b="0" strike="noStrike" spc="-1">
+                <a:solidFill>
+                  <a:srgbClr val="8B8B8B"/>
                 </a:solidFill>
                 <a:uFill>
                   <a:solidFill>
-                    <a:srgbClr val="ffffff"/>
+                    <a:srgbClr val="FFFFFF"/>
                   </a:solidFill>
                 </a:uFill>
                 <a:latin typeface="Calibri"/>
               </a:rPr>
-              <a:t>12/1/19</a:t>
+              <a:t>12/1/2019</a:t>
             </a:fld>
-            <a:endParaRPr b="0" lang="en-US" sz="1200" spc="-1" strike="noStrike">
-              <a:solidFill>
-                <a:srgbClr val="000000"/>
-              </a:solidFill>
-              <a:uFill>
-                <a:solidFill>
-                  <a:srgbClr val="ffffff"/>
+            <a:endParaRPr lang="en-US" sz="1200" b="0" strike="noStrike" spc="-1">
+              <a:solidFill>
+                <a:srgbClr val="000000"/>
+              </a:solidFill>
+              <a:uFill>
+                <a:solidFill>
+                  <a:srgbClr val="FFFFFF"/>
                 </a:solidFill>
               </a:uFill>
               <a:latin typeface="Times New Roman"/>
@@ -4686,14 +4989,15 @@
         </p:spPr>
         <p:txBody>
           <a:bodyPr anchor="ctr"/>
-          <a:p>
-            <a:endParaRPr b="0" lang="en-US" sz="2400" spc="-1" strike="noStrike">
-              <a:solidFill>
-                <a:srgbClr val="000000"/>
-              </a:solidFill>
-              <a:uFill>
-                <a:solidFill>
-                  <a:srgbClr val="ffffff"/>
+          <a:lstStyle/>
+          <a:p>
+            <a:endParaRPr lang="en-US" sz="2400" b="0" strike="noStrike" spc="-1">
+              <a:solidFill>
+                <a:srgbClr val="000000"/>
+              </a:solidFill>
+              <a:uFill>
+                <a:solidFill>
+                  <a:srgbClr val="FFFFFF"/>
                 </a:solidFill>
               </a:uFill>
               <a:latin typeface="Times New Roman"/>
@@ -4722,6 +5026,7 @@
         </p:spPr>
         <p:txBody>
           <a:bodyPr anchor="ctr"/>
+          <a:lstStyle/>
           <a:p>
             <a:pPr algn="r">
               <a:lnSpc>
@@ -4729,26 +5034,26 @@
               </a:lnSpc>
             </a:pPr>
             <a:fld id="{6F4332C8-F1C9-4D8B-BB04-B5FBFE9205B3}" type="slidenum">
-              <a:rPr b="0" lang="en-US" sz="1200" spc="-1" strike="noStrike">
-                <a:solidFill>
-                  <a:srgbClr val="8b8b8b"/>
+              <a:rPr lang="en-US" sz="1200" b="0" strike="noStrike" spc="-1">
+                <a:solidFill>
+                  <a:srgbClr val="8B8B8B"/>
                 </a:solidFill>
                 <a:uFill>
                   <a:solidFill>
-                    <a:srgbClr val="ffffff"/>
+                    <a:srgbClr val="FFFFFF"/>
                   </a:solidFill>
                 </a:uFill>
                 <a:latin typeface="Calibri"/>
               </a:rPr>
-              <a:t>1</a:t>
+              <a:t>‹Nr.›</a:t>
             </a:fld>
-            <a:endParaRPr b="0" lang="en-US" sz="1200" spc="-1" strike="noStrike">
-              <a:solidFill>
-                <a:srgbClr val="000000"/>
-              </a:solidFill>
-              <a:uFill>
-                <a:solidFill>
-                  <a:srgbClr val="ffffff"/>
+            <a:endParaRPr lang="en-US" sz="1200" b="0" strike="noStrike" spc="-1">
+              <a:solidFill>
+                <a:srgbClr val="000000"/>
+              </a:solidFill>
+              <a:uFill>
+                <a:solidFill>
+                  <a:srgbClr val="FFFFFF"/>
                 </a:solidFill>
               </a:uFill>
               <a:latin typeface="Times New Roman"/>
@@ -4776,9 +5081,10 @@
           </a:prstGeom>
         </p:spPr>
         <p:txBody>
-          <a:bodyPr lIns="0" rIns="0" tIns="0" bIns="0">
+          <a:bodyPr lIns="0" tIns="0" rIns="0" bIns="0">
             <a:normAutofit/>
           </a:bodyPr>
+          <a:lstStyle/>
           <a:p>
             <a:pPr marL="432000" indent="-324000">
               <a:spcBef>
@@ -4792,33 +5098,22 @@
               <a:buChar char=""/>
             </a:pPr>
             <a:r>
-              <a:rPr b="0" lang="de-DE" sz="2800" spc="-1" strike="noStrike">
+              <a:rPr lang="de-DE" sz="2800" b="0" strike="noStrike" spc="-1">
                 <a:solidFill>
                   <a:srgbClr val="000000"/>
                 </a:solidFill>
                 <a:uFill>
                   <a:solidFill>
-                    <a:srgbClr val="ffffff"/>
+                    <a:srgbClr val="FFFFFF"/>
                   </a:solidFill>
                 </a:uFill>
                 <a:latin typeface="Calibri"/>
               </a:rPr>
               <a:t>Click to edit the outline text format</a:t>
             </a:r>
-            <a:endParaRPr b="0" lang="de-DE" sz="2800" spc="-1" strike="noStrike">
-              <a:solidFill>
-                <a:srgbClr val="000000"/>
-              </a:solidFill>
-              <a:uFill>
-                <a:solidFill>
-                  <a:srgbClr val="ffffff"/>
-                </a:solidFill>
-              </a:uFill>
-              <a:latin typeface="Calibri"/>
-            </a:endParaRPr>
-          </a:p>
-          <a:p>
-            <a:pPr lvl="1" marL="864000" indent="-324000">
+          </a:p>
+          <a:p>
+            <a:pPr marL="864000" lvl="1" indent="-324000">
               <a:spcBef>
                 <a:spcPts val="1134"/>
               </a:spcBef>
@@ -4830,33 +5125,22 @@
               <a:buChar char=""/>
             </a:pPr>
             <a:r>
-              <a:rPr b="0" lang="de-DE" sz="2000" spc="-1" strike="noStrike">
+              <a:rPr lang="de-DE" sz="2000" b="0" strike="noStrike" spc="-1">
                 <a:solidFill>
                   <a:srgbClr val="000000"/>
                 </a:solidFill>
                 <a:uFill>
                   <a:solidFill>
-                    <a:srgbClr val="ffffff"/>
+                    <a:srgbClr val="FFFFFF"/>
                   </a:solidFill>
                 </a:uFill>
                 <a:latin typeface="Calibri"/>
               </a:rPr>
               <a:t>Second Outline Level</a:t>
             </a:r>
-            <a:endParaRPr b="0" lang="de-DE" sz="2000" spc="-1" strike="noStrike">
-              <a:solidFill>
-                <a:srgbClr val="000000"/>
-              </a:solidFill>
-              <a:uFill>
-                <a:solidFill>
-                  <a:srgbClr val="ffffff"/>
-                </a:solidFill>
-              </a:uFill>
-              <a:latin typeface="Calibri"/>
-            </a:endParaRPr>
-          </a:p>
-          <a:p>
-            <a:pPr lvl="2" marL="1296000" indent="-288000">
+          </a:p>
+          <a:p>
+            <a:pPr marL="1296000" lvl="2" indent="-288000">
               <a:spcBef>
                 <a:spcPts val="850"/>
               </a:spcBef>
@@ -4868,33 +5152,22 @@
               <a:buChar char=""/>
             </a:pPr>
             <a:r>
-              <a:rPr b="0" lang="de-DE" sz="1800" spc="-1" strike="noStrike">
+              <a:rPr lang="de-DE" sz="1800" b="0" strike="noStrike" spc="-1">
                 <a:solidFill>
                   <a:srgbClr val="000000"/>
                 </a:solidFill>
                 <a:uFill>
                   <a:solidFill>
-                    <a:srgbClr val="ffffff"/>
+                    <a:srgbClr val="FFFFFF"/>
                   </a:solidFill>
                 </a:uFill>
                 <a:latin typeface="Calibri"/>
               </a:rPr>
               <a:t>Third Outline Level</a:t>
             </a:r>
-            <a:endParaRPr b="0" lang="de-DE" sz="1800" spc="-1" strike="noStrike">
-              <a:solidFill>
-                <a:srgbClr val="000000"/>
-              </a:solidFill>
-              <a:uFill>
-                <a:solidFill>
-                  <a:srgbClr val="ffffff"/>
-                </a:solidFill>
-              </a:uFill>
-              <a:latin typeface="Calibri"/>
-            </a:endParaRPr>
-          </a:p>
-          <a:p>
-            <a:pPr lvl="3" marL="1728000" indent="-216000">
+          </a:p>
+          <a:p>
+            <a:pPr marL="1728000" lvl="3" indent="-216000">
               <a:spcBef>
                 <a:spcPts val="567"/>
               </a:spcBef>
@@ -4906,33 +5179,22 @@
               <a:buChar char=""/>
             </a:pPr>
             <a:r>
-              <a:rPr b="0" lang="de-DE" sz="1800" spc="-1" strike="noStrike">
+              <a:rPr lang="de-DE" sz="1800" b="0" strike="noStrike" spc="-1">
                 <a:solidFill>
                   <a:srgbClr val="000000"/>
                 </a:solidFill>
                 <a:uFill>
                   <a:solidFill>
-                    <a:srgbClr val="ffffff"/>
+                    <a:srgbClr val="FFFFFF"/>
                   </a:solidFill>
                 </a:uFill>
                 <a:latin typeface="Calibri"/>
               </a:rPr>
               <a:t>Fourth Outline Level</a:t>
             </a:r>
-            <a:endParaRPr b="0" lang="de-DE" sz="1800" spc="-1" strike="noStrike">
-              <a:solidFill>
-                <a:srgbClr val="000000"/>
-              </a:solidFill>
-              <a:uFill>
-                <a:solidFill>
-                  <a:srgbClr val="ffffff"/>
-                </a:solidFill>
-              </a:uFill>
-              <a:latin typeface="Calibri"/>
-            </a:endParaRPr>
-          </a:p>
-          <a:p>
-            <a:pPr lvl="4" marL="2160000" indent="-216000">
+          </a:p>
+          <a:p>
+            <a:pPr marL="2160000" lvl="4" indent="-216000">
               <a:spcBef>
                 <a:spcPts val="283"/>
               </a:spcBef>
@@ -4944,33 +5206,22 @@
               <a:buChar char=""/>
             </a:pPr>
             <a:r>
-              <a:rPr b="0" lang="de-DE" sz="2000" spc="-1" strike="noStrike">
+              <a:rPr lang="de-DE" sz="2000" b="0" strike="noStrike" spc="-1">
                 <a:solidFill>
                   <a:srgbClr val="000000"/>
                 </a:solidFill>
                 <a:uFill>
                   <a:solidFill>
-                    <a:srgbClr val="ffffff"/>
+                    <a:srgbClr val="FFFFFF"/>
                   </a:solidFill>
                 </a:uFill>
                 <a:latin typeface="Calibri"/>
               </a:rPr>
               <a:t>Fifth Outline Level</a:t>
             </a:r>
-            <a:endParaRPr b="0" lang="de-DE" sz="2000" spc="-1" strike="noStrike">
-              <a:solidFill>
-                <a:srgbClr val="000000"/>
-              </a:solidFill>
-              <a:uFill>
-                <a:solidFill>
-                  <a:srgbClr val="ffffff"/>
-                </a:solidFill>
-              </a:uFill>
-              <a:latin typeface="Calibri"/>
-            </a:endParaRPr>
-          </a:p>
-          <a:p>
-            <a:pPr lvl="5" marL="2592000" indent="-216000">
+          </a:p>
+          <a:p>
+            <a:pPr marL="2592000" lvl="5" indent="-216000">
               <a:spcBef>
                 <a:spcPts val="283"/>
               </a:spcBef>
@@ -4982,33 +5233,22 @@
               <a:buChar char=""/>
             </a:pPr>
             <a:r>
-              <a:rPr b="0" lang="de-DE" sz="2000" spc="-1" strike="noStrike">
+              <a:rPr lang="de-DE" sz="2000" b="0" strike="noStrike" spc="-1">
                 <a:solidFill>
                   <a:srgbClr val="000000"/>
                 </a:solidFill>
                 <a:uFill>
                   <a:solidFill>
-                    <a:srgbClr val="ffffff"/>
+                    <a:srgbClr val="FFFFFF"/>
                   </a:solidFill>
                 </a:uFill>
                 <a:latin typeface="Calibri"/>
               </a:rPr>
               <a:t>Sixth Outline Level</a:t>
             </a:r>
-            <a:endParaRPr b="0" lang="de-DE" sz="2000" spc="-1" strike="noStrike">
-              <a:solidFill>
-                <a:srgbClr val="000000"/>
-              </a:solidFill>
-              <a:uFill>
-                <a:solidFill>
-                  <a:srgbClr val="ffffff"/>
-                </a:solidFill>
-              </a:uFill>
-              <a:latin typeface="Calibri"/>
-            </a:endParaRPr>
-          </a:p>
-          <a:p>
-            <a:pPr lvl="6" marL="3024000" indent="-216000">
+          </a:p>
+          <a:p>
+            <a:pPr marL="3024000" lvl="6" indent="-216000">
               <a:spcBef>
                 <a:spcPts val="283"/>
               </a:spcBef>
@@ -5020,61 +5260,331 @@
               <a:buChar char=""/>
             </a:pPr>
             <a:r>
-              <a:rPr b="0" lang="de-DE" sz="2000" spc="-1" strike="noStrike">
+              <a:rPr lang="de-DE" sz="2000" b="0" strike="noStrike" spc="-1">
                 <a:solidFill>
                   <a:srgbClr val="000000"/>
                 </a:solidFill>
                 <a:uFill>
                   <a:solidFill>
-                    <a:srgbClr val="ffffff"/>
+                    <a:srgbClr val="FFFFFF"/>
                   </a:solidFill>
                 </a:uFill>
                 <a:latin typeface="Calibri"/>
               </a:rPr>
               <a:t>Seventh Outline Level</a:t>
             </a:r>
-            <a:endParaRPr b="0" lang="de-DE" sz="2000" spc="-1" strike="noStrike">
-              <a:solidFill>
-                <a:srgbClr val="000000"/>
-              </a:solidFill>
-              <a:uFill>
-                <a:solidFill>
-                  <a:srgbClr val="ffffff"/>
-                </a:solidFill>
-              </a:uFill>
-              <a:latin typeface="Calibri"/>
-            </a:endParaRPr>
           </a:p>
         </p:txBody>
       </p:sp>
     </p:spTree>
   </p:cSld>
-  <p:clrMap bg1="lt1" bg2="lt2" tx1="dk1" tx2="dk2" accent1="accent1" accent2="accent2" accent3="accent3" accent4="accent4" accent5="accent5" accent6="accent6" hlink="hlink" folHlink="folHlink"/>
+  <p:clrMap bg1="lt1" tx1="dk1" bg2="lt2" tx2="dk2" accent1="accent1" accent2="accent2" accent3="accent3" accent4="accent4" accent5="accent5" accent6="accent6" hlink="hlink" folHlink="folHlink"/>
   <p:sldLayoutIdLst>
-    <p:sldLayoutId id="2147483649" r:id="rId2"/>
-    <p:sldLayoutId id="2147483650" r:id="rId3"/>
-    <p:sldLayoutId id="2147483651" r:id="rId4"/>
-    <p:sldLayoutId id="2147483652" r:id="rId5"/>
-    <p:sldLayoutId id="2147483653" r:id="rId6"/>
-    <p:sldLayoutId id="2147483654" r:id="rId7"/>
-    <p:sldLayoutId id="2147483655" r:id="rId8"/>
-    <p:sldLayoutId id="2147483656" r:id="rId9"/>
-    <p:sldLayoutId id="2147483657" r:id="rId10"/>
-    <p:sldLayoutId id="2147483658" r:id="rId11"/>
-    <p:sldLayoutId id="2147483659" r:id="rId12"/>
-    <p:sldLayoutId id="2147483660" r:id="rId13"/>
+    <p:sldLayoutId id="2147483649" r:id="rId1"/>
+    <p:sldLayoutId id="2147483650" r:id="rId2"/>
+    <p:sldLayoutId id="2147483651" r:id="rId3"/>
+    <p:sldLayoutId id="2147483652" r:id="rId4"/>
+    <p:sldLayoutId id="2147483653" r:id="rId5"/>
+    <p:sldLayoutId id="2147483654" r:id="rId6"/>
+    <p:sldLayoutId id="2147483655" r:id="rId7"/>
+    <p:sldLayoutId id="2147483656" r:id="rId8"/>
+    <p:sldLayoutId id="2147483657" r:id="rId9"/>
+    <p:sldLayoutId id="2147483658" r:id="rId10"/>
+    <p:sldLayoutId id="2147483659" r:id="rId11"/>
+    <p:sldLayoutId id="2147483660" r:id="rId12"/>
   </p:sldLayoutIdLst>
+  <p:txStyles>
+    <p:titleStyle>
+      <a:lvl1pPr algn="l" defTabSz="914400" rtl="0" eaLnBrk="1" latinLnBrk="0" hangingPunct="1">
+        <a:lnSpc>
+          <a:spcPct val="90000"/>
+        </a:lnSpc>
+        <a:spcBef>
+          <a:spcPct val="0"/>
+        </a:spcBef>
+        <a:buNone/>
+        <a:defRPr sz="4400" kern="1200">
+          <a:solidFill>
+            <a:schemeClr val="tx1"/>
+          </a:solidFill>
+          <a:latin typeface="+mj-lt"/>
+          <a:ea typeface="+mj-ea"/>
+          <a:cs typeface="+mj-cs"/>
+        </a:defRPr>
+      </a:lvl1pPr>
+    </p:titleStyle>
+    <p:bodyStyle>
+      <a:lvl1pPr marL="228600" indent="-228600" algn="l" defTabSz="914400" rtl="0" eaLnBrk="1" latinLnBrk="0" hangingPunct="1">
+        <a:lnSpc>
+          <a:spcPct val="90000"/>
+        </a:lnSpc>
+        <a:spcBef>
+          <a:spcPts val="1000"/>
+        </a:spcBef>
+        <a:buFont typeface="Arial" panose="020B0604020202020204" pitchFamily="34" charset="0"/>
+        <a:buChar char="•"/>
+        <a:defRPr sz="2800" kern="1200">
+          <a:solidFill>
+            <a:schemeClr val="tx1"/>
+          </a:solidFill>
+          <a:latin typeface="+mn-lt"/>
+          <a:ea typeface="+mn-ea"/>
+          <a:cs typeface="+mn-cs"/>
+        </a:defRPr>
+      </a:lvl1pPr>
+      <a:lvl2pPr marL="685800" indent="-228600" algn="l" defTabSz="914400" rtl="0" eaLnBrk="1" latinLnBrk="0" hangingPunct="1">
+        <a:lnSpc>
+          <a:spcPct val="90000"/>
+        </a:lnSpc>
+        <a:spcBef>
+          <a:spcPts val="500"/>
+        </a:spcBef>
+        <a:buFont typeface="Arial" panose="020B0604020202020204" pitchFamily="34" charset="0"/>
+        <a:buChar char="•"/>
+        <a:defRPr sz="2400" kern="1200">
+          <a:solidFill>
+            <a:schemeClr val="tx1"/>
+          </a:solidFill>
+          <a:latin typeface="+mn-lt"/>
+          <a:ea typeface="+mn-ea"/>
+          <a:cs typeface="+mn-cs"/>
+        </a:defRPr>
+      </a:lvl2pPr>
+      <a:lvl3pPr marL="1143000" indent="-228600" algn="l" defTabSz="914400" rtl="0" eaLnBrk="1" latinLnBrk="0" hangingPunct="1">
+        <a:lnSpc>
+          <a:spcPct val="90000"/>
+        </a:lnSpc>
+        <a:spcBef>
+          <a:spcPts val="500"/>
+        </a:spcBef>
+        <a:buFont typeface="Arial" panose="020B0604020202020204" pitchFamily="34" charset="0"/>
+        <a:buChar char="•"/>
+        <a:defRPr sz="2000" kern="1200">
+          <a:solidFill>
+            <a:schemeClr val="tx1"/>
+          </a:solidFill>
+          <a:latin typeface="+mn-lt"/>
+          <a:ea typeface="+mn-ea"/>
+          <a:cs typeface="+mn-cs"/>
+        </a:defRPr>
+      </a:lvl3pPr>
+      <a:lvl4pPr marL="1600200" indent="-228600" algn="l" defTabSz="914400" rtl="0" eaLnBrk="1" latinLnBrk="0" hangingPunct="1">
+        <a:lnSpc>
+          <a:spcPct val="90000"/>
+        </a:lnSpc>
+        <a:spcBef>
+          <a:spcPts val="500"/>
+        </a:spcBef>
+        <a:buFont typeface="Arial" panose="020B0604020202020204" pitchFamily="34" charset="0"/>
+        <a:buChar char="•"/>
+        <a:defRPr sz="1800" kern="1200">
+          <a:solidFill>
+            <a:schemeClr val="tx1"/>
+          </a:solidFill>
+          <a:latin typeface="+mn-lt"/>
+          <a:ea typeface="+mn-ea"/>
+          <a:cs typeface="+mn-cs"/>
+        </a:defRPr>
+      </a:lvl4pPr>
+      <a:lvl5pPr marL="2057400" indent="-228600" algn="l" defTabSz="914400" rtl="0" eaLnBrk="1" latinLnBrk="0" hangingPunct="1">
+        <a:lnSpc>
+          <a:spcPct val="90000"/>
+        </a:lnSpc>
+        <a:spcBef>
+          <a:spcPts val="500"/>
+        </a:spcBef>
+        <a:buFont typeface="Arial" panose="020B0604020202020204" pitchFamily="34" charset="0"/>
+        <a:buChar char="•"/>
+        <a:defRPr sz="1800" kern="1200">
+          <a:solidFill>
+            <a:schemeClr val="tx1"/>
+          </a:solidFill>
+          <a:latin typeface="+mn-lt"/>
+          <a:ea typeface="+mn-ea"/>
+          <a:cs typeface="+mn-cs"/>
+        </a:defRPr>
+      </a:lvl5pPr>
+      <a:lvl6pPr marL="2514600" indent="-228600" algn="l" defTabSz="914400" rtl="0" eaLnBrk="1" latinLnBrk="0" hangingPunct="1">
+        <a:lnSpc>
+          <a:spcPct val="90000"/>
+        </a:lnSpc>
+        <a:spcBef>
+          <a:spcPts val="500"/>
+        </a:spcBef>
+        <a:buFont typeface="Arial" panose="020B0604020202020204" pitchFamily="34" charset="0"/>
+        <a:buChar char="•"/>
+        <a:defRPr sz="1800" kern="1200">
+          <a:solidFill>
+            <a:schemeClr val="tx1"/>
+          </a:solidFill>
+          <a:latin typeface="+mn-lt"/>
+          <a:ea typeface="+mn-ea"/>
+          <a:cs typeface="+mn-cs"/>
+        </a:defRPr>
+      </a:lvl6pPr>
+      <a:lvl7pPr marL="2971800" indent="-228600" algn="l" defTabSz="914400" rtl="0" eaLnBrk="1" latinLnBrk="0" hangingPunct="1">
+        <a:lnSpc>
+          <a:spcPct val="90000"/>
+        </a:lnSpc>
+        <a:spcBef>
+          <a:spcPts val="500"/>
+        </a:spcBef>
+        <a:buFont typeface="Arial" panose="020B0604020202020204" pitchFamily="34" charset="0"/>
+        <a:buChar char="•"/>
+        <a:defRPr sz="1800" kern="1200">
+          <a:solidFill>
+            <a:schemeClr val="tx1"/>
+          </a:solidFill>
+          <a:latin typeface="+mn-lt"/>
+          <a:ea typeface="+mn-ea"/>
+          <a:cs typeface="+mn-cs"/>
+        </a:defRPr>
+      </a:lvl7pPr>
+      <a:lvl8pPr marL="3429000" indent="-228600" algn="l" defTabSz="914400" rtl="0" eaLnBrk="1" latinLnBrk="0" hangingPunct="1">
+        <a:lnSpc>
+          <a:spcPct val="90000"/>
+        </a:lnSpc>
+        <a:spcBef>
+          <a:spcPts val="500"/>
+        </a:spcBef>
+        <a:buFont typeface="Arial" panose="020B0604020202020204" pitchFamily="34" charset="0"/>
+        <a:buChar char="•"/>
+        <a:defRPr sz="1800" kern="1200">
+          <a:solidFill>
+            <a:schemeClr val="tx1"/>
+          </a:solidFill>
+          <a:latin typeface="+mn-lt"/>
+          <a:ea typeface="+mn-ea"/>
+          <a:cs typeface="+mn-cs"/>
+        </a:defRPr>
+      </a:lvl8pPr>
+      <a:lvl9pPr marL="3886200" indent="-228600" algn="l" defTabSz="914400" rtl="0" eaLnBrk="1" latinLnBrk="0" hangingPunct="1">
+        <a:lnSpc>
+          <a:spcPct val="90000"/>
+        </a:lnSpc>
+        <a:spcBef>
+          <a:spcPts val="500"/>
+        </a:spcBef>
+        <a:buFont typeface="Arial" panose="020B0604020202020204" pitchFamily="34" charset="0"/>
+        <a:buChar char="•"/>
+        <a:defRPr sz="1800" kern="1200">
+          <a:solidFill>
+            <a:schemeClr val="tx1"/>
+          </a:solidFill>
+          <a:latin typeface="+mn-lt"/>
+          <a:ea typeface="+mn-ea"/>
+          <a:cs typeface="+mn-cs"/>
+        </a:defRPr>
+      </a:lvl9pPr>
+    </p:bodyStyle>
+    <p:otherStyle>
+      <a:defPPr>
+        <a:defRPr lang="de-DE"/>
+      </a:defPPr>
+      <a:lvl1pPr marL="0" algn="l" defTabSz="914400" rtl="0" eaLnBrk="1" latinLnBrk="0" hangingPunct="1">
+        <a:defRPr sz="1800" kern="1200">
+          <a:solidFill>
+            <a:schemeClr val="tx1"/>
+          </a:solidFill>
+          <a:latin typeface="+mn-lt"/>
+          <a:ea typeface="+mn-ea"/>
+          <a:cs typeface="+mn-cs"/>
+        </a:defRPr>
+      </a:lvl1pPr>
+      <a:lvl2pPr marL="457200" algn="l" defTabSz="914400" rtl="0" eaLnBrk="1" latinLnBrk="0" hangingPunct="1">
+        <a:defRPr sz="1800" kern="1200">
+          <a:solidFill>
+            <a:schemeClr val="tx1"/>
+          </a:solidFill>
+          <a:latin typeface="+mn-lt"/>
+          <a:ea typeface="+mn-ea"/>
+          <a:cs typeface="+mn-cs"/>
+        </a:defRPr>
+      </a:lvl2pPr>
+      <a:lvl3pPr marL="914400" algn="l" defTabSz="914400" rtl="0" eaLnBrk="1" latinLnBrk="0" hangingPunct="1">
+        <a:defRPr sz="1800" kern="1200">
+          <a:solidFill>
+            <a:schemeClr val="tx1"/>
+          </a:solidFill>
+          <a:latin typeface="+mn-lt"/>
+          <a:ea typeface="+mn-ea"/>
+          <a:cs typeface="+mn-cs"/>
+        </a:defRPr>
+      </a:lvl3pPr>
+      <a:lvl4pPr marL="1371600" algn="l" defTabSz="914400" rtl="0" eaLnBrk="1" latinLnBrk="0" hangingPunct="1">
+        <a:defRPr sz="1800" kern="1200">
+          <a:solidFill>
+            <a:schemeClr val="tx1"/>
+          </a:solidFill>
+          <a:latin typeface="+mn-lt"/>
+          <a:ea typeface="+mn-ea"/>
+          <a:cs typeface="+mn-cs"/>
+        </a:defRPr>
+      </a:lvl4pPr>
+      <a:lvl5pPr marL="1828800" algn="l" defTabSz="914400" rtl="0" eaLnBrk="1" latinLnBrk="0" hangingPunct="1">
+        <a:defRPr sz="1800" kern="1200">
+          <a:solidFill>
+            <a:schemeClr val="tx1"/>
+          </a:solidFill>
+          <a:latin typeface="+mn-lt"/>
+          <a:ea typeface="+mn-ea"/>
+          <a:cs typeface="+mn-cs"/>
+        </a:defRPr>
+      </a:lvl5pPr>
+      <a:lvl6pPr marL="2286000" algn="l" defTabSz="914400" rtl="0" eaLnBrk="1" latinLnBrk="0" hangingPunct="1">
+        <a:defRPr sz="1800" kern="1200">
+          <a:solidFill>
+            <a:schemeClr val="tx1"/>
+          </a:solidFill>
+          <a:latin typeface="+mn-lt"/>
+          <a:ea typeface="+mn-ea"/>
+          <a:cs typeface="+mn-cs"/>
+        </a:defRPr>
+      </a:lvl6pPr>
+      <a:lvl7pPr marL="2743200" algn="l" defTabSz="914400" rtl="0" eaLnBrk="1" latinLnBrk="0" hangingPunct="1">
+        <a:defRPr sz="1800" kern="1200">
+          <a:solidFill>
+            <a:schemeClr val="tx1"/>
+          </a:solidFill>
+          <a:latin typeface="+mn-lt"/>
+          <a:ea typeface="+mn-ea"/>
+          <a:cs typeface="+mn-cs"/>
+        </a:defRPr>
+      </a:lvl7pPr>
+      <a:lvl8pPr marL="3200400" algn="l" defTabSz="914400" rtl="0" eaLnBrk="1" latinLnBrk="0" hangingPunct="1">
+        <a:defRPr sz="1800" kern="1200">
+          <a:solidFill>
+            <a:schemeClr val="tx1"/>
+          </a:solidFill>
+          <a:latin typeface="+mn-lt"/>
+          <a:ea typeface="+mn-ea"/>
+          <a:cs typeface="+mn-cs"/>
+        </a:defRPr>
+      </a:lvl8pPr>
+      <a:lvl9pPr marL="3657600" algn="l" defTabSz="914400" rtl="0" eaLnBrk="1" latinLnBrk="0" hangingPunct="1">
+        <a:defRPr sz="1800" kern="1200">
+          <a:solidFill>
+            <a:schemeClr val="tx1"/>
+          </a:solidFill>
+          <a:latin typeface="+mn-lt"/>
+          <a:ea typeface="+mn-ea"/>
+          <a:cs typeface="+mn-cs"/>
+        </a:defRPr>
+      </a:lvl9pPr>
+    </p:otherStyle>
+  </p:txStyles>
 </p:sldMaster>
 </file>
 
 <file path=ppt/slideMasters/slideMaster2.xml><?xml version="1.0" encoding="utf-8"?>
-<p:sldMaster xmlns:a="http://schemas.openxmlformats.org/drawingml/2006/main" xmlns:p="http://schemas.openxmlformats.org/presentationml/2006/main" xmlns:r="http://schemas.openxmlformats.org/officeDocument/2006/relationships" xmlns:p14="http://schemas.microsoft.com/office/powerpoint/2010/main" xmlns:p15="http://schemas.microsoft.com/office/powerpoint/2012/main" xmlns:mc="http://schemas.openxmlformats.org/markup-compatibility/2006">
+<p:sldMaster xmlns:a="http://schemas.openxmlformats.org/drawingml/2006/main" xmlns:r="http://schemas.openxmlformats.org/officeDocument/2006/relationships" xmlns:p="http://schemas.openxmlformats.org/presentationml/2006/main">
   <p:cSld>
     <p:bg>
       <p:bgPr>
         <a:solidFill>
-          <a:srgbClr val="ffffff"/>
+          <a:srgbClr val="FFFFFF"/>
         </a:solidFill>
+        <a:effectLst/>
       </p:bgPr>
     </p:bg>
     <p:spTree>
@@ -5112,6 +5622,7 @@
         </p:spPr>
         <p:txBody>
           <a:bodyPr anchor="ctr"/>
+          <a:lstStyle/>
           <a:p>
             <a:pPr>
               <a:lnSpc>
@@ -5119,26 +5630,26 @@
               </a:lnSpc>
             </a:pPr>
             <a:r>
-              <a:rPr b="0" lang="de-DE" sz="4400" spc="-1" strike="noStrike">
+              <a:rPr lang="de-DE" sz="4400" b="0" strike="noStrike" spc="-1">
                 <a:solidFill>
                   <a:srgbClr val="000000"/>
                 </a:solidFill>
                 <a:uFill>
                   <a:solidFill>
-                    <a:srgbClr val="ffffff"/>
+                    <a:srgbClr val="FFFFFF"/>
                   </a:solidFill>
                 </a:uFill>
                 <a:latin typeface="Calibri Light"/>
               </a:rPr>
               <a:t>Mastertitelformat bearbeiten</a:t>
             </a:r>
-            <a:endParaRPr b="0" lang="de-DE" sz="4400" spc="-1" strike="noStrike">
-              <a:solidFill>
-                <a:srgbClr val="000000"/>
-              </a:solidFill>
-              <a:uFill>
-                <a:solidFill>
-                  <a:srgbClr val="ffffff"/>
+            <a:endParaRPr lang="de-DE" sz="4400" b="0" strike="noStrike" spc="-1">
+              <a:solidFill>
+                <a:srgbClr val="000000"/>
+              </a:solidFill>
+              <a:uFill>
+                <a:solidFill>
+                  <a:srgbClr val="FFFFFF"/>
                 </a:solidFill>
               </a:uFill>
               <a:latin typeface="Calibri"/>
@@ -5167,6 +5678,7 @@
         </p:spPr>
         <p:txBody>
           <a:bodyPr/>
+          <a:lstStyle/>
           <a:p>
             <a:pPr marL="228600" indent="-228240">
               <a:lnSpc>
@@ -5182,33 +5694,22 @@
               <a:buChar char="•"/>
             </a:pPr>
             <a:r>
-              <a:rPr b="0" lang="de-DE" sz="2800" spc="-1" strike="noStrike">
+              <a:rPr lang="de-DE" sz="2800" b="0" strike="noStrike" spc="-1">
                 <a:solidFill>
                   <a:srgbClr val="000000"/>
                 </a:solidFill>
                 <a:uFill>
                   <a:solidFill>
-                    <a:srgbClr val="ffffff"/>
+                    <a:srgbClr val="FFFFFF"/>
                   </a:solidFill>
                 </a:uFill>
                 <a:latin typeface="Calibri"/>
               </a:rPr>
               <a:t>Mastertextformat bearbeiten</a:t>
             </a:r>
-            <a:endParaRPr b="0" lang="de-DE" sz="2800" spc="-1" strike="noStrike">
-              <a:solidFill>
-                <a:srgbClr val="000000"/>
-              </a:solidFill>
-              <a:uFill>
-                <a:solidFill>
-                  <a:srgbClr val="ffffff"/>
-                </a:solidFill>
-              </a:uFill>
-              <a:latin typeface="Calibri"/>
-            </a:endParaRPr>
-          </a:p>
-          <a:p>
-            <a:pPr lvl="1" marL="685800" indent="-228240">
+          </a:p>
+          <a:p>
+            <a:pPr marL="685800" lvl="1" indent="-228240">
               <a:lnSpc>
                 <a:spcPct val="100000"/>
               </a:lnSpc>
@@ -5222,33 +5723,22 @@
               <a:buChar char="•"/>
             </a:pPr>
             <a:r>
-              <a:rPr b="0" lang="de-DE" sz="2400" spc="-1" strike="noStrike">
+              <a:rPr lang="de-DE" sz="2400" b="0" strike="noStrike" spc="-1">
                 <a:solidFill>
                   <a:srgbClr val="000000"/>
                 </a:solidFill>
                 <a:uFill>
                   <a:solidFill>
-                    <a:srgbClr val="ffffff"/>
+                    <a:srgbClr val="FFFFFF"/>
                   </a:solidFill>
                 </a:uFill>
                 <a:latin typeface="Calibri"/>
               </a:rPr>
               <a:t>Zweite Ebene</a:t>
             </a:r>
-            <a:endParaRPr b="0" lang="de-DE" sz="2400" spc="-1" strike="noStrike">
-              <a:solidFill>
-                <a:srgbClr val="000000"/>
-              </a:solidFill>
-              <a:uFill>
-                <a:solidFill>
-                  <a:srgbClr val="ffffff"/>
-                </a:solidFill>
-              </a:uFill>
-              <a:latin typeface="Calibri"/>
-            </a:endParaRPr>
-          </a:p>
-          <a:p>
-            <a:pPr lvl="2" marL="1143000" indent="-228240">
+          </a:p>
+          <a:p>
+            <a:pPr marL="1143000" lvl="2" indent="-228240">
               <a:lnSpc>
                 <a:spcPct val="100000"/>
               </a:lnSpc>
@@ -5262,33 +5752,22 @@
               <a:buChar char="•"/>
             </a:pPr>
             <a:r>
-              <a:rPr b="0" lang="de-DE" sz="2000" spc="-1" strike="noStrike">
+              <a:rPr lang="de-DE" sz="2000" b="0" strike="noStrike" spc="-1">
                 <a:solidFill>
                   <a:srgbClr val="000000"/>
                 </a:solidFill>
                 <a:uFill>
                   <a:solidFill>
-                    <a:srgbClr val="ffffff"/>
+                    <a:srgbClr val="FFFFFF"/>
                   </a:solidFill>
                 </a:uFill>
                 <a:latin typeface="Calibri"/>
               </a:rPr>
               <a:t>Dritte Ebene</a:t>
             </a:r>
-            <a:endParaRPr b="0" lang="de-DE" sz="2000" spc="-1" strike="noStrike">
-              <a:solidFill>
-                <a:srgbClr val="000000"/>
-              </a:solidFill>
-              <a:uFill>
-                <a:solidFill>
-                  <a:srgbClr val="ffffff"/>
-                </a:solidFill>
-              </a:uFill>
-              <a:latin typeface="Calibri"/>
-            </a:endParaRPr>
-          </a:p>
-          <a:p>
-            <a:pPr lvl="3" marL="1600200" indent="-228240">
+          </a:p>
+          <a:p>
+            <a:pPr marL="1600200" lvl="3" indent="-228240">
               <a:lnSpc>
                 <a:spcPct val="100000"/>
               </a:lnSpc>
@@ -5302,33 +5781,22 @@
               <a:buChar char="•"/>
             </a:pPr>
             <a:r>
-              <a:rPr b="0" lang="de-DE" sz="1800" spc="-1" strike="noStrike">
+              <a:rPr lang="de-DE" sz="1800" b="0" strike="noStrike" spc="-1">
                 <a:solidFill>
                   <a:srgbClr val="000000"/>
                 </a:solidFill>
                 <a:uFill>
                   <a:solidFill>
-                    <a:srgbClr val="ffffff"/>
+                    <a:srgbClr val="FFFFFF"/>
                   </a:solidFill>
                 </a:uFill>
                 <a:latin typeface="Calibri"/>
               </a:rPr>
               <a:t>Vierte Ebene</a:t>
             </a:r>
-            <a:endParaRPr b="0" lang="de-DE" sz="1800" spc="-1" strike="noStrike">
-              <a:solidFill>
-                <a:srgbClr val="000000"/>
-              </a:solidFill>
-              <a:uFill>
-                <a:solidFill>
-                  <a:srgbClr val="ffffff"/>
-                </a:solidFill>
-              </a:uFill>
-              <a:latin typeface="Calibri"/>
-            </a:endParaRPr>
-          </a:p>
-          <a:p>
-            <a:pPr lvl="4" marL="2057400" indent="-228240">
+          </a:p>
+          <a:p>
+            <a:pPr marL="2057400" lvl="4" indent="-228240">
               <a:lnSpc>
                 <a:spcPct val="100000"/>
               </a:lnSpc>
@@ -5342,30 +5810,19 @@
               <a:buChar char="•"/>
             </a:pPr>
             <a:r>
-              <a:rPr b="0" lang="de-DE" sz="1800" spc="-1" strike="noStrike">
+              <a:rPr lang="de-DE" sz="1800" b="0" strike="noStrike" spc="-1">
                 <a:solidFill>
                   <a:srgbClr val="000000"/>
                 </a:solidFill>
                 <a:uFill>
                   <a:solidFill>
-                    <a:srgbClr val="ffffff"/>
+                    <a:srgbClr val="FFFFFF"/>
                   </a:solidFill>
                 </a:uFill>
                 <a:latin typeface="Calibri"/>
               </a:rPr>
               <a:t>Fünfte Ebene</a:t>
             </a:r>
-            <a:endParaRPr b="0" lang="de-DE" sz="1800" spc="-1" strike="noStrike">
-              <a:solidFill>
-                <a:srgbClr val="000000"/>
-              </a:solidFill>
-              <a:uFill>
-                <a:solidFill>
-                  <a:srgbClr val="ffffff"/>
-                </a:solidFill>
-              </a:uFill>
-              <a:latin typeface="Calibri"/>
-            </a:endParaRPr>
           </a:p>
         </p:txBody>
       </p:sp>
@@ -5390,6 +5847,7 @@
         </p:spPr>
         <p:txBody>
           <a:bodyPr anchor="ctr"/>
+          <a:lstStyle/>
           <a:p>
             <a:pPr>
               <a:lnSpc>
@@ -5397,26 +5855,26 @@
               </a:lnSpc>
             </a:pPr>
             <a:fld id="{B2CB026A-2AAB-4691-9A5D-549D9F33D587}" type="datetime">
-              <a:rPr b="0" lang="en-US" sz="1200" spc="-1" strike="noStrike">
-                <a:solidFill>
-                  <a:srgbClr val="8b8b8b"/>
+              <a:rPr lang="en-US" sz="1200" b="0" strike="noStrike" spc="-1">
+                <a:solidFill>
+                  <a:srgbClr val="8B8B8B"/>
                 </a:solidFill>
                 <a:uFill>
                   <a:solidFill>
-                    <a:srgbClr val="ffffff"/>
+                    <a:srgbClr val="FFFFFF"/>
                   </a:solidFill>
                 </a:uFill>
                 <a:latin typeface="Calibri"/>
               </a:rPr>
-              <a:t>12/1/19</a:t>
+              <a:t>12/1/2019</a:t>
             </a:fld>
-            <a:endParaRPr b="0" lang="en-US" sz="1200" spc="-1" strike="noStrike">
-              <a:solidFill>
-                <a:srgbClr val="000000"/>
-              </a:solidFill>
-              <a:uFill>
-                <a:solidFill>
-                  <a:srgbClr val="ffffff"/>
+            <a:endParaRPr lang="en-US" sz="1200" b="0" strike="noStrike" spc="-1">
+              <a:solidFill>
+                <a:srgbClr val="000000"/>
+              </a:solidFill>
+              <a:uFill>
+                <a:solidFill>
+                  <a:srgbClr val="FFFFFF"/>
                 </a:solidFill>
               </a:uFill>
               <a:latin typeface="Times New Roman"/>
@@ -5445,14 +5903,15 @@
         </p:spPr>
         <p:txBody>
           <a:bodyPr anchor="ctr"/>
-          <a:p>
-            <a:endParaRPr b="0" lang="en-US" sz="2400" spc="-1" strike="noStrike">
-              <a:solidFill>
-                <a:srgbClr val="000000"/>
-              </a:solidFill>
-              <a:uFill>
-                <a:solidFill>
-                  <a:srgbClr val="ffffff"/>
+          <a:lstStyle/>
+          <a:p>
+            <a:endParaRPr lang="en-US" sz="2400" b="0" strike="noStrike" spc="-1">
+              <a:solidFill>
+                <a:srgbClr val="000000"/>
+              </a:solidFill>
+              <a:uFill>
+                <a:solidFill>
+                  <a:srgbClr val="FFFFFF"/>
                 </a:solidFill>
               </a:uFill>
               <a:latin typeface="Times New Roman"/>
@@ -5481,6 +5940,7 @@
         </p:spPr>
         <p:txBody>
           <a:bodyPr anchor="ctr"/>
+          <a:lstStyle/>
           <a:p>
             <a:pPr algn="r">
               <a:lnSpc>
@@ -5488,26 +5948,26 @@
               </a:lnSpc>
             </a:pPr>
             <a:fld id="{976012CF-E371-4394-AF3D-B7566A879FCF}" type="slidenum">
-              <a:rPr b="0" lang="en-US" sz="1200" spc="-1" strike="noStrike">
-                <a:solidFill>
-                  <a:srgbClr val="8b8b8b"/>
+              <a:rPr lang="en-US" sz="1200" b="0" strike="noStrike" spc="-1">
+                <a:solidFill>
+                  <a:srgbClr val="8B8B8B"/>
                 </a:solidFill>
                 <a:uFill>
                   <a:solidFill>
-                    <a:srgbClr val="ffffff"/>
+                    <a:srgbClr val="FFFFFF"/>
                   </a:solidFill>
                 </a:uFill>
                 <a:latin typeface="Calibri"/>
               </a:rPr>
-              <a:t>1</a:t>
+              <a:t>‹Nr.›</a:t>
             </a:fld>
-            <a:endParaRPr b="0" lang="en-US" sz="1200" spc="-1" strike="noStrike">
-              <a:solidFill>
-                <a:srgbClr val="000000"/>
-              </a:solidFill>
-              <a:uFill>
-                <a:solidFill>
-                  <a:srgbClr val="ffffff"/>
+            <a:endParaRPr lang="en-US" sz="1200" b="0" strike="noStrike" spc="-1">
+              <a:solidFill>
+                <a:srgbClr val="000000"/>
+              </a:solidFill>
+              <a:uFill>
+                <a:solidFill>
+                  <a:srgbClr val="FFFFFF"/>
                 </a:solidFill>
               </a:uFill>
               <a:latin typeface="Times New Roman"/>
@@ -5517,32 +5977,313 @@
       </p:sp>
     </p:spTree>
   </p:cSld>
-  <p:clrMap bg1="lt1" bg2="lt2" tx1="dk1" tx2="dk2" accent1="accent1" accent2="accent2" accent3="accent3" accent4="accent4" accent5="accent5" accent6="accent6" hlink="hlink" folHlink="folHlink"/>
+  <p:clrMap bg1="lt1" tx1="dk1" bg2="lt2" tx2="dk2" accent1="accent1" accent2="accent2" accent3="accent3" accent4="accent4" accent5="accent5" accent6="accent6" hlink="hlink" folHlink="folHlink"/>
   <p:sldLayoutIdLst>
-    <p:sldLayoutId id="2147483662" r:id="rId2"/>
-    <p:sldLayoutId id="2147483663" r:id="rId3"/>
-    <p:sldLayoutId id="2147483664" r:id="rId4"/>
-    <p:sldLayoutId id="2147483665" r:id="rId5"/>
-    <p:sldLayoutId id="2147483666" r:id="rId6"/>
-    <p:sldLayoutId id="2147483667" r:id="rId7"/>
-    <p:sldLayoutId id="2147483668" r:id="rId8"/>
-    <p:sldLayoutId id="2147483669" r:id="rId9"/>
-    <p:sldLayoutId id="2147483670" r:id="rId10"/>
-    <p:sldLayoutId id="2147483671" r:id="rId11"/>
-    <p:sldLayoutId id="2147483672" r:id="rId12"/>
-    <p:sldLayoutId id="2147483673" r:id="rId13"/>
+    <p:sldLayoutId id="2147483662" r:id="rId1"/>
+    <p:sldLayoutId id="2147483663" r:id="rId2"/>
+    <p:sldLayoutId id="2147483664" r:id="rId3"/>
+    <p:sldLayoutId id="2147483665" r:id="rId4"/>
+    <p:sldLayoutId id="2147483666" r:id="rId5"/>
+    <p:sldLayoutId id="2147483667" r:id="rId6"/>
+    <p:sldLayoutId id="2147483668" r:id="rId7"/>
+    <p:sldLayoutId id="2147483669" r:id="rId8"/>
+    <p:sldLayoutId id="2147483670" r:id="rId9"/>
+    <p:sldLayoutId id="2147483671" r:id="rId10"/>
+    <p:sldLayoutId id="2147483672" r:id="rId11"/>
+    <p:sldLayoutId id="2147483673" r:id="rId12"/>
   </p:sldLayoutIdLst>
+  <p:txStyles>
+    <p:titleStyle>
+      <a:lvl1pPr algn="l" defTabSz="914400" rtl="0" eaLnBrk="1" latinLnBrk="0" hangingPunct="1">
+        <a:lnSpc>
+          <a:spcPct val="90000"/>
+        </a:lnSpc>
+        <a:spcBef>
+          <a:spcPct val="0"/>
+        </a:spcBef>
+        <a:buNone/>
+        <a:defRPr sz="4400" kern="1200">
+          <a:solidFill>
+            <a:schemeClr val="tx1"/>
+          </a:solidFill>
+          <a:latin typeface="+mj-lt"/>
+          <a:ea typeface="+mj-ea"/>
+          <a:cs typeface="+mj-cs"/>
+        </a:defRPr>
+      </a:lvl1pPr>
+    </p:titleStyle>
+    <p:bodyStyle>
+      <a:lvl1pPr marL="228600" indent="-228600" algn="l" defTabSz="914400" rtl="0" eaLnBrk="1" latinLnBrk="0" hangingPunct="1">
+        <a:lnSpc>
+          <a:spcPct val="90000"/>
+        </a:lnSpc>
+        <a:spcBef>
+          <a:spcPts val="1000"/>
+        </a:spcBef>
+        <a:buFont typeface="Arial" panose="020B0604020202020204" pitchFamily="34" charset="0"/>
+        <a:buChar char="•"/>
+        <a:defRPr sz="2800" kern="1200">
+          <a:solidFill>
+            <a:schemeClr val="tx1"/>
+          </a:solidFill>
+          <a:latin typeface="+mn-lt"/>
+          <a:ea typeface="+mn-ea"/>
+          <a:cs typeface="+mn-cs"/>
+        </a:defRPr>
+      </a:lvl1pPr>
+      <a:lvl2pPr marL="685800" indent="-228600" algn="l" defTabSz="914400" rtl="0" eaLnBrk="1" latinLnBrk="0" hangingPunct="1">
+        <a:lnSpc>
+          <a:spcPct val="90000"/>
+        </a:lnSpc>
+        <a:spcBef>
+          <a:spcPts val="500"/>
+        </a:spcBef>
+        <a:buFont typeface="Arial" panose="020B0604020202020204" pitchFamily="34" charset="0"/>
+        <a:buChar char="•"/>
+        <a:defRPr sz="2400" kern="1200">
+          <a:solidFill>
+            <a:schemeClr val="tx1"/>
+          </a:solidFill>
+          <a:latin typeface="+mn-lt"/>
+          <a:ea typeface="+mn-ea"/>
+          <a:cs typeface="+mn-cs"/>
+        </a:defRPr>
+      </a:lvl2pPr>
+      <a:lvl3pPr marL="1143000" indent="-228600" algn="l" defTabSz="914400" rtl="0" eaLnBrk="1" latinLnBrk="0" hangingPunct="1">
+        <a:lnSpc>
+          <a:spcPct val="90000"/>
+        </a:lnSpc>
+        <a:spcBef>
+          <a:spcPts val="500"/>
+        </a:spcBef>
+        <a:buFont typeface="Arial" panose="020B0604020202020204" pitchFamily="34" charset="0"/>
+        <a:buChar char="•"/>
+        <a:defRPr sz="2000" kern="1200">
+          <a:solidFill>
+            <a:schemeClr val="tx1"/>
+          </a:solidFill>
+          <a:latin typeface="+mn-lt"/>
+          <a:ea typeface="+mn-ea"/>
+          <a:cs typeface="+mn-cs"/>
+        </a:defRPr>
+      </a:lvl3pPr>
+      <a:lvl4pPr marL="1600200" indent="-228600" algn="l" defTabSz="914400" rtl="0" eaLnBrk="1" latinLnBrk="0" hangingPunct="1">
+        <a:lnSpc>
+          <a:spcPct val="90000"/>
+        </a:lnSpc>
+        <a:spcBef>
+          <a:spcPts val="500"/>
+        </a:spcBef>
+        <a:buFont typeface="Arial" panose="020B0604020202020204" pitchFamily="34" charset="0"/>
+        <a:buChar char="•"/>
+        <a:defRPr sz="1800" kern="1200">
+          <a:solidFill>
+            <a:schemeClr val="tx1"/>
+          </a:solidFill>
+          <a:latin typeface="+mn-lt"/>
+          <a:ea typeface="+mn-ea"/>
+          <a:cs typeface="+mn-cs"/>
+        </a:defRPr>
+      </a:lvl4pPr>
+      <a:lvl5pPr marL="2057400" indent="-228600" algn="l" defTabSz="914400" rtl="0" eaLnBrk="1" latinLnBrk="0" hangingPunct="1">
+        <a:lnSpc>
+          <a:spcPct val="90000"/>
+        </a:lnSpc>
+        <a:spcBef>
+          <a:spcPts val="500"/>
+        </a:spcBef>
+        <a:buFont typeface="Arial" panose="020B0604020202020204" pitchFamily="34" charset="0"/>
+        <a:buChar char="•"/>
+        <a:defRPr sz="1800" kern="1200">
+          <a:solidFill>
+            <a:schemeClr val="tx1"/>
+          </a:solidFill>
+          <a:latin typeface="+mn-lt"/>
+          <a:ea typeface="+mn-ea"/>
+          <a:cs typeface="+mn-cs"/>
+        </a:defRPr>
+      </a:lvl5pPr>
+      <a:lvl6pPr marL="2514600" indent="-228600" algn="l" defTabSz="914400" rtl="0" eaLnBrk="1" latinLnBrk="0" hangingPunct="1">
+        <a:lnSpc>
+          <a:spcPct val="90000"/>
+        </a:lnSpc>
+        <a:spcBef>
+          <a:spcPts val="500"/>
+        </a:spcBef>
+        <a:buFont typeface="Arial" panose="020B0604020202020204" pitchFamily="34" charset="0"/>
+        <a:buChar char="•"/>
+        <a:defRPr sz="1800" kern="1200">
+          <a:solidFill>
+            <a:schemeClr val="tx1"/>
+          </a:solidFill>
+          <a:latin typeface="+mn-lt"/>
+          <a:ea typeface="+mn-ea"/>
+          <a:cs typeface="+mn-cs"/>
+        </a:defRPr>
+      </a:lvl6pPr>
+      <a:lvl7pPr marL="2971800" indent="-228600" algn="l" defTabSz="914400" rtl="0" eaLnBrk="1" latinLnBrk="0" hangingPunct="1">
+        <a:lnSpc>
+          <a:spcPct val="90000"/>
+        </a:lnSpc>
+        <a:spcBef>
+          <a:spcPts val="500"/>
+        </a:spcBef>
+        <a:buFont typeface="Arial" panose="020B0604020202020204" pitchFamily="34" charset="0"/>
+        <a:buChar char="•"/>
+        <a:defRPr sz="1800" kern="1200">
+          <a:solidFill>
+            <a:schemeClr val="tx1"/>
+          </a:solidFill>
+          <a:latin typeface="+mn-lt"/>
+          <a:ea typeface="+mn-ea"/>
+          <a:cs typeface="+mn-cs"/>
+        </a:defRPr>
+      </a:lvl7pPr>
+      <a:lvl8pPr marL="3429000" indent="-228600" algn="l" defTabSz="914400" rtl="0" eaLnBrk="1" latinLnBrk="0" hangingPunct="1">
+        <a:lnSpc>
+          <a:spcPct val="90000"/>
+        </a:lnSpc>
+        <a:spcBef>
+          <a:spcPts val="500"/>
+        </a:spcBef>
+        <a:buFont typeface="Arial" panose="020B0604020202020204" pitchFamily="34" charset="0"/>
+        <a:buChar char="•"/>
+        <a:defRPr sz="1800" kern="1200">
+          <a:solidFill>
+            <a:schemeClr val="tx1"/>
+          </a:solidFill>
+          <a:latin typeface="+mn-lt"/>
+          <a:ea typeface="+mn-ea"/>
+          <a:cs typeface="+mn-cs"/>
+        </a:defRPr>
+      </a:lvl8pPr>
+      <a:lvl9pPr marL="3886200" indent="-228600" algn="l" defTabSz="914400" rtl="0" eaLnBrk="1" latinLnBrk="0" hangingPunct="1">
+        <a:lnSpc>
+          <a:spcPct val="90000"/>
+        </a:lnSpc>
+        <a:spcBef>
+          <a:spcPts val="500"/>
+        </a:spcBef>
+        <a:buFont typeface="Arial" panose="020B0604020202020204" pitchFamily="34" charset="0"/>
+        <a:buChar char="•"/>
+        <a:defRPr sz="1800" kern="1200">
+          <a:solidFill>
+            <a:schemeClr val="tx1"/>
+          </a:solidFill>
+          <a:latin typeface="+mn-lt"/>
+          <a:ea typeface="+mn-ea"/>
+          <a:cs typeface="+mn-cs"/>
+        </a:defRPr>
+      </a:lvl9pPr>
+    </p:bodyStyle>
+    <p:otherStyle>
+      <a:defPPr>
+        <a:defRPr lang="de-DE"/>
+      </a:defPPr>
+      <a:lvl1pPr marL="0" algn="l" defTabSz="914400" rtl="0" eaLnBrk="1" latinLnBrk="0" hangingPunct="1">
+        <a:defRPr sz="1800" kern="1200">
+          <a:solidFill>
+            <a:schemeClr val="tx1"/>
+          </a:solidFill>
+          <a:latin typeface="+mn-lt"/>
+          <a:ea typeface="+mn-ea"/>
+          <a:cs typeface="+mn-cs"/>
+        </a:defRPr>
+      </a:lvl1pPr>
+      <a:lvl2pPr marL="457200" algn="l" defTabSz="914400" rtl="0" eaLnBrk="1" latinLnBrk="0" hangingPunct="1">
+        <a:defRPr sz="1800" kern="1200">
+          <a:solidFill>
+            <a:schemeClr val="tx1"/>
+          </a:solidFill>
+          <a:latin typeface="+mn-lt"/>
+          <a:ea typeface="+mn-ea"/>
+          <a:cs typeface="+mn-cs"/>
+        </a:defRPr>
+      </a:lvl2pPr>
+      <a:lvl3pPr marL="914400" algn="l" defTabSz="914400" rtl="0" eaLnBrk="1" latinLnBrk="0" hangingPunct="1">
+        <a:defRPr sz="1800" kern="1200">
+          <a:solidFill>
+            <a:schemeClr val="tx1"/>
+          </a:solidFill>
+          <a:latin typeface="+mn-lt"/>
+          <a:ea typeface="+mn-ea"/>
+          <a:cs typeface="+mn-cs"/>
+        </a:defRPr>
+      </a:lvl3pPr>
+      <a:lvl4pPr marL="1371600" algn="l" defTabSz="914400" rtl="0" eaLnBrk="1" latinLnBrk="0" hangingPunct="1">
+        <a:defRPr sz="1800" kern="1200">
+          <a:solidFill>
+            <a:schemeClr val="tx1"/>
+          </a:solidFill>
+          <a:latin typeface="+mn-lt"/>
+          <a:ea typeface="+mn-ea"/>
+          <a:cs typeface="+mn-cs"/>
+        </a:defRPr>
+      </a:lvl4pPr>
+      <a:lvl5pPr marL="1828800" algn="l" defTabSz="914400" rtl="0" eaLnBrk="1" latinLnBrk="0" hangingPunct="1">
+        <a:defRPr sz="1800" kern="1200">
+          <a:solidFill>
+            <a:schemeClr val="tx1"/>
+          </a:solidFill>
+          <a:latin typeface="+mn-lt"/>
+          <a:ea typeface="+mn-ea"/>
+          <a:cs typeface="+mn-cs"/>
+        </a:defRPr>
+      </a:lvl5pPr>
+      <a:lvl6pPr marL="2286000" algn="l" defTabSz="914400" rtl="0" eaLnBrk="1" latinLnBrk="0" hangingPunct="1">
+        <a:defRPr sz="1800" kern="1200">
+          <a:solidFill>
+            <a:schemeClr val="tx1"/>
+          </a:solidFill>
+          <a:latin typeface="+mn-lt"/>
+          <a:ea typeface="+mn-ea"/>
+          <a:cs typeface="+mn-cs"/>
+        </a:defRPr>
+      </a:lvl6pPr>
+      <a:lvl7pPr marL="2743200" algn="l" defTabSz="914400" rtl="0" eaLnBrk="1" latinLnBrk="0" hangingPunct="1">
+        <a:defRPr sz="1800" kern="1200">
+          <a:solidFill>
+            <a:schemeClr val="tx1"/>
+          </a:solidFill>
+          <a:latin typeface="+mn-lt"/>
+          <a:ea typeface="+mn-ea"/>
+          <a:cs typeface="+mn-cs"/>
+        </a:defRPr>
+      </a:lvl7pPr>
+      <a:lvl8pPr marL="3200400" algn="l" defTabSz="914400" rtl="0" eaLnBrk="1" latinLnBrk="0" hangingPunct="1">
+        <a:defRPr sz="1800" kern="1200">
+          <a:solidFill>
+            <a:schemeClr val="tx1"/>
+          </a:solidFill>
+          <a:latin typeface="+mn-lt"/>
+          <a:ea typeface="+mn-ea"/>
+          <a:cs typeface="+mn-cs"/>
+        </a:defRPr>
+      </a:lvl8pPr>
+      <a:lvl9pPr marL="3657600" algn="l" defTabSz="914400" rtl="0" eaLnBrk="1" latinLnBrk="0" hangingPunct="1">
+        <a:defRPr sz="1800" kern="1200">
+          <a:solidFill>
+            <a:schemeClr val="tx1"/>
+          </a:solidFill>
+          <a:latin typeface="+mn-lt"/>
+          <a:ea typeface="+mn-ea"/>
+          <a:cs typeface="+mn-cs"/>
+        </a:defRPr>
+      </a:lvl9pPr>
+    </p:otherStyle>
+  </p:txStyles>
 </p:sldMaster>
 </file>
 
 <file path=ppt/slideMasters/slideMaster3.xml><?xml version="1.0" encoding="utf-8"?>
-<p:sldMaster xmlns:a="http://schemas.openxmlformats.org/drawingml/2006/main" xmlns:p="http://schemas.openxmlformats.org/presentationml/2006/main" xmlns:r="http://schemas.openxmlformats.org/officeDocument/2006/relationships" xmlns:p14="http://schemas.microsoft.com/office/powerpoint/2010/main" xmlns:p15="http://schemas.microsoft.com/office/powerpoint/2012/main" xmlns:mc="http://schemas.openxmlformats.org/markup-compatibility/2006">
+<p:sldMaster xmlns:a="http://schemas.openxmlformats.org/drawingml/2006/main" xmlns:r="http://schemas.openxmlformats.org/officeDocument/2006/relationships" xmlns:p="http://schemas.openxmlformats.org/presentationml/2006/main">
   <p:cSld>
     <p:bg>
       <p:bgPr>
         <a:solidFill>
-          <a:srgbClr val="ffffff"/>
+          <a:srgbClr val="FFFFFF"/>
         </a:solidFill>
+        <a:effectLst/>
       </p:bgPr>
     </p:bg>
     <p:spTree>
@@ -5580,6 +6321,7 @@
         </p:spPr>
         <p:txBody>
           <a:bodyPr anchor="ctr"/>
+          <a:lstStyle/>
           <a:p>
             <a:pPr>
               <a:lnSpc>
@@ -5587,26 +6329,26 @@
               </a:lnSpc>
             </a:pPr>
             <a:r>
-              <a:rPr b="0" lang="de-DE" sz="4400" spc="-1" strike="noStrike">
+              <a:rPr lang="de-DE" sz="4400" b="0" strike="noStrike" spc="-1">
                 <a:solidFill>
                   <a:srgbClr val="000000"/>
                 </a:solidFill>
                 <a:uFill>
                   <a:solidFill>
-                    <a:srgbClr val="ffffff"/>
+                    <a:srgbClr val="FFFFFF"/>
                   </a:solidFill>
                 </a:uFill>
                 <a:latin typeface="Calibri Light"/>
               </a:rPr>
               <a:t>Mastertitelformat bearbeiten</a:t>
             </a:r>
-            <a:endParaRPr b="0" lang="de-DE" sz="4400" spc="-1" strike="noStrike">
-              <a:solidFill>
-                <a:srgbClr val="000000"/>
-              </a:solidFill>
-              <a:uFill>
-                <a:solidFill>
-                  <a:srgbClr val="ffffff"/>
+            <a:endParaRPr lang="de-DE" sz="4400" b="0" strike="noStrike" spc="-1">
+              <a:solidFill>
+                <a:srgbClr val="000000"/>
+              </a:solidFill>
+              <a:uFill>
+                <a:solidFill>
+                  <a:srgbClr val="FFFFFF"/>
                 </a:solidFill>
               </a:uFill>
               <a:latin typeface="Calibri"/>
@@ -5635,6 +6377,7 @@
         </p:spPr>
         <p:txBody>
           <a:bodyPr/>
+          <a:lstStyle/>
           <a:p>
             <a:pPr marL="228600" indent="-228240">
               <a:lnSpc>
@@ -5650,33 +6393,22 @@
               <a:buChar char="•"/>
             </a:pPr>
             <a:r>
-              <a:rPr b="0" lang="de-DE" sz="2800" spc="-1" strike="noStrike">
+              <a:rPr lang="de-DE" sz="2800" b="0" strike="noStrike" spc="-1">
                 <a:solidFill>
                   <a:srgbClr val="000000"/>
                 </a:solidFill>
                 <a:uFill>
                   <a:solidFill>
-                    <a:srgbClr val="ffffff"/>
+                    <a:srgbClr val="FFFFFF"/>
                   </a:solidFill>
                 </a:uFill>
                 <a:latin typeface="Calibri"/>
               </a:rPr>
               <a:t>Mastertextformat bearbeiten</a:t>
             </a:r>
-            <a:endParaRPr b="0" lang="de-DE" sz="2800" spc="-1" strike="noStrike">
-              <a:solidFill>
-                <a:srgbClr val="000000"/>
-              </a:solidFill>
-              <a:uFill>
-                <a:solidFill>
-                  <a:srgbClr val="ffffff"/>
-                </a:solidFill>
-              </a:uFill>
-              <a:latin typeface="Calibri"/>
-            </a:endParaRPr>
-          </a:p>
-          <a:p>
-            <a:pPr lvl="1" marL="685800" indent="-228240">
+          </a:p>
+          <a:p>
+            <a:pPr marL="685800" lvl="1" indent="-228240">
               <a:lnSpc>
                 <a:spcPct val="100000"/>
               </a:lnSpc>
@@ -5690,33 +6422,22 @@
               <a:buChar char="•"/>
             </a:pPr>
             <a:r>
-              <a:rPr b="0" lang="de-DE" sz="2400" spc="-1" strike="noStrike">
+              <a:rPr lang="de-DE" sz="2400" b="0" strike="noStrike" spc="-1">
                 <a:solidFill>
                   <a:srgbClr val="000000"/>
                 </a:solidFill>
                 <a:uFill>
                   <a:solidFill>
-                    <a:srgbClr val="ffffff"/>
+                    <a:srgbClr val="FFFFFF"/>
                   </a:solidFill>
                 </a:uFill>
                 <a:latin typeface="Calibri"/>
               </a:rPr>
               <a:t>Zweite Ebene</a:t>
             </a:r>
-            <a:endParaRPr b="0" lang="de-DE" sz="2400" spc="-1" strike="noStrike">
-              <a:solidFill>
-                <a:srgbClr val="000000"/>
-              </a:solidFill>
-              <a:uFill>
-                <a:solidFill>
-                  <a:srgbClr val="ffffff"/>
-                </a:solidFill>
-              </a:uFill>
-              <a:latin typeface="Calibri"/>
-            </a:endParaRPr>
-          </a:p>
-          <a:p>
-            <a:pPr lvl="2" marL="1143000" indent="-228240">
+          </a:p>
+          <a:p>
+            <a:pPr marL="1143000" lvl="2" indent="-228240">
               <a:lnSpc>
                 <a:spcPct val="100000"/>
               </a:lnSpc>
@@ -5730,33 +6451,22 @@
               <a:buChar char="•"/>
             </a:pPr>
             <a:r>
-              <a:rPr b="0" lang="de-DE" sz="2000" spc="-1" strike="noStrike">
+              <a:rPr lang="de-DE" sz="2000" b="0" strike="noStrike" spc="-1">
                 <a:solidFill>
                   <a:srgbClr val="000000"/>
                 </a:solidFill>
                 <a:uFill>
                   <a:solidFill>
-                    <a:srgbClr val="ffffff"/>
+                    <a:srgbClr val="FFFFFF"/>
                   </a:solidFill>
                 </a:uFill>
                 <a:latin typeface="Calibri"/>
               </a:rPr>
               <a:t>Dritte Ebene</a:t>
             </a:r>
-            <a:endParaRPr b="0" lang="de-DE" sz="2000" spc="-1" strike="noStrike">
-              <a:solidFill>
-                <a:srgbClr val="000000"/>
-              </a:solidFill>
-              <a:uFill>
-                <a:solidFill>
-                  <a:srgbClr val="ffffff"/>
-                </a:solidFill>
-              </a:uFill>
-              <a:latin typeface="Calibri"/>
-            </a:endParaRPr>
-          </a:p>
-          <a:p>
-            <a:pPr lvl="3" marL="1600200" indent="-228240">
+          </a:p>
+          <a:p>
+            <a:pPr marL="1600200" lvl="3" indent="-228240">
               <a:lnSpc>
                 <a:spcPct val="100000"/>
               </a:lnSpc>
@@ -5770,33 +6480,22 @@
               <a:buChar char="•"/>
             </a:pPr>
             <a:r>
-              <a:rPr b="0" lang="de-DE" sz="1800" spc="-1" strike="noStrike">
+              <a:rPr lang="de-DE" sz="1800" b="0" strike="noStrike" spc="-1">
                 <a:solidFill>
                   <a:srgbClr val="000000"/>
                 </a:solidFill>
                 <a:uFill>
                   <a:solidFill>
-                    <a:srgbClr val="ffffff"/>
+                    <a:srgbClr val="FFFFFF"/>
                   </a:solidFill>
                 </a:uFill>
                 <a:latin typeface="Calibri"/>
               </a:rPr>
               <a:t>Vierte Ebene</a:t>
             </a:r>
-            <a:endParaRPr b="0" lang="de-DE" sz="1800" spc="-1" strike="noStrike">
-              <a:solidFill>
-                <a:srgbClr val="000000"/>
-              </a:solidFill>
-              <a:uFill>
-                <a:solidFill>
-                  <a:srgbClr val="ffffff"/>
-                </a:solidFill>
-              </a:uFill>
-              <a:latin typeface="Calibri"/>
-            </a:endParaRPr>
-          </a:p>
-          <a:p>
-            <a:pPr lvl="4" marL="2057400" indent="-228240">
+          </a:p>
+          <a:p>
+            <a:pPr marL="2057400" lvl="4" indent="-228240">
               <a:lnSpc>
                 <a:spcPct val="100000"/>
               </a:lnSpc>
@@ -5810,30 +6509,19 @@
               <a:buChar char="•"/>
             </a:pPr>
             <a:r>
-              <a:rPr b="0" lang="de-DE" sz="1800" spc="-1" strike="noStrike">
+              <a:rPr lang="de-DE" sz="1800" b="0" strike="noStrike" spc="-1">
                 <a:solidFill>
                   <a:srgbClr val="000000"/>
                 </a:solidFill>
                 <a:uFill>
                   <a:solidFill>
-                    <a:srgbClr val="ffffff"/>
+                    <a:srgbClr val="FFFFFF"/>
                   </a:solidFill>
                 </a:uFill>
                 <a:latin typeface="Calibri"/>
               </a:rPr>
               <a:t>Fünfte Ebene</a:t>
             </a:r>
-            <a:endParaRPr b="0" lang="de-DE" sz="1800" spc="-1" strike="noStrike">
-              <a:solidFill>
-                <a:srgbClr val="000000"/>
-              </a:solidFill>
-              <a:uFill>
-                <a:solidFill>
-                  <a:srgbClr val="ffffff"/>
-                </a:solidFill>
-              </a:uFill>
-              <a:latin typeface="Calibri"/>
-            </a:endParaRPr>
           </a:p>
         </p:txBody>
       </p:sp>
@@ -5858,6 +6546,7 @@
         </p:spPr>
         <p:txBody>
           <a:bodyPr/>
+          <a:lstStyle/>
           <a:p>
             <a:pPr marL="228600" indent="-228240">
               <a:lnSpc>
@@ -5873,33 +6562,22 @@
               <a:buChar char="•"/>
             </a:pPr>
             <a:r>
-              <a:rPr b="0" lang="de-DE" sz="2800" spc="-1" strike="noStrike">
+              <a:rPr lang="de-DE" sz="2800" b="0" strike="noStrike" spc="-1">
                 <a:solidFill>
                   <a:srgbClr val="000000"/>
                 </a:solidFill>
                 <a:uFill>
                   <a:solidFill>
-                    <a:srgbClr val="ffffff"/>
+                    <a:srgbClr val="FFFFFF"/>
                   </a:solidFill>
                 </a:uFill>
                 <a:latin typeface="Calibri"/>
               </a:rPr>
               <a:t>Mastertextformat bearbeiten</a:t>
             </a:r>
-            <a:endParaRPr b="0" lang="de-DE" sz="2800" spc="-1" strike="noStrike">
-              <a:solidFill>
-                <a:srgbClr val="000000"/>
-              </a:solidFill>
-              <a:uFill>
-                <a:solidFill>
-                  <a:srgbClr val="ffffff"/>
-                </a:solidFill>
-              </a:uFill>
-              <a:latin typeface="Calibri"/>
-            </a:endParaRPr>
-          </a:p>
-          <a:p>
-            <a:pPr lvl="1" marL="685800" indent="-228240">
+          </a:p>
+          <a:p>
+            <a:pPr marL="685800" lvl="1" indent="-228240">
               <a:lnSpc>
                 <a:spcPct val="100000"/>
               </a:lnSpc>
@@ -5913,33 +6591,22 @@
               <a:buChar char="•"/>
             </a:pPr>
             <a:r>
-              <a:rPr b="0" lang="de-DE" sz="2400" spc="-1" strike="noStrike">
+              <a:rPr lang="de-DE" sz="2400" b="0" strike="noStrike" spc="-1">
                 <a:solidFill>
                   <a:srgbClr val="000000"/>
                 </a:solidFill>
                 <a:uFill>
                   <a:solidFill>
-                    <a:srgbClr val="ffffff"/>
+                    <a:srgbClr val="FFFFFF"/>
                   </a:solidFill>
                 </a:uFill>
                 <a:latin typeface="Calibri"/>
               </a:rPr>
               <a:t>Zweite Ebene</a:t>
             </a:r>
-            <a:endParaRPr b="0" lang="de-DE" sz="2400" spc="-1" strike="noStrike">
-              <a:solidFill>
-                <a:srgbClr val="000000"/>
-              </a:solidFill>
-              <a:uFill>
-                <a:solidFill>
-                  <a:srgbClr val="ffffff"/>
-                </a:solidFill>
-              </a:uFill>
-              <a:latin typeface="Calibri"/>
-            </a:endParaRPr>
-          </a:p>
-          <a:p>
-            <a:pPr lvl="2" marL="1143000" indent="-228240">
+          </a:p>
+          <a:p>
+            <a:pPr marL="1143000" lvl="2" indent="-228240">
               <a:lnSpc>
                 <a:spcPct val="100000"/>
               </a:lnSpc>
@@ -5953,33 +6620,22 @@
               <a:buChar char="•"/>
             </a:pPr>
             <a:r>
-              <a:rPr b="0" lang="de-DE" sz="2000" spc="-1" strike="noStrike">
+              <a:rPr lang="de-DE" sz="2000" b="0" strike="noStrike" spc="-1">
                 <a:solidFill>
                   <a:srgbClr val="000000"/>
                 </a:solidFill>
                 <a:uFill>
                   <a:solidFill>
-                    <a:srgbClr val="ffffff"/>
+                    <a:srgbClr val="FFFFFF"/>
                   </a:solidFill>
                 </a:uFill>
                 <a:latin typeface="Calibri"/>
               </a:rPr>
               <a:t>Dritte Ebene</a:t>
             </a:r>
-            <a:endParaRPr b="0" lang="de-DE" sz="2000" spc="-1" strike="noStrike">
-              <a:solidFill>
-                <a:srgbClr val="000000"/>
-              </a:solidFill>
-              <a:uFill>
-                <a:solidFill>
-                  <a:srgbClr val="ffffff"/>
-                </a:solidFill>
-              </a:uFill>
-              <a:latin typeface="Calibri"/>
-            </a:endParaRPr>
-          </a:p>
-          <a:p>
-            <a:pPr lvl="3" marL="1600200" indent="-228240">
+          </a:p>
+          <a:p>
+            <a:pPr marL="1600200" lvl="3" indent="-228240">
               <a:lnSpc>
                 <a:spcPct val="100000"/>
               </a:lnSpc>
@@ -5993,33 +6649,22 @@
               <a:buChar char="•"/>
             </a:pPr>
             <a:r>
-              <a:rPr b="0" lang="de-DE" sz="1800" spc="-1" strike="noStrike">
+              <a:rPr lang="de-DE" sz="1800" b="0" strike="noStrike" spc="-1">
                 <a:solidFill>
                   <a:srgbClr val="000000"/>
                 </a:solidFill>
                 <a:uFill>
                   <a:solidFill>
-                    <a:srgbClr val="ffffff"/>
+                    <a:srgbClr val="FFFFFF"/>
                   </a:solidFill>
                 </a:uFill>
                 <a:latin typeface="Calibri"/>
               </a:rPr>
               <a:t>Vierte Ebene</a:t>
             </a:r>
-            <a:endParaRPr b="0" lang="de-DE" sz="1800" spc="-1" strike="noStrike">
-              <a:solidFill>
-                <a:srgbClr val="000000"/>
-              </a:solidFill>
-              <a:uFill>
-                <a:solidFill>
-                  <a:srgbClr val="ffffff"/>
-                </a:solidFill>
-              </a:uFill>
-              <a:latin typeface="Calibri"/>
-            </a:endParaRPr>
-          </a:p>
-          <a:p>
-            <a:pPr lvl="4" marL="2057400" indent="-228240">
+          </a:p>
+          <a:p>
+            <a:pPr marL="2057400" lvl="4" indent="-228240">
               <a:lnSpc>
                 <a:spcPct val="100000"/>
               </a:lnSpc>
@@ -6033,30 +6678,19 @@
               <a:buChar char="•"/>
             </a:pPr>
             <a:r>
-              <a:rPr b="0" lang="de-DE" sz="1800" spc="-1" strike="noStrike">
+              <a:rPr lang="de-DE" sz="1800" b="0" strike="noStrike" spc="-1">
                 <a:solidFill>
                   <a:srgbClr val="000000"/>
                 </a:solidFill>
                 <a:uFill>
                   <a:solidFill>
-                    <a:srgbClr val="ffffff"/>
+                    <a:srgbClr val="FFFFFF"/>
                   </a:solidFill>
                 </a:uFill>
                 <a:latin typeface="Calibri"/>
               </a:rPr>
               <a:t>Fünfte Ebene</a:t>
             </a:r>
-            <a:endParaRPr b="0" lang="de-DE" sz="1800" spc="-1" strike="noStrike">
-              <a:solidFill>
-                <a:srgbClr val="000000"/>
-              </a:solidFill>
-              <a:uFill>
-                <a:solidFill>
-                  <a:srgbClr val="ffffff"/>
-                </a:solidFill>
-              </a:uFill>
-              <a:latin typeface="Calibri"/>
-            </a:endParaRPr>
           </a:p>
         </p:txBody>
       </p:sp>
@@ -6081,6 +6715,7 @@
         </p:spPr>
         <p:txBody>
           <a:bodyPr anchor="ctr"/>
+          <a:lstStyle/>
           <a:p>
             <a:pPr>
               <a:lnSpc>
@@ -6088,26 +6723,26 @@
               </a:lnSpc>
             </a:pPr>
             <a:fld id="{D50EA2F1-A0FB-4D42-B94F-ACD7C7A54130}" type="datetime">
-              <a:rPr b="0" lang="en-US" sz="1200" spc="-1" strike="noStrike">
-                <a:solidFill>
-                  <a:srgbClr val="8b8b8b"/>
+              <a:rPr lang="en-US" sz="1200" b="0" strike="noStrike" spc="-1">
+                <a:solidFill>
+                  <a:srgbClr val="8B8B8B"/>
                 </a:solidFill>
                 <a:uFill>
                   <a:solidFill>
-                    <a:srgbClr val="ffffff"/>
+                    <a:srgbClr val="FFFFFF"/>
                   </a:solidFill>
                 </a:uFill>
                 <a:latin typeface="Calibri"/>
               </a:rPr>
-              <a:t>12/1/19</a:t>
+              <a:t>12/1/2019</a:t>
             </a:fld>
-            <a:endParaRPr b="0" lang="en-US" sz="1200" spc="-1" strike="noStrike">
-              <a:solidFill>
-                <a:srgbClr val="000000"/>
-              </a:solidFill>
-              <a:uFill>
-                <a:solidFill>
-                  <a:srgbClr val="ffffff"/>
+            <a:endParaRPr lang="en-US" sz="1200" b="0" strike="noStrike" spc="-1">
+              <a:solidFill>
+                <a:srgbClr val="000000"/>
+              </a:solidFill>
+              <a:uFill>
+                <a:solidFill>
+                  <a:srgbClr val="FFFFFF"/>
                 </a:solidFill>
               </a:uFill>
               <a:latin typeface="Times New Roman"/>
@@ -6136,14 +6771,15 @@
         </p:spPr>
         <p:txBody>
           <a:bodyPr anchor="ctr"/>
-          <a:p>
-            <a:endParaRPr b="0" lang="en-US" sz="2400" spc="-1" strike="noStrike">
-              <a:solidFill>
-                <a:srgbClr val="000000"/>
-              </a:solidFill>
-              <a:uFill>
-                <a:solidFill>
-                  <a:srgbClr val="ffffff"/>
+          <a:lstStyle/>
+          <a:p>
+            <a:endParaRPr lang="en-US" sz="2400" b="0" strike="noStrike" spc="-1">
+              <a:solidFill>
+                <a:srgbClr val="000000"/>
+              </a:solidFill>
+              <a:uFill>
+                <a:solidFill>
+                  <a:srgbClr val="FFFFFF"/>
                 </a:solidFill>
               </a:uFill>
               <a:latin typeface="Times New Roman"/>
@@ -6172,6 +6808,7 @@
         </p:spPr>
         <p:txBody>
           <a:bodyPr anchor="ctr"/>
+          <a:lstStyle/>
           <a:p>
             <a:pPr algn="r">
               <a:lnSpc>
@@ -6179,26 +6816,26 @@
               </a:lnSpc>
             </a:pPr>
             <a:fld id="{8C47E783-3FE1-4A7D-808D-C924AF04DBA6}" type="slidenum">
-              <a:rPr b="0" lang="en-US" sz="1200" spc="-1" strike="noStrike">
-                <a:solidFill>
-                  <a:srgbClr val="8b8b8b"/>
+              <a:rPr lang="en-US" sz="1200" b="0" strike="noStrike" spc="-1">
+                <a:solidFill>
+                  <a:srgbClr val="8B8B8B"/>
                 </a:solidFill>
                 <a:uFill>
                   <a:solidFill>
-                    <a:srgbClr val="ffffff"/>
+                    <a:srgbClr val="FFFFFF"/>
                   </a:solidFill>
                 </a:uFill>
                 <a:latin typeface="Calibri"/>
               </a:rPr>
-              <a:t>1</a:t>
+              <a:t>‹Nr.›</a:t>
             </a:fld>
-            <a:endParaRPr b="0" lang="en-US" sz="1200" spc="-1" strike="noStrike">
-              <a:solidFill>
-                <a:srgbClr val="000000"/>
-              </a:solidFill>
-              <a:uFill>
-                <a:solidFill>
-                  <a:srgbClr val="ffffff"/>
+            <a:endParaRPr lang="en-US" sz="1200" b="0" strike="noStrike" spc="-1">
+              <a:solidFill>
+                <a:srgbClr val="000000"/>
+              </a:solidFill>
+              <a:uFill>
+                <a:solidFill>
+                  <a:srgbClr val="FFFFFF"/>
                 </a:solidFill>
               </a:uFill>
               <a:latin typeface="Times New Roman"/>
@@ -6208,26 +6845,306 @@
       </p:sp>
     </p:spTree>
   </p:cSld>
-  <p:clrMap bg1="lt1" bg2="lt2" tx1="dk1" tx2="dk2" accent1="accent1" accent2="accent2" accent3="accent3" accent4="accent4" accent5="accent5" accent6="accent6" hlink="hlink" folHlink="folHlink"/>
+  <p:clrMap bg1="lt1" tx1="dk1" bg2="lt2" tx2="dk2" accent1="accent1" accent2="accent2" accent3="accent3" accent4="accent4" accent5="accent5" accent6="accent6" hlink="hlink" folHlink="folHlink"/>
   <p:sldLayoutIdLst>
-    <p:sldLayoutId id="2147483675" r:id="rId2"/>
-    <p:sldLayoutId id="2147483676" r:id="rId3"/>
-    <p:sldLayoutId id="2147483677" r:id="rId4"/>
-    <p:sldLayoutId id="2147483678" r:id="rId5"/>
-    <p:sldLayoutId id="2147483679" r:id="rId6"/>
-    <p:sldLayoutId id="2147483680" r:id="rId7"/>
-    <p:sldLayoutId id="2147483681" r:id="rId8"/>
-    <p:sldLayoutId id="2147483682" r:id="rId9"/>
-    <p:sldLayoutId id="2147483683" r:id="rId10"/>
-    <p:sldLayoutId id="2147483684" r:id="rId11"/>
-    <p:sldLayoutId id="2147483685" r:id="rId12"/>
-    <p:sldLayoutId id="2147483686" r:id="rId13"/>
+    <p:sldLayoutId id="2147483675" r:id="rId1"/>
+    <p:sldLayoutId id="2147483676" r:id="rId2"/>
+    <p:sldLayoutId id="2147483677" r:id="rId3"/>
+    <p:sldLayoutId id="2147483678" r:id="rId4"/>
+    <p:sldLayoutId id="2147483679" r:id="rId5"/>
+    <p:sldLayoutId id="2147483680" r:id="rId6"/>
+    <p:sldLayoutId id="2147483681" r:id="rId7"/>
+    <p:sldLayoutId id="2147483682" r:id="rId8"/>
+    <p:sldLayoutId id="2147483683" r:id="rId9"/>
+    <p:sldLayoutId id="2147483684" r:id="rId10"/>
+    <p:sldLayoutId id="2147483685" r:id="rId11"/>
+    <p:sldLayoutId id="2147483686" r:id="rId12"/>
   </p:sldLayoutIdLst>
+  <p:txStyles>
+    <p:titleStyle>
+      <a:lvl1pPr algn="l" defTabSz="914400" rtl="0" eaLnBrk="1" latinLnBrk="0" hangingPunct="1">
+        <a:lnSpc>
+          <a:spcPct val="90000"/>
+        </a:lnSpc>
+        <a:spcBef>
+          <a:spcPct val="0"/>
+        </a:spcBef>
+        <a:buNone/>
+        <a:defRPr sz="4400" kern="1200">
+          <a:solidFill>
+            <a:schemeClr val="tx1"/>
+          </a:solidFill>
+          <a:latin typeface="+mj-lt"/>
+          <a:ea typeface="+mj-ea"/>
+          <a:cs typeface="+mj-cs"/>
+        </a:defRPr>
+      </a:lvl1pPr>
+    </p:titleStyle>
+    <p:bodyStyle>
+      <a:lvl1pPr marL="228600" indent="-228600" algn="l" defTabSz="914400" rtl="0" eaLnBrk="1" latinLnBrk="0" hangingPunct="1">
+        <a:lnSpc>
+          <a:spcPct val="90000"/>
+        </a:lnSpc>
+        <a:spcBef>
+          <a:spcPts val="1000"/>
+        </a:spcBef>
+        <a:buFont typeface="Arial" panose="020B0604020202020204" pitchFamily="34" charset="0"/>
+        <a:buChar char="•"/>
+        <a:defRPr sz="2800" kern="1200">
+          <a:solidFill>
+            <a:schemeClr val="tx1"/>
+          </a:solidFill>
+          <a:latin typeface="+mn-lt"/>
+          <a:ea typeface="+mn-ea"/>
+          <a:cs typeface="+mn-cs"/>
+        </a:defRPr>
+      </a:lvl1pPr>
+      <a:lvl2pPr marL="685800" indent="-228600" algn="l" defTabSz="914400" rtl="0" eaLnBrk="1" latinLnBrk="0" hangingPunct="1">
+        <a:lnSpc>
+          <a:spcPct val="90000"/>
+        </a:lnSpc>
+        <a:spcBef>
+          <a:spcPts val="500"/>
+        </a:spcBef>
+        <a:buFont typeface="Arial" panose="020B0604020202020204" pitchFamily="34" charset="0"/>
+        <a:buChar char="•"/>
+        <a:defRPr sz="2400" kern="1200">
+          <a:solidFill>
+            <a:schemeClr val="tx1"/>
+          </a:solidFill>
+          <a:latin typeface="+mn-lt"/>
+          <a:ea typeface="+mn-ea"/>
+          <a:cs typeface="+mn-cs"/>
+        </a:defRPr>
+      </a:lvl2pPr>
+      <a:lvl3pPr marL="1143000" indent="-228600" algn="l" defTabSz="914400" rtl="0" eaLnBrk="1" latinLnBrk="0" hangingPunct="1">
+        <a:lnSpc>
+          <a:spcPct val="90000"/>
+        </a:lnSpc>
+        <a:spcBef>
+          <a:spcPts val="500"/>
+        </a:spcBef>
+        <a:buFont typeface="Arial" panose="020B0604020202020204" pitchFamily="34" charset="0"/>
+        <a:buChar char="•"/>
+        <a:defRPr sz="2000" kern="1200">
+          <a:solidFill>
+            <a:schemeClr val="tx1"/>
+          </a:solidFill>
+          <a:latin typeface="+mn-lt"/>
+          <a:ea typeface="+mn-ea"/>
+          <a:cs typeface="+mn-cs"/>
+        </a:defRPr>
+      </a:lvl3pPr>
+      <a:lvl4pPr marL="1600200" indent="-228600" algn="l" defTabSz="914400" rtl="0" eaLnBrk="1" latinLnBrk="0" hangingPunct="1">
+        <a:lnSpc>
+          <a:spcPct val="90000"/>
+        </a:lnSpc>
+        <a:spcBef>
+          <a:spcPts val="500"/>
+        </a:spcBef>
+        <a:buFont typeface="Arial" panose="020B0604020202020204" pitchFamily="34" charset="0"/>
+        <a:buChar char="•"/>
+        <a:defRPr sz="1800" kern="1200">
+          <a:solidFill>
+            <a:schemeClr val="tx1"/>
+          </a:solidFill>
+          <a:latin typeface="+mn-lt"/>
+          <a:ea typeface="+mn-ea"/>
+          <a:cs typeface="+mn-cs"/>
+        </a:defRPr>
+      </a:lvl4pPr>
+      <a:lvl5pPr marL="2057400" indent="-228600" algn="l" defTabSz="914400" rtl="0" eaLnBrk="1" latinLnBrk="0" hangingPunct="1">
+        <a:lnSpc>
+          <a:spcPct val="90000"/>
+        </a:lnSpc>
+        <a:spcBef>
+          <a:spcPts val="500"/>
+        </a:spcBef>
+        <a:buFont typeface="Arial" panose="020B0604020202020204" pitchFamily="34" charset="0"/>
+        <a:buChar char="•"/>
+        <a:defRPr sz="1800" kern="1200">
+          <a:solidFill>
+            <a:schemeClr val="tx1"/>
+          </a:solidFill>
+          <a:latin typeface="+mn-lt"/>
+          <a:ea typeface="+mn-ea"/>
+          <a:cs typeface="+mn-cs"/>
+        </a:defRPr>
+      </a:lvl5pPr>
+      <a:lvl6pPr marL="2514600" indent="-228600" algn="l" defTabSz="914400" rtl="0" eaLnBrk="1" latinLnBrk="0" hangingPunct="1">
+        <a:lnSpc>
+          <a:spcPct val="90000"/>
+        </a:lnSpc>
+        <a:spcBef>
+          <a:spcPts val="500"/>
+        </a:spcBef>
+        <a:buFont typeface="Arial" panose="020B0604020202020204" pitchFamily="34" charset="0"/>
+        <a:buChar char="•"/>
+        <a:defRPr sz="1800" kern="1200">
+          <a:solidFill>
+            <a:schemeClr val="tx1"/>
+          </a:solidFill>
+          <a:latin typeface="+mn-lt"/>
+          <a:ea typeface="+mn-ea"/>
+          <a:cs typeface="+mn-cs"/>
+        </a:defRPr>
+      </a:lvl6pPr>
+      <a:lvl7pPr marL="2971800" indent="-228600" algn="l" defTabSz="914400" rtl="0" eaLnBrk="1" latinLnBrk="0" hangingPunct="1">
+        <a:lnSpc>
+          <a:spcPct val="90000"/>
+        </a:lnSpc>
+        <a:spcBef>
+          <a:spcPts val="500"/>
+        </a:spcBef>
+        <a:buFont typeface="Arial" panose="020B0604020202020204" pitchFamily="34" charset="0"/>
+        <a:buChar char="•"/>
+        <a:defRPr sz="1800" kern="1200">
+          <a:solidFill>
+            <a:schemeClr val="tx1"/>
+          </a:solidFill>
+          <a:latin typeface="+mn-lt"/>
+          <a:ea typeface="+mn-ea"/>
+          <a:cs typeface="+mn-cs"/>
+        </a:defRPr>
+      </a:lvl7pPr>
+      <a:lvl8pPr marL="3429000" indent="-228600" algn="l" defTabSz="914400" rtl="0" eaLnBrk="1" latinLnBrk="0" hangingPunct="1">
+        <a:lnSpc>
+          <a:spcPct val="90000"/>
+        </a:lnSpc>
+        <a:spcBef>
+          <a:spcPts val="500"/>
+        </a:spcBef>
+        <a:buFont typeface="Arial" panose="020B0604020202020204" pitchFamily="34" charset="0"/>
+        <a:buChar char="•"/>
+        <a:defRPr sz="1800" kern="1200">
+          <a:solidFill>
+            <a:schemeClr val="tx1"/>
+          </a:solidFill>
+          <a:latin typeface="+mn-lt"/>
+          <a:ea typeface="+mn-ea"/>
+          <a:cs typeface="+mn-cs"/>
+        </a:defRPr>
+      </a:lvl8pPr>
+      <a:lvl9pPr marL="3886200" indent="-228600" algn="l" defTabSz="914400" rtl="0" eaLnBrk="1" latinLnBrk="0" hangingPunct="1">
+        <a:lnSpc>
+          <a:spcPct val="90000"/>
+        </a:lnSpc>
+        <a:spcBef>
+          <a:spcPts val="500"/>
+        </a:spcBef>
+        <a:buFont typeface="Arial" panose="020B0604020202020204" pitchFamily="34" charset="0"/>
+        <a:buChar char="•"/>
+        <a:defRPr sz="1800" kern="1200">
+          <a:solidFill>
+            <a:schemeClr val="tx1"/>
+          </a:solidFill>
+          <a:latin typeface="+mn-lt"/>
+          <a:ea typeface="+mn-ea"/>
+          <a:cs typeface="+mn-cs"/>
+        </a:defRPr>
+      </a:lvl9pPr>
+    </p:bodyStyle>
+    <p:otherStyle>
+      <a:defPPr>
+        <a:defRPr lang="de-DE"/>
+      </a:defPPr>
+      <a:lvl1pPr marL="0" algn="l" defTabSz="914400" rtl="0" eaLnBrk="1" latinLnBrk="0" hangingPunct="1">
+        <a:defRPr sz="1800" kern="1200">
+          <a:solidFill>
+            <a:schemeClr val="tx1"/>
+          </a:solidFill>
+          <a:latin typeface="+mn-lt"/>
+          <a:ea typeface="+mn-ea"/>
+          <a:cs typeface="+mn-cs"/>
+        </a:defRPr>
+      </a:lvl1pPr>
+      <a:lvl2pPr marL="457200" algn="l" defTabSz="914400" rtl="0" eaLnBrk="1" latinLnBrk="0" hangingPunct="1">
+        <a:defRPr sz="1800" kern="1200">
+          <a:solidFill>
+            <a:schemeClr val="tx1"/>
+          </a:solidFill>
+          <a:latin typeface="+mn-lt"/>
+          <a:ea typeface="+mn-ea"/>
+          <a:cs typeface="+mn-cs"/>
+        </a:defRPr>
+      </a:lvl2pPr>
+      <a:lvl3pPr marL="914400" algn="l" defTabSz="914400" rtl="0" eaLnBrk="1" latinLnBrk="0" hangingPunct="1">
+        <a:defRPr sz="1800" kern="1200">
+          <a:solidFill>
+            <a:schemeClr val="tx1"/>
+          </a:solidFill>
+          <a:latin typeface="+mn-lt"/>
+          <a:ea typeface="+mn-ea"/>
+          <a:cs typeface="+mn-cs"/>
+        </a:defRPr>
+      </a:lvl3pPr>
+      <a:lvl4pPr marL="1371600" algn="l" defTabSz="914400" rtl="0" eaLnBrk="1" latinLnBrk="0" hangingPunct="1">
+        <a:defRPr sz="1800" kern="1200">
+          <a:solidFill>
+            <a:schemeClr val="tx1"/>
+          </a:solidFill>
+          <a:latin typeface="+mn-lt"/>
+          <a:ea typeface="+mn-ea"/>
+          <a:cs typeface="+mn-cs"/>
+        </a:defRPr>
+      </a:lvl4pPr>
+      <a:lvl5pPr marL="1828800" algn="l" defTabSz="914400" rtl="0" eaLnBrk="1" latinLnBrk="0" hangingPunct="1">
+        <a:defRPr sz="1800" kern="1200">
+          <a:solidFill>
+            <a:schemeClr val="tx1"/>
+          </a:solidFill>
+          <a:latin typeface="+mn-lt"/>
+          <a:ea typeface="+mn-ea"/>
+          <a:cs typeface="+mn-cs"/>
+        </a:defRPr>
+      </a:lvl5pPr>
+      <a:lvl6pPr marL="2286000" algn="l" defTabSz="914400" rtl="0" eaLnBrk="1" latinLnBrk="0" hangingPunct="1">
+        <a:defRPr sz="1800" kern="1200">
+          <a:solidFill>
+            <a:schemeClr val="tx1"/>
+          </a:solidFill>
+          <a:latin typeface="+mn-lt"/>
+          <a:ea typeface="+mn-ea"/>
+          <a:cs typeface="+mn-cs"/>
+        </a:defRPr>
+      </a:lvl6pPr>
+      <a:lvl7pPr marL="2743200" algn="l" defTabSz="914400" rtl="0" eaLnBrk="1" latinLnBrk="0" hangingPunct="1">
+        <a:defRPr sz="1800" kern="1200">
+          <a:solidFill>
+            <a:schemeClr val="tx1"/>
+          </a:solidFill>
+          <a:latin typeface="+mn-lt"/>
+          <a:ea typeface="+mn-ea"/>
+          <a:cs typeface="+mn-cs"/>
+        </a:defRPr>
+      </a:lvl7pPr>
+      <a:lvl8pPr marL="3200400" algn="l" defTabSz="914400" rtl="0" eaLnBrk="1" latinLnBrk="0" hangingPunct="1">
+        <a:defRPr sz="1800" kern="1200">
+          <a:solidFill>
+            <a:schemeClr val="tx1"/>
+          </a:solidFill>
+          <a:latin typeface="+mn-lt"/>
+          <a:ea typeface="+mn-ea"/>
+          <a:cs typeface="+mn-cs"/>
+        </a:defRPr>
+      </a:lvl8pPr>
+      <a:lvl9pPr marL="3657600" algn="l" defTabSz="914400" rtl="0" eaLnBrk="1" latinLnBrk="0" hangingPunct="1">
+        <a:defRPr sz="1800" kern="1200">
+          <a:solidFill>
+            <a:schemeClr val="tx1"/>
+          </a:solidFill>
+          <a:latin typeface="+mn-lt"/>
+          <a:ea typeface="+mn-ea"/>
+          <a:cs typeface="+mn-cs"/>
+        </a:defRPr>
+      </a:lvl9pPr>
+    </p:otherStyle>
+  </p:txStyles>
 </p:sldMaster>
 </file>
 
 <file path=ppt/slides/slide1.xml><?xml version="1.0" encoding="utf-8"?>
-<p:sld xmlns:a="http://schemas.openxmlformats.org/drawingml/2006/main" xmlns:p="http://schemas.openxmlformats.org/presentationml/2006/main" xmlns:r="http://schemas.openxmlformats.org/officeDocument/2006/relationships" xmlns:p14="http://schemas.microsoft.com/office/powerpoint/2010/main" xmlns:p15="http://schemas.microsoft.com/office/powerpoint/2012/main" xmlns:mc="http://schemas.openxmlformats.org/markup-compatibility/2006">
+<p:sld xmlns:a="http://schemas.openxmlformats.org/drawingml/2006/main" xmlns:r="http://schemas.openxmlformats.org/officeDocument/2006/relationships" xmlns:p="http://schemas.openxmlformats.org/presentationml/2006/main">
   <p:cSld>
     <p:spTree>
       <p:nvGrpSpPr>
@@ -6264,8 +7181,9 @@
         </p:spPr>
         <p:txBody>
           <a:bodyPr anchor="b">
-            <a:normAutofit/>
+            <a:normAutofit fontScale="92500"/>
           </a:bodyPr>
+          <a:lstStyle/>
           <a:p>
             <a:pPr algn="ctr">
               <a:lnSpc>
@@ -6273,13 +7191,13 @@
               </a:lnSpc>
             </a:pPr>
             <a:r>
-              <a:rPr b="1" lang="de-DE" sz="6000" spc="-1" strike="noStrike">
+              <a:rPr lang="de-DE" sz="6000" b="1" strike="noStrike" spc="-1">
                 <a:solidFill>
                   <a:srgbClr val="000000"/>
                 </a:solidFill>
                 <a:uFill>
                   <a:solidFill>
-                    <a:srgbClr val="ffffff"/>
+                    <a:srgbClr val="FFFFFF"/>
                   </a:solidFill>
                 </a:uFill>
                 <a:latin typeface="Calibri Light"/>
@@ -6287,13 +7205,13 @@
               <a:t>Verarbeitung von Grundrissen</a:t>
             </a:r>
             <a:br/>
-            <a:endParaRPr b="0" lang="de-DE" sz="6000" spc="-1" strike="noStrike">
-              <a:solidFill>
-                <a:srgbClr val="000000"/>
-              </a:solidFill>
-              <a:uFill>
-                <a:solidFill>
-                  <a:srgbClr val="ffffff"/>
+            <a:endParaRPr lang="de-DE" sz="6000" b="0" strike="noStrike" spc="-1">
+              <a:solidFill>
+                <a:srgbClr val="000000"/>
+              </a:solidFill>
+              <a:uFill>
+                <a:solidFill>
+                  <a:srgbClr val="FFFFFF"/>
                 </a:solidFill>
               </a:uFill>
               <a:latin typeface="Calibri"/>
@@ -6322,8 +7240,9 @@
         </p:spPr>
         <p:txBody>
           <a:bodyPr>
-            <a:normAutofit/>
+            <a:normAutofit fontScale="70000" lnSpcReduction="20000"/>
           </a:bodyPr>
+          <a:lstStyle/>
           <a:p>
             <a:pPr algn="ctr">
               <a:lnSpc>
@@ -6334,26 +7253,26 @@
               </a:spcBef>
             </a:pPr>
             <a:r>
-              <a:rPr b="0" lang="en-US" sz="2400" spc="-1" strike="noStrike">
+              <a:rPr lang="en-US" sz="2400" b="0" strike="noStrike" spc="-1">
                 <a:solidFill>
                   <a:srgbClr val="000000"/>
                 </a:solidFill>
                 <a:uFill>
                   <a:solidFill>
-                    <a:srgbClr val="ffffff"/>
+                    <a:srgbClr val="FFFFFF"/>
                   </a:solidFill>
                 </a:uFill>
                 <a:latin typeface="Calibri"/>
               </a:rPr>
               <a:t>Leonhard Eder (00047514) </a:t>
             </a:r>
-            <a:endParaRPr b="0" lang="en-US" sz="2400" spc="-1" strike="noStrike">
-              <a:solidFill>
-                <a:srgbClr val="000000"/>
-              </a:solidFill>
-              <a:uFill>
-                <a:solidFill>
-                  <a:srgbClr val="ffffff"/>
+            <a:endParaRPr lang="en-US" sz="2400" b="0" strike="noStrike" spc="-1">
+              <a:solidFill>
+                <a:srgbClr val="000000"/>
+              </a:solidFill>
+              <a:uFill>
+                <a:solidFill>
+                  <a:srgbClr val="FFFFFF"/>
                 </a:solidFill>
               </a:uFill>
               <a:latin typeface="Arial"/>
@@ -6369,26 +7288,26 @@
               </a:spcBef>
             </a:pPr>
             <a:r>
-              <a:rPr b="0" lang="en-US" sz="2400" spc="-1" strike="noStrike">
+              <a:rPr lang="en-US" sz="2400" b="0" strike="noStrike" spc="-1">
                 <a:solidFill>
                   <a:srgbClr val="000000"/>
                 </a:solidFill>
                 <a:uFill>
                   <a:solidFill>
-                    <a:srgbClr val="ffffff"/>
+                    <a:srgbClr val="FFFFFF"/>
                   </a:solidFill>
                 </a:uFill>
                 <a:latin typeface="Calibri"/>
               </a:rPr>
               <a:t>Raphael Schimmerl (00371366) </a:t>
             </a:r>
-            <a:endParaRPr b="0" lang="en-US" sz="2400" spc="-1" strike="noStrike">
-              <a:solidFill>
-                <a:srgbClr val="000000"/>
-              </a:solidFill>
-              <a:uFill>
-                <a:solidFill>
-                  <a:srgbClr val="ffffff"/>
+            <a:endParaRPr lang="en-US" sz="2400" b="0" strike="noStrike" spc="-1">
+              <a:solidFill>
+                <a:srgbClr val="000000"/>
+              </a:solidFill>
+              <a:uFill>
+                <a:solidFill>
+                  <a:srgbClr val="FFFFFF"/>
                 </a:solidFill>
               </a:uFill>
               <a:latin typeface="Arial"/>
@@ -6404,26 +7323,26 @@
               </a:spcBef>
             </a:pPr>
             <a:r>
-              <a:rPr b="0" lang="en-US" sz="2400" spc="-1" strike="noStrike">
+              <a:rPr lang="en-US" sz="2400" b="0" strike="noStrike" spc="-1">
                 <a:solidFill>
                   <a:srgbClr val="000000"/>
                 </a:solidFill>
                 <a:uFill>
                   <a:solidFill>
-                    <a:srgbClr val="ffffff"/>
+                    <a:srgbClr val="FFFFFF"/>
                   </a:solidFill>
                 </a:uFill>
                 <a:latin typeface="Calibri"/>
               </a:rPr>
               <a:t>Florian Langeder (01527111) </a:t>
             </a:r>
-            <a:endParaRPr b="0" lang="en-US" sz="2400" spc="-1" strike="noStrike">
-              <a:solidFill>
-                <a:srgbClr val="000000"/>
-              </a:solidFill>
-              <a:uFill>
-                <a:solidFill>
-                  <a:srgbClr val="ffffff"/>
+            <a:endParaRPr lang="en-US" sz="2400" b="0" strike="noStrike" spc="-1">
+              <a:solidFill>
+                <a:srgbClr val="000000"/>
+              </a:solidFill>
+              <a:uFill>
+                <a:solidFill>
+                  <a:srgbClr val="FFFFFF"/>
                 </a:solidFill>
               </a:uFill>
               <a:latin typeface="Arial"/>
@@ -6439,26 +7358,26 @@
               </a:spcBef>
             </a:pPr>
             <a:r>
-              <a:rPr b="0" lang="en-US" sz="2400" spc="-1" strike="noStrike">
+              <a:rPr lang="en-US" sz="2400" b="0" strike="noStrike" spc="-1">
                 <a:solidFill>
                   <a:srgbClr val="000000"/>
                 </a:solidFill>
                 <a:uFill>
                   <a:solidFill>
-                    <a:srgbClr val="ffffff"/>
+                    <a:srgbClr val="FFFFFF"/>
                   </a:solidFill>
                 </a:uFill>
                 <a:latin typeface="Calibri"/>
               </a:rPr>
               <a:t>Filip Hörtner (11808203) </a:t>
             </a:r>
-            <a:endParaRPr b="0" lang="en-US" sz="2400" spc="-1" strike="noStrike">
-              <a:solidFill>
-                <a:srgbClr val="000000"/>
-              </a:solidFill>
-              <a:uFill>
-                <a:solidFill>
-                  <a:srgbClr val="ffffff"/>
+            <a:endParaRPr lang="en-US" sz="2400" b="0" strike="noStrike" spc="-1">
+              <a:solidFill>
+                <a:srgbClr val="000000"/>
+              </a:solidFill>
+              <a:uFill>
+                <a:solidFill>
+                  <a:srgbClr val="FFFFFF"/>
                 </a:solidFill>
               </a:uFill>
               <a:latin typeface="Arial"/>
@@ -6474,26 +7393,26 @@
               </a:spcBef>
             </a:pPr>
             <a:r>
-              <a:rPr b="0" lang="en-US" sz="2400" spc="-1" strike="noStrike">
+              <a:rPr lang="en-US" sz="2400" b="0" strike="noStrike" spc="-1">
                 <a:solidFill>
                   <a:srgbClr val="000000"/>
                 </a:solidFill>
                 <a:uFill>
                   <a:solidFill>
-                    <a:srgbClr val="ffffff"/>
+                    <a:srgbClr val="FFFFFF"/>
                   </a:solidFill>
                 </a:uFill>
                 <a:latin typeface="Calibri"/>
               </a:rPr>
               <a:t>Mark Alam (11808580)</a:t>
             </a:r>
-            <a:endParaRPr b="0" lang="en-US" sz="2400" spc="-1" strike="noStrike">
-              <a:solidFill>
-                <a:srgbClr val="000000"/>
-              </a:solidFill>
-              <a:uFill>
-                <a:solidFill>
-                  <a:srgbClr val="ffffff"/>
+            <a:endParaRPr lang="en-US" sz="2400" b="0" strike="noStrike" spc="-1">
+              <a:solidFill>
+                <a:srgbClr val="000000"/>
+              </a:solidFill>
+              <a:uFill>
+                <a:solidFill>
+                  <a:srgbClr val="FFFFFF"/>
                 </a:solidFill>
               </a:uFill>
               <a:latin typeface="Arial"/>
@@ -6503,6 +7422,9 @@
       </p:sp>
     </p:spTree>
   </p:cSld>
+  <p:clrMapOvr>
+    <a:masterClrMapping/>
+  </p:clrMapOvr>
   <p:timing>
     <p:tnLst>
       <p:par>
@@ -6511,14 +7433,14 @@
             <p:seq>
               <p:cTn id="2" nodeType="mainSeq"/>
               <p:prevCondLst>
-                <p:cond delay="0" evt="onPrev">
+                <p:cond evt="onPrev" delay="0">
                   <p:tgtEl>
                     <p:sldTgt/>
                   </p:tgtEl>
                 </p:cond>
               </p:prevCondLst>
               <p:nextCondLst>
-                <p:cond delay="0" evt="onNext">
+                <p:cond evt="onNext" delay="0">
                   <p:tgtEl>
                     <p:sldTgt/>
                   </p:tgtEl>
@@ -6534,7 +7456,7 @@
 </file>
 
 <file path=ppt/slides/slide2.xml><?xml version="1.0" encoding="utf-8"?>
-<p:sld xmlns:a="http://schemas.openxmlformats.org/drawingml/2006/main" xmlns:p="http://schemas.openxmlformats.org/presentationml/2006/main" xmlns:r="http://schemas.openxmlformats.org/officeDocument/2006/relationships" xmlns:p14="http://schemas.microsoft.com/office/powerpoint/2010/main" xmlns:p15="http://schemas.microsoft.com/office/powerpoint/2012/main" xmlns:mc="http://schemas.openxmlformats.org/markup-compatibility/2006">
+<p:sld xmlns:a="http://schemas.openxmlformats.org/drawingml/2006/main" xmlns:r="http://schemas.openxmlformats.org/officeDocument/2006/relationships" xmlns:p="http://schemas.openxmlformats.org/presentationml/2006/main">
   <p:cSld>
     <p:spTree>
       <p:nvGrpSpPr>
@@ -6571,6 +7493,7 @@
         </p:spPr>
         <p:txBody>
           <a:bodyPr anchor="ctr"/>
+          <a:lstStyle/>
           <a:p>
             <a:pPr>
               <a:lnSpc>
@@ -6578,26 +7501,26 @@
               </a:lnSpc>
             </a:pPr>
             <a:r>
-              <a:rPr b="0" lang="de-DE" sz="4400" spc="-1" strike="noStrike">
+              <a:rPr lang="de-DE" sz="4400" b="0" strike="noStrike" spc="-1">
                 <a:solidFill>
                   <a:srgbClr val="000000"/>
                 </a:solidFill>
                 <a:uFill>
                   <a:solidFill>
-                    <a:srgbClr val="ffffff"/>
+                    <a:srgbClr val="FFFFFF"/>
                   </a:solidFill>
                 </a:uFill>
                 <a:latin typeface="Calibri Light"/>
               </a:rPr>
               <a:t>Input und Ziel</a:t>
             </a:r>
-            <a:endParaRPr b="0" lang="de-DE" sz="4400" spc="-1" strike="noStrike">
-              <a:solidFill>
-                <a:srgbClr val="000000"/>
-              </a:solidFill>
-              <a:uFill>
-                <a:solidFill>
-                  <a:srgbClr val="ffffff"/>
+            <a:endParaRPr lang="de-DE" sz="4400" b="0" strike="noStrike" spc="-1">
+              <a:solidFill>
+                <a:srgbClr val="000000"/>
+              </a:solidFill>
+              <a:uFill>
+                <a:solidFill>
+                  <a:srgbClr val="FFFFFF"/>
                 </a:solidFill>
               </a:uFill>
               <a:latin typeface="Calibri"/>
@@ -6626,6 +7549,7 @@
         </p:spPr>
         <p:txBody>
           <a:bodyPr/>
+          <a:lstStyle/>
           <a:p>
             <a:pPr marL="228600" indent="-228240">
               <a:lnSpc>
@@ -6641,84 +7565,51 @@
               <a:buChar char="•"/>
             </a:pPr>
             <a:r>
-              <a:rPr b="0" lang="de-DE" sz="2800" spc="-1" strike="noStrike">
+              <a:rPr lang="de-DE" sz="2800" b="0" strike="noStrike" spc="-1">
                 <a:solidFill>
                   <a:srgbClr val="000000"/>
                 </a:solidFill>
                 <a:uFill>
                   <a:solidFill>
-                    <a:srgbClr val="ffffff"/>
+                    <a:srgbClr val="FFFFFF"/>
                   </a:solidFill>
                 </a:uFill>
                 <a:latin typeface="Calibri"/>
               </a:rPr>
               <a:t>Input</a:t>
             </a:r>
-            <a:endParaRPr b="0" lang="de-DE" sz="2800" spc="-1" strike="noStrike">
-              <a:solidFill>
-                <a:srgbClr val="000000"/>
-              </a:solidFill>
-              <a:uFill>
-                <a:solidFill>
-                  <a:srgbClr val="ffffff"/>
-                </a:solidFill>
-              </a:uFill>
-              <a:latin typeface="Calibri"/>
-            </a:endParaRPr>
           </a:p>
           <a:p>
             <a:r>
-              <a:rPr b="0" lang="de-DE" sz="2400" spc="-1" strike="noStrike">
+              <a:rPr lang="de-DE" sz="2400" b="0" strike="noStrike" spc="-1">
                 <a:solidFill>
                   <a:srgbClr val="000000"/>
                 </a:solidFill>
                 <a:uFill>
                   <a:solidFill>
-                    <a:srgbClr val="ffffff"/>
+                    <a:srgbClr val="FFFFFF"/>
                   </a:solidFill>
                 </a:uFill>
                 <a:latin typeface="Calibri"/>
               </a:rPr>
               <a:t>Der Input besteht aus einem oder mehreren Graustufenbildern, die jeweils den Grundrissplan einer eingeschoßigen Wohnung darstellen. Die Notation der Symbole sollte der gängigen Symbolik entsprechen.</a:t>
             </a:r>
-            <a:endParaRPr b="0" lang="de-DE" sz="2400" spc="-1" strike="noStrike">
-              <a:solidFill>
-                <a:srgbClr val="000000"/>
-              </a:solidFill>
-              <a:uFill>
-                <a:solidFill>
-                  <a:srgbClr val="ffffff"/>
-                </a:solidFill>
-              </a:uFill>
-              <a:latin typeface="Calibri"/>
-            </a:endParaRPr>
           </a:p>
           <a:p>
             <a:r>
-              <a:rPr b="0" lang="de-DE" sz="2400" spc="-1" strike="noStrike">
+              <a:rPr lang="de-DE" sz="2400" b="0" strike="noStrike" spc="-1">
                 <a:solidFill>
                   <a:srgbClr val="000000"/>
                 </a:solidFill>
                 <a:uFill>
                   <a:solidFill>
-                    <a:srgbClr val="ffffff"/>
+                    <a:srgbClr val="FFFFFF"/>
                   </a:solidFill>
                 </a:uFill>
                 <a:latin typeface="Calibri"/>
               </a:rPr>
               <a:t>Datenbeispiele: nächste Folie</a:t>
             </a:r>
-            <a:endParaRPr b="0" lang="de-DE" sz="2400" spc="-1" strike="noStrike">
-              <a:solidFill>
-                <a:srgbClr val="000000"/>
-              </a:solidFill>
-              <a:uFill>
-                <a:solidFill>
-                  <a:srgbClr val="ffffff"/>
-                </a:solidFill>
-              </a:uFill>
-              <a:latin typeface="Calibri"/>
-            </a:endParaRPr>
           </a:p>
           <a:p>
             <a:pPr marL="228600" indent="-228240">
@@ -6735,66 +7626,44 @@
               <a:buChar char="•"/>
             </a:pPr>
             <a:r>
-              <a:rPr b="0" lang="de-DE" sz="2800" spc="-1" strike="noStrike">
+              <a:rPr lang="de-DE" sz="2800" b="0" strike="noStrike" spc="-1">
                 <a:solidFill>
                   <a:srgbClr val="000000"/>
                 </a:solidFill>
                 <a:uFill>
                   <a:solidFill>
-                    <a:srgbClr val="ffffff"/>
+                    <a:srgbClr val="FFFFFF"/>
                   </a:solidFill>
                 </a:uFill>
                 <a:latin typeface="Calibri"/>
               </a:rPr>
               <a:t>Ziel</a:t>
             </a:r>
-            <a:endParaRPr b="0" lang="de-DE" sz="2800" spc="-1" strike="noStrike">
-              <a:solidFill>
-                <a:srgbClr val="000000"/>
-              </a:solidFill>
-              <a:uFill>
-                <a:solidFill>
-                  <a:srgbClr val="ffffff"/>
-                </a:solidFill>
-              </a:uFill>
-              <a:latin typeface="Calibri"/>
-            </a:endParaRPr>
           </a:p>
           <a:p>
             <a:r>
-              <a:rPr b="0" lang="de-DE" sz="2400" spc="-1" strike="noStrike">
+              <a:rPr lang="de-DE" sz="2400" b="0" strike="noStrike" spc="-1">
                 <a:solidFill>
                   <a:srgbClr val="000000"/>
                 </a:solidFill>
                 <a:uFill>
                   <a:solidFill>
-                    <a:srgbClr val="ffffff"/>
+                    <a:srgbClr val="FFFFFF"/>
                   </a:solidFill>
                 </a:uFill>
                 <a:latin typeface="Calibri"/>
               </a:rPr>
               <a:t>Ziel des Projekts ist es, bestimmte Merkmale wie Wände, Türen, Fenster, Stiegen und Räume aus einem Grundrissplan zu erkennen und diese in einem Datensatz abzuspeichern</a:t>
             </a:r>
-            <a:endParaRPr b="0" lang="de-DE" sz="2400" spc="-1" strike="noStrike">
-              <a:solidFill>
-                <a:srgbClr val="000000"/>
-              </a:solidFill>
-              <a:uFill>
-                <a:solidFill>
-                  <a:srgbClr val="ffffff"/>
-                </a:solidFill>
-              </a:uFill>
-              <a:latin typeface="Calibri"/>
-            </a:endParaRPr>
-          </a:p>
-          <a:p>
-            <a:endParaRPr b="0" lang="de-DE" sz="2400" spc="-1" strike="noStrike">
-              <a:solidFill>
-                <a:srgbClr val="000000"/>
-              </a:solidFill>
-              <a:uFill>
-                <a:solidFill>
-                  <a:srgbClr val="ffffff"/>
+          </a:p>
+          <a:p>
+            <a:endParaRPr lang="de-DE" sz="2400" b="0" strike="noStrike" spc="-1">
+              <a:solidFill>
+                <a:srgbClr val="000000"/>
+              </a:solidFill>
+              <a:uFill>
+                <a:solidFill>
+                  <a:srgbClr val="FFFFFF"/>
                 </a:solidFill>
               </a:uFill>
               <a:latin typeface="Calibri"/>
@@ -6804,22 +7673,25 @@
       </p:sp>
     </p:spTree>
   </p:cSld>
+  <p:clrMapOvr>
+    <a:masterClrMapping/>
+  </p:clrMapOvr>
   <p:timing>
     <p:tnLst>
       <p:par>
-        <p:cTn id="3" dur="indefinite" restart="never" nodeType="tmRoot">
+        <p:cTn id="1" dur="indefinite" restart="never" nodeType="tmRoot">
           <p:childTnLst>
             <p:seq>
-              <p:cTn id="4" nodeType="mainSeq"/>
+              <p:cTn id="2" nodeType="mainSeq"/>
               <p:prevCondLst>
-                <p:cond delay="0" evt="onPrev">
+                <p:cond evt="onPrev" delay="0">
                   <p:tgtEl>
                     <p:sldTgt/>
                   </p:tgtEl>
                 </p:cond>
               </p:prevCondLst>
               <p:nextCondLst>
-                <p:cond delay="0" evt="onNext">
+                <p:cond evt="onNext" delay="0">
                   <p:tgtEl>
                     <p:sldTgt/>
                   </p:tgtEl>
@@ -6835,7 +7707,7 @@
 </file>
 
 <file path=ppt/slides/slide3.xml><?xml version="1.0" encoding="utf-8"?>
-<p:sld xmlns:a="http://schemas.openxmlformats.org/drawingml/2006/main" xmlns:p="http://schemas.openxmlformats.org/presentationml/2006/main" xmlns:r="http://schemas.openxmlformats.org/officeDocument/2006/relationships" xmlns:p14="http://schemas.microsoft.com/office/powerpoint/2010/main" xmlns:p15="http://schemas.microsoft.com/office/powerpoint/2012/main" xmlns:mc="http://schemas.openxmlformats.org/markup-compatibility/2006">
+<p:sld xmlns:a="http://schemas.openxmlformats.org/drawingml/2006/main" xmlns:r="http://schemas.openxmlformats.org/officeDocument/2006/relationships" xmlns:p="http://schemas.openxmlformats.org/presentationml/2006/main">
   <p:cSld>
     <p:spTree>
       <p:nvGrpSpPr>
@@ -6872,6 +7744,7 @@
         </p:spPr>
         <p:txBody>
           <a:bodyPr anchor="ctr"/>
+          <a:lstStyle/>
           <a:p>
             <a:pPr>
               <a:lnSpc>
@@ -6879,26 +7752,26 @@
               </a:lnSpc>
             </a:pPr>
             <a:r>
-              <a:rPr b="0" lang="de-DE" sz="4400" spc="-1" strike="noStrike">
+              <a:rPr lang="de-DE" sz="4400" b="0" strike="noStrike" spc="-1">
                 <a:solidFill>
                   <a:srgbClr val="000000"/>
                 </a:solidFill>
                 <a:uFill>
                   <a:solidFill>
-                    <a:srgbClr val="ffffff"/>
+                    <a:srgbClr val="FFFFFF"/>
                   </a:solidFill>
                 </a:uFill>
                 <a:latin typeface="Calibri Light"/>
               </a:rPr>
               <a:t>Datenbeispiele</a:t>
             </a:r>
-            <a:endParaRPr b="0" lang="de-DE" sz="4400" spc="-1" strike="noStrike">
-              <a:solidFill>
-                <a:srgbClr val="000000"/>
-              </a:solidFill>
-              <a:uFill>
-                <a:solidFill>
-                  <a:srgbClr val="ffffff"/>
+            <a:endParaRPr lang="de-DE" sz="4400" b="0" strike="noStrike" spc="-1">
+              <a:solidFill>
+                <a:srgbClr val="000000"/>
+              </a:solidFill>
+              <a:uFill>
+                <a:solidFill>
+                  <a:srgbClr val="FFFFFF"/>
                 </a:solidFill>
               </a:uFill>
               <a:latin typeface="Calibri"/>
@@ -6908,30 +7781,7 @@
       </p:sp>
       <p:pic>
         <p:nvPicPr>
-          <p:cNvPr id="123" name="Inhaltsplatzhalter 25" descr=""/>
-          <p:cNvPicPr/>
-          <p:nvPr/>
-        </p:nvPicPr>
-        <p:blipFill>
-          <a:blip r:embed="rId1"/>
-          <a:stretch/>
-        </p:blipFill>
-        <p:spPr>
-          <a:xfrm>
-            <a:off x="6785640" y="-2004840"/>
-            <a:ext cx="7920360" cy="7628760"/>
-          </a:xfrm>
-          <a:prstGeom prst="rect">
-            <a:avLst/>
-          </a:prstGeom>
-          <a:ln>
-            <a:noFill/>
-          </a:ln>
-        </p:spPr>
-      </p:pic>
-      <p:pic>
-        <p:nvPicPr>
-          <p:cNvPr id="124" name="Inhaltsplatzhalter 29" descr=""/>
+          <p:cNvPr id="123" name="Inhaltsplatzhalter 25"/>
           <p:cNvPicPr/>
           <p:nvPr/>
         </p:nvPicPr>
@@ -6941,8 +7791,8 @@
         </p:blipFill>
         <p:spPr>
           <a:xfrm>
-            <a:off x="1483200" y="1825560"/>
-            <a:ext cx="3890880" cy="4350960"/>
+            <a:off x="6785640" y="-2004840"/>
+            <a:ext cx="7920360" cy="7628760"/>
           </a:xfrm>
           <a:prstGeom prst="rect">
             <a:avLst/>
@@ -6952,24 +7802,50 @@
           </a:ln>
         </p:spPr>
       </p:pic>
+      <p:pic>
+        <p:nvPicPr>
+          <p:cNvPr id="124" name="Inhaltsplatzhalter 29"/>
+          <p:cNvPicPr/>
+          <p:nvPr/>
+        </p:nvPicPr>
+        <p:blipFill>
+          <a:blip r:embed="rId3"/>
+          <a:stretch/>
+        </p:blipFill>
+        <p:spPr>
+          <a:xfrm>
+            <a:off x="1483200" y="1825560"/>
+            <a:ext cx="3890880" cy="4350960"/>
+          </a:xfrm>
+          <a:prstGeom prst="rect">
+            <a:avLst/>
+          </a:prstGeom>
+          <a:ln>
+            <a:noFill/>
+          </a:ln>
+        </p:spPr>
+      </p:pic>
     </p:spTree>
   </p:cSld>
+  <p:clrMapOvr>
+    <a:masterClrMapping/>
+  </p:clrMapOvr>
   <p:timing>
     <p:tnLst>
       <p:par>
-        <p:cTn id="5" dur="indefinite" restart="never" nodeType="tmRoot">
+        <p:cTn id="1" dur="indefinite" restart="never" nodeType="tmRoot">
           <p:childTnLst>
             <p:seq>
-              <p:cTn id="6" nodeType="mainSeq"/>
+              <p:cTn id="2" nodeType="mainSeq"/>
               <p:prevCondLst>
-                <p:cond delay="0" evt="onPrev">
+                <p:cond evt="onPrev" delay="0">
                   <p:tgtEl>
                     <p:sldTgt/>
                   </p:tgtEl>
                 </p:cond>
               </p:prevCondLst>
               <p:nextCondLst>
-                <p:cond delay="0" evt="onNext">
+                <p:cond evt="onNext" delay="0">
                   <p:tgtEl>
                     <p:sldTgt/>
                   </p:tgtEl>
@@ -6985,7 +7861,7 @@
 </file>
 
 <file path=ppt/slides/slide4.xml><?xml version="1.0" encoding="utf-8"?>
-<p:sld xmlns:a="http://schemas.openxmlformats.org/drawingml/2006/main" xmlns:p="http://schemas.openxmlformats.org/presentationml/2006/main" xmlns:r="http://schemas.openxmlformats.org/officeDocument/2006/relationships" xmlns:p14="http://schemas.microsoft.com/office/powerpoint/2010/main" xmlns:p15="http://schemas.microsoft.com/office/powerpoint/2012/main" xmlns:mc="http://schemas.openxmlformats.org/markup-compatibility/2006">
+<p:sld xmlns:a="http://schemas.openxmlformats.org/drawingml/2006/main" xmlns:r="http://schemas.openxmlformats.org/officeDocument/2006/relationships" xmlns:p="http://schemas.openxmlformats.org/presentationml/2006/main">
   <p:cSld>
     <p:spTree>
       <p:nvGrpSpPr>
@@ -7022,6 +7898,7 @@
         </p:spPr>
         <p:txBody>
           <a:bodyPr anchor="ctr"/>
+          <a:lstStyle/>
           <a:p>
             <a:pPr>
               <a:lnSpc>
@@ -7029,26 +7906,26 @@
               </a:lnSpc>
             </a:pPr>
             <a:r>
-              <a:rPr b="0" lang="de-DE" sz="4400" spc="-1" strike="noStrike">
+              <a:rPr lang="de-DE" sz="4400" b="0" strike="noStrike" spc="-1">
                 <a:solidFill>
                   <a:srgbClr val="000000"/>
                 </a:solidFill>
                 <a:uFill>
                   <a:solidFill>
-                    <a:srgbClr val="ffffff"/>
+                    <a:srgbClr val="FFFFFF"/>
                   </a:solidFill>
                 </a:uFill>
                 <a:latin typeface="Calibri Light"/>
               </a:rPr>
               <a:t>Methodiken</a:t>
             </a:r>
-            <a:endParaRPr b="0" lang="de-DE" sz="4400" spc="-1" strike="noStrike">
-              <a:solidFill>
-                <a:srgbClr val="000000"/>
-              </a:solidFill>
-              <a:uFill>
-                <a:solidFill>
-                  <a:srgbClr val="ffffff"/>
+            <a:endParaRPr lang="de-DE" sz="4400" b="0" strike="noStrike" spc="-1">
+              <a:solidFill>
+                <a:srgbClr val="000000"/>
+              </a:solidFill>
+              <a:uFill>
+                <a:solidFill>
+                  <a:srgbClr val="FFFFFF"/>
                 </a:solidFill>
               </a:uFill>
               <a:latin typeface="Calibri"/>
@@ -7077,6 +7954,7 @@
         </p:spPr>
         <p:txBody>
           <a:bodyPr/>
+          <a:lstStyle/>
           <a:p>
             <a:pPr marL="228600" indent="-228240">
               <a:lnSpc>
@@ -7092,33 +7970,22 @@
               <a:buChar char="•"/>
             </a:pPr>
             <a:r>
-              <a:rPr b="0" lang="de-DE" sz="2800" spc="-1" strike="noStrike">
+              <a:rPr lang="de-DE" sz="2800" b="0" strike="noStrike" spc="-1" dirty="0">
                 <a:solidFill>
                   <a:srgbClr val="000000"/>
                 </a:solidFill>
                 <a:uFill>
                   <a:solidFill>
-                    <a:srgbClr val="ffffff"/>
+                    <a:srgbClr val="FFFFFF"/>
                   </a:solidFill>
                 </a:uFill>
                 <a:latin typeface="Calibri"/>
               </a:rPr>
               <a:t>Methodik-Pipeline </a:t>
             </a:r>
-            <a:endParaRPr b="0" lang="de-DE" sz="2800" spc="-1" strike="noStrike">
-              <a:solidFill>
-                <a:srgbClr val="000000"/>
-              </a:solidFill>
-              <a:uFill>
-                <a:solidFill>
-                  <a:srgbClr val="ffffff"/>
-                </a:solidFill>
-              </a:uFill>
-              <a:latin typeface="Calibri"/>
-            </a:endParaRPr>
-          </a:p>
-          <a:p>
-            <a:pPr lvl="1" marL="685800" indent="-228240">
+          </a:p>
+          <a:p>
+            <a:pPr marL="685800" lvl="1" indent="-228240">
               <a:lnSpc>
                 <a:spcPct val="100000"/>
               </a:lnSpc>
@@ -7132,33 +7999,22 @@
               <a:buChar char="•"/>
             </a:pPr>
             <a:r>
-              <a:rPr b="0" lang="de-DE" sz="2400" spc="-1" strike="noStrike">
+              <a:rPr lang="de-DE" sz="2400" b="0" strike="noStrike" spc="-1" dirty="0">
                 <a:solidFill>
                   <a:srgbClr val="000000"/>
                 </a:solidFill>
                 <a:uFill>
                   <a:solidFill>
-                    <a:srgbClr val="ffffff"/>
+                    <a:srgbClr val="FFFFFF"/>
                   </a:solidFill>
                 </a:uFill>
                 <a:latin typeface="Calibri"/>
               </a:rPr>
               <a:t>1. Umwandlung in ein Binärbild - Threshold nach Otsu </a:t>
             </a:r>
-            <a:endParaRPr b="0" lang="de-DE" sz="2400" spc="-1" strike="noStrike">
-              <a:solidFill>
-                <a:srgbClr val="000000"/>
-              </a:solidFill>
-              <a:uFill>
-                <a:solidFill>
-                  <a:srgbClr val="ffffff"/>
-                </a:solidFill>
-              </a:uFill>
-              <a:latin typeface="Calibri"/>
-            </a:endParaRPr>
-          </a:p>
-          <a:p>
-            <a:pPr lvl="1" marL="685800" indent="-228240">
+          </a:p>
+          <a:p>
+            <a:pPr marL="685800" lvl="1" indent="-228240">
               <a:lnSpc>
                 <a:spcPct val="100000"/>
               </a:lnSpc>
@@ -7172,33 +8028,22 @@
               <a:buChar char="•"/>
             </a:pPr>
             <a:r>
-              <a:rPr b="0" lang="de-DE" sz="2400" spc="-1" strike="noStrike">
+              <a:rPr lang="de-DE" sz="2400" b="0" strike="noStrike" spc="-1" dirty="0">
                 <a:solidFill>
                   <a:srgbClr val="000000"/>
                 </a:solidFill>
                 <a:uFill>
                   <a:solidFill>
-                    <a:srgbClr val="ffffff"/>
+                    <a:srgbClr val="FFFFFF"/>
                   </a:solidFill>
                 </a:uFill>
                 <a:latin typeface="Calibri"/>
               </a:rPr>
               <a:t>2. Entfernung von Details - Kantenfilter </a:t>
             </a:r>
-            <a:endParaRPr b="0" lang="de-DE" sz="2400" spc="-1" strike="noStrike">
-              <a:solidFill>
-                <a:srgbClr val="000000"/>
-              </a:solidFill>
-              <a:uFill>
-                <a:solidFill>
-                  <a:srgbClr val="ffffff"/>
-                </a:solidFill>
-              </a:uFill>
-              <a:latin typeface="Calibri"/>
-            </a:endParaRPr>
-          </a:p>
-          <a:p>
-            <a:pPr lvl="1" marL="685800" indent="-228240">
+          </a:p>
+          <a:p>
+            <a:pPr marL="685800" lvl="1" indent="-228240">
               <a:lnSpc>
                 <a:spcPct val="100000"/>
               </a:lnSpc>
@@ -7212,33 +8057,22 @@
               <a:buChar char="•"/>
             </a:pPr>
             <a:r>
-              <a:rPr b="0" lang="de-DE" sz="2400" spc="-1" strike="noStrike">
+              <a:rPr lang="de-DE" sz="2400" b="0" strike="noStrike" spc="-1" dirty="0">
                 <a:solidFill>
                   <a:srgbClr val="000000"/>
                 </a:solidFill>
                 <a:uFill>
                   <a:solidFill>
-                    <a:srgbClr val="ffffff"/>
+                    <a:srgbClr val="FFFFFF"/>
                   </a:solidFill>
                 </a:uFill>
                 <a:latin typeface="Calibri"/>
               </a:rPr>
               <a:t>3. Flächenbestimmung - Distanztransformation </a:t>
             </a:r>
-            <a:endParaRPr b="0" lang="de-DE" sz="2400" spc="-1" strike="noStrike">
-              <a:solidFill>
-                <a:srgbClr val="000000"/>
-              </a:solidFill>
-              <a:uFill>
-                <a:solidFill>
-                  <a:srgbClr val="ffffff"/>
-                </a:solidFill>
-              </a:uFill>
-              <a:latin typeface="Calibri"/>
-            </a:endParaRPr>
-          </a:p>
-          <a:p>
-            <a:pPr lvl="1" marL="685800" indent="-228240">
+          </a:p>
+          <a:p>
+            <a:pPr marL="685800" lvl="1" indent="-228240">
               <a:lnSpc>
                 <a:spcPct val="100000"/>
               </a:lnSpc>
@@ -7252,33 +8086,22 @@
               <a:buChar char="•"/>
             </a:pPr>
             <a:r>
-              <a:rPr b="0" lang="de-DE" sz="2400" spc="-1" strike="noStrike">
+              <a:rPr lang="de-DE" sz="2400" b="0" strike="noStrike" spc="-1" dirty="0">
                 <a:solidFill>
                   <a:srgbClr val="000000"/>
                 </a:solidFill>
                 <a:uFill>
                   <a:solidFill>
-                    <a:srgbClr val="ffffff"/>
+                    <a:srgbClr val="FFFFFF"/>
                   </a:solidFill>
                 </a:uFill>
                 <a:latin typeface="Calibri"/>
               </a:rPr>
               <a:t>4. Erkennung der Türen und Abtrennung der Räume - Hough-Transformation</a:t>
             </a:r>
-            <a:endParaRPr b="0" lang="de-DE" sz="2400" spc="-1" strike="noStrike">
-              <a:solidFill>
-                <a:srgbClr val="000000"/>
-              </a:solidFill>
-              <a:uFill>
-                <a:solidFill>
-                  <a:srgbClr val="ffffff"/>
-                </a:solidFill>
-              </a:uFill>
-              <a:latin typeface="Calibri"/>
-            </a:endParaRPr>
-          </a:p>
-          <a:p>
-            <a:pPr lvl="1" marL="685800" indent="-228240">
+          </a:p>
+          <a:p>
+            <a:pPr marL="685800" lvl="1" indent="-228240">
               <a:lnSpc>
                 <a:spcPct val="100000"/>
               </a:lnSpc>
@@ -7292,33 +8115,22 @@
               <a:buChar char="•"/>
             </a:pPr>
             <a:r>
-              <a:rPr b="0" lang="de-DE" sz="2400" spc="-1" strike="noStrike">
+              <a:rPr lang="de-DE" sz="2400" b="0" strike="noStrike" spc="-1" dirty="0">
                 <a:solidFill>
                   <a:srgbClr val="000000"/>
                 </a:solidFill>
                 <a:uFill>
                   <a:solidFill>
-                    <a:srgbClr val="ffffff"/>
+                    <a:srgbClr val="FFFFFF"/>
                   </a:solidFill>
                 </a:uFill>
                 <a:latin typeface="Calibri"/>
               </a:rPr>
               <a:t>5. Erkennung der Fenster – Mathematische Morphologie </a:t>
             </a:r>
-            <a:endParaRPr b="0" lang="de-DE" sz="2400" spc="-1" strike="noStrike">
-              <a:solidFill>
-                <a:srgbClr val="000000"/>
-              </a:solidFill>
-              <a:uFill>
-                <a:solidFill>
-                  <a:srgbClr val="ffffff"/>
-                </a:solidFill>
-              </a:uFill>
-              <a:latin typeface="Calibri"/>
-            </a:endParaRPr>
-          </a:p>
-          <a:p>
-            <a:pPr lvl="1" marL="685800" indent="-228240">
+          </a:p>
+          <a:p>
+            <a:pPr marL="685800" lvl="1" indent="-228240">
               <a:lnSpc>
                 <a:spcPct val="100000"/>
               </a:lnSpc>
@@ -7332,51 +8144,43 @@
               <a:buChar char="•"/>
             </a:pPr>
             <a:r>
-              <a:rPr b="0" lang="de-DE" sz="2400" spc="-1" strike="noStrike">
+              <a:rPr lang="de-DE" sz="2400" b="0" strike="noStrike" spc="-1" dirty="0">
                 <a:solidFill>
                   <a:srgbClr val="000000"/>
                 </a:solidFill>
                 <a:uFill>
                   <a:solidFill>
-                    <a:srgbClr val="ffffff"/>
+                    <a:srgbClr val="FFFFFF"/>
                   </a:solidFill>
                 </a:uFill>
                 <a:latin typeface="Calibri"/>
               </a:rPr>
-              <a:t>6. Erkennung der Stiegen - Kantenfilter</a:t>
+              <a:t>6. Erkennung der Stiegen – Kantenfilter, Hough-Transformation</a:t>
             </a:r>
-            <a:endParaRPr b="0" lang="de-DE" sz="2400" spc="-1" strike="noStrike">
-              <a:solidFill>
-                <a:srgbClr val="000000"/>
-              </a:solidFill>
-              <a:uFill>
-                <a:solidFill>
-                  <a:srgbClr val="ffffff"/>
-                </a:solidFill>
-              </a:uFill>
-              <a:latin typeface="Calibri"/>
-            </a:endParaRPr>
           </a:p>
         </p:txBody>
       </p:sp>
     </p:spTree>
   </p:cSld>
+  <p:clrMapOvr>
+    <a:masterClrMapping/>
+  </p:clrMapOvr>
   <p:timing>
     <p:tnLst>
       <p:par>
-        <p:cTn id="7" dur="indefinite" restart="never" nodeType="tmRoot">
+        <p:cTn id="1" dur="indefinite" restart="never" nodeType="tmRoot">
           <p:childTnLst>
             <p:seq>
-              <p:cTn id="8" nodeType="mainSeq"/>
+              <p:cTn id="2" nodeType="mainSeq"/>
               <p:prevCondLst>
-                <p:cond delay="0" evt="onPrev">
+                <p:cond evt="onPrev" delay="0">
                   <p:tgtEl>
                     <p:sldTgt/>
                   </p:tgtEl>
                 </p:cond>
               </p:prevCondLst>
               <p:nextCondLst>
-                <p:cond delay="0" evt="onNext">
+                <p:cond evt="onNext" delay="0">
                   <p:tgtEl>
                     <p:sldTgt/>
                   </p:tgtEl>
@@ -7392,7 +8196,7 @@
 </file>
 
 <file path=ppt/slides/slide5.xml><?xml version="1.0" encoding="utf-8"?>
-<p:sld xmlns:a="http://schemas.openxmlformats.org/drawingml/2006/main" xmlns:p="http://schemas.openxmlformats.org/presentationml/2006/main" xmlns:r="http://schemas.openxmlformats.org/officeDocument/2006/relationships" xmlns:p14="http://schemas.microsoft.com/office/powerpoint/2010/main" xmlns:p15="http://schemas.microsoft.com/office/powerpoint/2012/main" xmlns:mc="http://schemas.openxmlformats.org/markup-compatibility/2006">
+<p:sld xmlns:a="http://schemas.openxmlformats.org/drawingml/2006/main" xmlns:r="http://schemas.openxmlformats.org/officeDocument/2006/relationships" xmlns:p="http://schemas.openxmlformats.org/presentationml/2006/main">
   <p:cSld>
     <p:spTree>
       <p:nvGrpSpPr>
@@ -7429,6 +8233,7 @@
         </p:spPr>
         <p:txBody>
           <a:bodyPr anchor="ctr"/>
+          <a:lstStyle/>
           <a:p>
             <a:pPr>
               <a:lnSpc>
@@ -7436,26 +8241,26 @@
               </a:lnSpc>
             </a:pPr>
             <a:r>
-              <a:rPr b="0" lang="de-DE" sz="4400" spc="-1" strike="noStrike">
+              <a:rPr lang="de-DE" sz="4400" b="0" strike="noStrike" spc="-1">
                 <a:solidFill>
                   <a:srgbClr val="000000"/>
                 </a:solidFill>
                 <a:uFill>
                   <a:solidFill>
-                    <a:srgbClr val="ffffff"/>
+                    <a:srgbClr val="FFFFFF"/>
                   </a:solidFill>
                 </a:uFill>
                 <a:latin typeface="Calibri Light"/>
               </a:rPr>
               <a:t>Aktueller Stand</a:t>
             </a:r>
-            <a:endParaRPr b="0" lang="de-DE" sz="4400" spc="-1" strike="noStrike">
-              <a:solidFill>
-                <a:srgbClr val="000000"/>
-              </a:solidFill>
-              <a:uFill>
-                <a:solidFill>
-                  <a:srgbClr val="ffffff"/>
+            <a:endParaRPr lang="de-DE" sz="4400" b="0" strike="noStrike" spc="-1">
+              <a:solidFill>
+                <a:srgbClr val="000000"/>
+              </a:solidFill>
+              <a:uFill>
+                <a:solidFill>
+                  <a:srgbClr val="FFFFFF"/>
                 </a:solidFill>
               </a:uFill>
               <a:latin typeface="Calibri"/>
@@ -7465,12 +8270,12 @@
       </p:sp>
       <p:pic>
         <p:nvPicPr>
-          <p:cNvPr id="128" name="" descr=""/>
+          <p:cNvPr id="128" name="Grafik 127"/>
           <p:cNvPicPr/>
           <p:nvPr/>
         </p:nvPicPr>
         <p:blipFill>
-          <a:blip r:embed="rId1"/>
+          <a:blip r:embed="rId2"/>
           <a:stretch/>
         </p:blipFill>
         <p:spPr>
@@ -7507,6 +8312,7 @@
         </p:spPr>
         <p:txBody>
           <a:bodyPr/>
+          <a:lstStyle/>
           <a:p>
             <a:pPr marL="228600" indent="-228240">
               <a:lnSpc>
@@ -7522,30 +8328,19 @@
               <a:buChar char="•"/>
             </a:pPr>
             <a:r>
-              <a:rPr b="0" lang="de-DE" sz="2800" spc="-1" strike="noStrike">
+              <a:rPr lang="de-DE" sz="2800" b="0" strike="noStrike" spc="-1">
                 <a:solidFill>
                   <a:srgbClr val="000000"/>
                 </a:solidFill>
                 <a:uFill>
                   <a:solidFill>
-                    <a:srgbClr val="ffffff"/>
+                    <a:srgbClr val="FFFFFF"/>
                   </a:solidFill>
                 </a:uFill>
                 <a:latin typeface="Calibri"/>
               </a:rPr>
               <a:t>Entfernung von Details</a:t>
             </a:r>
-            <a:endParaRPr b="0" lang="de-DE" sz="2800" spc="-1" strike="noStrike">
-              <a:solidFill>
-                <a:srgbClr val="000000"/>
-              </a:solidFill>
-              <a:uFill>
-                <a:solidFill>
-                  <a:srgbClr val="ffffff"/>
-                </a:solidFill>
-              </a:uFill>
-              <a:latin typeface="Calibri"/>
-            </a:endParaRPr>
           </a:p>
           <a:p>
             <a:pPr marL="228600" indent="-228240">
@@ -7562,30 +8357,19 @@
               <a:buChar char="•"/>
             </a:pPr>
             <a:r>
-              <a:rPr b="0" lang="de-DE" sz="2800" spc="-1" strike="noStrike">
+              <a:rPr lang="de-DE" sz="2800" b="0" strike="noStrike" spc="-1">
                 <a:solidFill>
                   <a:srgbClr val="000000"/>
                 </a:solidFill>
                 <a:uFill>
                   <a:solidFill>
-                    <a:srgbClr val="ffffff"/>
+                    <a:srgbClr val="FFFFFF"/>
                   </a:solidFill>
                 </a:uFill>
                 <a:latin typeface="Calibri"/>
               </a:rPr>
               <a:t>(Vorarbeit für Raumerkennung)</a:t>
             </a:r>
-            <a:endParaRPr b="0" lang="de-DE" sz="2800" spc="-1" strike="noStrike">
-              <a:solidFill>
-                <a:srgbClr val="000000"/>
-              </a:solidFill>
-              <a:uFill>
-                <a:solidFill>
-                  <a:srgbClr val="ffffff"/>
-                </a:solidFill>
-              </a:uFill>
-              <a:latin typeface="Calibri"/>
-            </a:endParaRPr>
           </a:p>
           <a:p>
             <a:pPr marL="228600" indent="-228240">
@@ -7602,30 +8386,19 @@
               <a:buChar char="•"/>
             </a:pPr>
             <a:r>
-              <a:rPr b="0" lang="de-DE" sz="2800" spc="-1" strike="noStrike">
+              <a:rPr lang="de-DE" sz="2800" b="0" strike="noStrike" spc="-1">
                 <a:solidFill>
                   <a:srgbClr val="000000"/>
                 </a:solidFill>
                 <a:uFill>
                   <a:solidFill>
-                    <a:srgbClr val="ffffff"/>
+                    <a:srgbClr val="FFFFFF"/>
                   </a:solidFill>
                 </a:uFill>
                 <a:latin typeface="Calibri"/>
               </a:rPr>
               <a:t>Erste Versuche von Fenster-</a:t>
             </a:r>
-            <a:endParaRPr b="0" lang="de-DE" sz="2800" spc="-1" strike="noStrike">
-              <a:solidFill>
-                <a:srgbClr val="000000"/>
-              </a:solidFill>
-              <a:uFill>
-                <a:solidFill>
-                  <a:srgbClr val="ffffff"/>
-                </a:solidFill>
-              </a:uFill>
-              <a:latin typeface="Calibri"/>
-            </a:endParaRPr>
           </a:p>
           <a:p>
             <a:pPr marL="228600" indent="-228240">
@@ -7642,65 +8415,43 @@
               <a:buChar char="•"/>
             </a:pPr>
             <a:r>
-              <a:rPr b="0" lang="de-DE" sz="2800" spc="-1" strike="noStrike">
+              <a:rPr lang="de-DE" sz="2800" b="0" strike="noStrike" spc="-1">
                 <a:solidFill>
                   <a:srgbClr val="000000"/>
                 </a:solidFill>
                 <a:uFill>
                   <a:solidFill>
-                    <a:srgbClr val="ffffff"/>
+                    <a:srgbClr val="FFFFFF"/>
                   </a:solidFill>
                 </a:uFill>
                 <a:latin typeface="Calibri"/>
               </a:rPr>
-              <a:t> </a:t>
+              <a:t> und Stiegen Erkennung</a:t>
             </a:r>
-            <a:r>
-              <a:rPr b="0" lang="de-DE" sz="2800" spc="-1" strike="noStrike">
-                <a:solidFill>
-                  <a:srgbClr val="000000"/>
-                </a:solidFill>
-                <a:uFill>
-                  <a:solidFill>
-                    <a:srgbClr val="ffffff"/>
-                  </a:solidFill>
-                </a:uFill>
-                <a:latin typeface="Calibri"/>
-              </a:rPr>
-              <a:t>und Stiegen Erkennung</a:t>
-            </a:r>
-            <a:endParaRPr b="0" lang="de-DE" sz="2800" spc="-1" strike="noStrike">
-              <a:solidFill>
-                <a:srgbClr val="000000"/>
-              </a:solidFill>
-              <a:uFill>
-                <a:solidFill>
-                  <a:srgbClr val="ffffff"/>
-                </a:solidFill>
-              </a:uFill>
-              <a:latin typeface="Calibri"/>
-            </a:endParaRPr>
           </a:p>
         </p:txBody>
       </p:sp>
     </p:spTree>
   </p:cSld>
+  <p:clrMapOvr>
+    <a:masterClrMapping/>
+  </p:clrMapOvr>
   <p:timing>
     <p:tnLst>
       <p:par>
-        <p:cTn id="9" dur="indefinite" restart="never" nodeType="tmRoot">
+        <p:cTn id="1" dur="indefinite" restart="never" nodeType="tmRoot">
           <p:childTnLst>
             <p:seq>
-              <p:cTn id="10" nodeType="mainSeq"/>
+              <p:cTn id="2" nodeType="mainSeq"/>
               <p:prevCondLst>
-                <p:cond delay="0" evt="onPrev">
+                <p:cond evt="onPrev" delay="0">
                   <p:tgtEl>
                     <p:sldTgt/>
                   </p:tgtEl>
                 </p:cond>
               </p:prevCondLst>
               <p:nextCondLst>
-                <p:cond delay="0" evt="onNext">
+                <p:cond evt="onNext" delay="0">
                   <p:tgtEl>
                     <p:sldTgt/>
                   </p:tgtEl>
@@ -7716,7 +8467,7 @@
 </file>
 
 <file path=ppt/slides/slide6.xml><?xml version="1.0" encoding="utf-8"?>
-<p:sld xmlns:a="http://schemas.openxmlformats.org/drawingml/2006/main" xmlns:p="http://schemas.openxmlformats.org/presentationml/2006/main" xmlns:r="http://schemas.openxmlformats.org/officeDocument/2006/relationships" xmlns:p14="http://schemas.microsoft.com/office/powerpoint/2010/main" xmlns:p15="http://schemas.microsoft.com/office/powerpoint/2012/main" xmlns:mc="http://schemas.openxmlformats.org/markup-compatibility/2006">
+<p:sld xmlns:a="http://schemas.openxmlformats.org/drawingml/2006/main" xmlns:r="http://schemas.openxmlformats.org/officeDocument/2006/relationships" xmlns:p="http://schemas.openxmlformats.org/presentationml/2006/main">
   <p:cSld>
     <p:spTree>
       <p:nvGrpSpPr>
@@ -7753,6 +8504,7 @@
         </p:spPr>
         <p:txBody>
           <a:bodyPr anchor="ctr"/>
+          <a:lstStyle/>
           <a:p>
             <a:pPr>
               <a:lnSpc>
@@ -7760,26 +8512,26 @@
               </a:lnSpc>
             </a:pPr>
             <a:r>
-              <a:rPr b="0" lang="de-DE" sz="4400" spc="-1" strike="noStrike">
+              <a:rPr lang="de-DE" sz="4400" b="0" strike="noStrike" spc="-1" dirty="0">
                 <a:solidFill>
                   <a:srgbClr val="000000"/>
                 </a:solidFill>
                 <a:uFill>
                   <a:solidFill>
-                    <a:srgbClr val="ffffff"/>
+                    <a:srgbClr val="FFFFFF"/>
                   </a:solidFill>
                 </a:uFill>
                 <a:latin typeface="Calibri Light"/>
               </a:rPr>
               <a:t>Probleme</a:t>
             </a:r>
-            <a:endParaRPr b="0" lang="de-DE" sz="4400" spc="-1" strike="noStrike">
-              <a:solidFill>
-                <a:srgbClr val="000000"/>
-              </a:solidFill>
-              <a:uFill>
-                <a:solidFill>
-                  <a:srgbClr val="ffffff"/>
+            <a:endParaRPr lang="de-DE" sz="4400" b="0" strike="noStrike" spc="-1" dirty="0">
+              <a:solidFill>
+                <a:srgbClr val="000000"/>
+              </a:solidFill>
+              <a:uFill>
+                <a:solidFill>
+                  <a:srgbClr val="FFFFFF"/>
                 </a:solidFill>
               </a:uFill>
               <a:latin typeface="Calibri"/>
@@ -7808,6 +8560,7 @@
         </p:spPr>
         <p:txBody>
           <a:bodyPr/>
+          <a:lstStyle/>
           <a:p>
             <a:pPr marL="228600" indent="-228240">
               <a:lnSpc>
@@ -7823,33 +8576,22 @@
               <a:buChar char="•"/>
             </a:pPr>
             <a:r>
-              <a:rPr b="0" lang="de-DE" sz="2800" spc="-1" strike="noStrike">
+              <a:rPr lang="de-DE" sz="2800" b="0" strike="noStrike" spc="-1" dirty="0">
                 <a:solidFill>
                   <a:srgbClr val="000000"/>
                 </a:solidFill>
                 <a:uFill>
                   <a:solidFill>
-                    <a:srgbClr val="ffffff"/>
+                    <a:srgbClr val="FFFFFF"/>
                   </a:solidFill>
                 </a:uFill>
                 <a:latin typeface="Calibri"/>
               </a:rPr>
               <a:t>Fenster</a:t>
             </a:r>
-            <a:endParaRPr b="0" lang="de-DE" sz="2800" spc="-1" strike="noStrike">
-              <a:solidFill>
-                <a:srgbClr val="000000"/>
-              </a:solidFill>
-              <a:uFill>
-                <a:solidFill>
-                  <a:srgbClr val="ffffff"/>
-                </a:solidFill>
-              </a:uFill>
-              <a:latin typeface="Calibri"/>
-            </a:endParaRPr>
-          </a:p>
-          <a:p>
-            <a:pPr lvl="1" marL="864000" indent="-324000">
+          </a:p>
+          <a:p>
+            <a:pPr marL="864000" lvl="1" indent="-324000">
               <a:spcBef>
                 <a:spcPts val="1134"/>
               </a:spcBef>
@@ -7861,33 +8603,50 @@
               <a:buChar char=""/>
             </a:pPr>
             <a:r>
-              <a:rPr b="0" lang="de-DE" sz="2800" spc="-1" strike="noStrike">
+              <a:rPr lang="de-DE" sz="2800" b="0" strike="noStrike" spc="-1" dirty="0">
                 <a:solidFill>
                   <a:srgbClr val="000000"/>
                 </a:solidFill>
                 <a:uFill>
                   <a:solidFill>
-                    <a:srgbClr val="ffffff"/>
+                    <a:srgbClr val="FFFFFF"/>
                   </a:solidFill>
                 </a:uFill>
                 <a:latin typeface="Calibri"/>
               </a:rPr>
-              <a:t>Hit or Miss Transformation nicht akkurat genug.</a:t>
+              <a:t>Hit </a:t>
             </a:r>
-            <a:endParaRPr b="0" lang="de-DE" sz="2800" spc="-1" strike="noStrike">
-              <a:solidFill>
-                <a:srgbClr val="000000"/>
-              </a:solidFill>
-              <a:uFill>
-                <a:solidFill>
-                  <a:srgbClr val="ffffff"/>
-                </a:solidFill>
-              </a:uFill>
-              <a:latin typeface="Calibri"/>
-            </a:endParaRPr>
-          </a:p>
-          <a:p>
-            <a:pPr lvl="1" marL="864000" indent="-324000">
+            <a:r>
+              <a:rPr lang="de-DE" sz="2800" b="0" strike="noStrike" spc="-1" dirty="0" err="1">
+                <a:solidFill>
+                  <a:srgbClr val="000000"/>
+                </a:solidFill>
+                <a:uFill>
+                  <a:solidFill>
+                    <a:srgbClr val="FFFFFF"/>
+                  </a:solidFill>
+                </a:uFill>
+                <a:latin typeface="Calibri"/>
+              </a:rPr>
+              <a:t>or</a:t>
+            </a:r>
+            <a:r>
+              <a:rPr lang="de-DE" sz="2800" b="0" strike="noStrike" spc="-1" dirty="0">
+                <a:solidFill>
+                  <a:srgbClr val="000000"/>
+                </a:solidFill>
+                <a:uFill>
+                  <a:solidFill>
+                    <a:srgbClr val="FFFFFF"/>
+                  </a:solidFill>
+                </a:uFill>
+                <a:latin typeface="Calibri"/>
+              </a:rPr>
+              <a:t> Miss Transformation nicht akkurat genug.</a:t>
+            </a:r>
+          </a:p>
+          <a:p>
+            <a:pPr marL="864000" lvl="1" indent="-324000">
               <a:spcBef>
                 <a:spcPts val="1134"/>
               </a:spcBef>
@@ -7899,26 +8658,142 @@
               <a:buChar char=""/>
             </a:pPr>
             <a:r>
-              <a:rPr b="0" lang="de-DE" sz="2800" spc="-1" strike="noStrike">
+              <a:rPr lang="de-DE" sz="2800" b="0" strike="noStrike" spc="-1" dirty="0">
                 <a:solidFill>
                   <a:srgbClr val="000000"/>
                 </a:solidFill>
                 <a:uFill>
                   <a:solidFill>
-                    <a:srgbClr val="ffffff"/>
+                    <a:srgbClr val="FFFFFF"/>
                   </a:solidFill>
                 </a:uFill>
                 <a:latin typeface="Calibri"/>
               </a:rPr>
-              <a:t>Fenster besitzen leicht unterschiedliche Größen.</a:t>
+              <a:t>Fenster besitzen leicht unterschiedliche Größen</a:t>
             </a:r>
-            <a:endParaRPr b="0" lang="de-DE" sz="2800" spc="-1" strike="noStrike">
-              <a:solidFill>
-                <a:srgbClr val="000000"/>
-              </a:solidFill>
-              <a:uFill>
-                <a:solidFill>
-                  <a:srgbClr val="ffffff"/>
+            <a:r>
+              <a:rPr lang="de-DE" sz="2800" spc="-1" dirty="0">
+                <a:solidFill>
+                  <a:srgbClr val="000000"/>
+                </a:solidFill>
+                <a:uFill>
+                  <a:solidFill>
+                    <a:srgbClr val="FFFFFF"/>
+                  </a:solidFill>
+                </a:uFill>
+                <a:latin typeface="Calibri"/>
+              </a:rPr>
+              <a:t>.</a:t>
+            </a:r>
+          </a:p>
+          <a:p>
+            <a:pPr marL="540000" lvl="1">
+              <a:spcBef>
+                <a:spcPts val="1134"/>
+              </a:spcBef>
+              <a:buClr>
+                <a:srgbClr val="000000"/>
+              </a:buClr>
+              <a:buSzPct val="75000"/>
+            </a:pPr>
+            <a:endParaRPr lang="de-DE" sz="2800" b="0" strike="noStrike" spc="-1" dirty="0">
+              <a:solidFill>
+                <a:srgbClr val="000000"/>
+              </a:solidFill>
+              <a:uFill>
+                <a:solidFill>
+                  <a:srgbClr val="FFFFFF"/>
+                </a:solidFill>
+              </a:uFill>
+              <a:latin typeface="Calibri"/>
+            </a:endParaRPr>
+          </a:p>
+          <a:p>
+            <a:pPr marL="228600" indent="-228240">
+              <a:lnSpc>
+                <a:spcPct val="90000"/>
+              </a:lnSpc>
+              <a:spcBef>
+                <a:spcPts val="1001"/>
+              </a:spcBef>
+              <a:buClr>
+                <a:srgbClr val="000000"/>
+              </a:buClr>
+              <a:buFont typeface="Arial"/>
+              <a:buChar char="•"/>
+            </a:pPr>
+            <a:r>
+              <a:rPr lang="de-DE" sz="2800" b="0" strike="noStrike" spc="-1" dirty="0">
+                <a:solidFill>
+                  <a:srgbClr val="000000"/>
+                </a:solidFill>
+                <a:uFill>
+                  <a:solidFill>
+                    <a:srgbClr val="FFFFFF"/>
+                  </a:solidFill>
+                </a:uFill>
+                <a:latin typeface="Calibri"/>
+              </a:rPr>
+              <a:t>Stiegen</a:t>
+            </a:r>
+          </a:p>
+          <a:p>
+            <a:pPr marL="360">
+              <a:lnSpc>
+                <a:spcPct val="90000"/>
+              </a:lnSpc>
+              <a:spcBef>
+                <a:spcPts val="1001"/>
+              </a:spcBef>
+              <a:buClr>
+                <a:srgbClr val="000000"/>
+              </a:buClr>
+            </a:pPr>
+            <a:r>
+              <a:rPr lang="de-DE" sz="2800" spc="-1" dirty="0">
+                <a:solidFill>
+                  <a:srgbClr val="000000"/>
+                </a:solidFill>
+                <a:uFill>
+                  <a:solidFill>
+                    <a:srgbClr val="FFFFFF"/>
+                  </a:solidFill>
+                </a:uFill>
+                <a:latin typeface="Calibri"/>
+              </a:rPr>
+              <a:t>	siehe nächste Folie</a:t>
+            </a:r>
+            <a:endParaRPr lang="de-DE" sz="2800" b="0" strike="noStrike" spc="-1" dirty="0">
+              <a:solidFill>
+                <a:srgbClr val="000000"/>
+              </a:solidFill>
+              <a:uFill>
+                <a:solidFill>
+                  <a:srgbClr val="FFFFFF"/>
+                </a:solidFill>
+              </a:uFill>
+              <a:latin typeface="Calibri"/>
+            </a:endParaRPr>
+          </a:p>
+          <a:p>
+            <a:pPr marL="360">
+              <a:lnSpc>
+                <a:spcPct val="90000"/>
+              </a:lnSpc>
+              <a:spcBef>
+                <a:spcPts val="1001"/>
+              </a:spcBef>
+              <a:buClr>
+                <a:srgbClr val="000000"/>
+              </a:buClr>
+            </a:pPr>
+            <a:endParaRPr lang="de-DE" sz="2800" b="0" strike="noStrike" spc="-1" dirty="0">
+              <a:solidFill>
+                <a:srgbClr val="000000"/>
+              </a:solidFill>
+              <a:uFill>
+                <a:solidFill>
+                  <a:srgbClr val="FFFFFF"/>
                 </a:solidFill>
               </a:uFill>
               <a:latin typeface="Calibri"/>
@@ -7928,22 +8803,25 @@
       </p:sp>
     </p:spTree>
   </p:cSld>
+  <p:clrMapOvr>
+    <a:masterClrMapping/>
+  </p:clrMapOvr>
   <p:timing>
     <p:tnLst>
       <p:par>
-        <p:cTn id="11" dur="indefinite" restart="never" nodeType="tmRoot">
+        <p:cTn id="1" dur="indefinite" restart="never" nodeType="tmRoot">
           <p:childTnLst>
             <p:seq>
-              <p:cTn id="12" nodeType="mainSeq"/>
+              <p:cTn id="2" nodeType="mainSeq"/>
               <p:prevCondLst>
-                <p:cond delay="0" evt="onPrev">
+                <p:cond evt="onPrev" delay="0">
                   <p:tgtEl>
                     <p:sldTgt/>
                   </p:tgtEl>
                 </p:cond>
               </p:prevCondLst>
               <p:nextCondLst>
-                <p:cond delay="0" evt="onNext">
+                <p:cond evt="onNext" delay="0">
                   <p:tgtEl>
                     <p:sldTgt/>
                   </p:tgtEl>
@@ -7955,6 +8833,155 @@
       </p:par>
     </p:tnLst>
   </p:timing>
+</p:sld>
+</file>
+
+<file path=ppt/slides/slide7.xml><?xml version="1.0" encoding="utf-8"?>
+<p:sld xmlns:a="http://schemas.openxmlformats.org/drawingml/2006/main" xmlns:r="http://schemas.openxmlformats.org/officeDocument/2006/relationships" xmlns:p="http://schemas.openxmlformats.org/presentationml/2006/main">
+  <p:cSld>
+    <p:spTree>
+      <p:nvGrpSpPr>
+        <p:cNvPr id="1" name=""/>
+        <p:cNvGrpSpPr/>
+        <p:nvPr/>
+      </p:nvGrpSpPr>
+      <p:grpSpPr>
+        <a:xfrm>
+          <a:off x="0" y="0"/>
+          <a:ext cx="0" cy="0"/>
+          <a:chOff x="0" y="0"/>
+          <a:chExt cx="0" cy="0"/>
+        </a:xfrm>
+      </p:grpSpPr>
+      <p:pic>
+        <p:nvPicPr>
+          <p:cNvPr id="2" name="Grafik 1">
+            <a:extLst>
+              <a:ext uri="{FF2B5EF4-FFF2-40B4-BE49-F238E27FC236}">
+                <a16:creationId xmlns:a16="http://schemas.microsoft.com/office/drawing/2014/main" id="{F59D63C3-1E1E-4D6D-8C1B-09D0B96D9BA6}"/>
+              </a:ext>
+            </a:extLst>
+          </p:cNvPr>
+          <p:cNvPicPr>
+            <a:picLocks noChangeAspect="1"/>
+          </p:cNvPicPr>
+          <p:nvPr/>
+        </p:nvPicPr>
+        <p:blipFill>
+          <a:blip r:embed="rId2"/>
+          <a:stretch>
+            <a:fillRect/>
+          </a:stretch>
+        </p:blipFill>
+        <p:spPr>
+          <a:xfrm>
+            <a:off x="2290538" y="2334191"/>
+            <a:ext cx="7961905" cy="4523809"/>
+          </a:xfrm>
+          <a:prstGeom prst="rect">
+            <a:avLst/>
+          </a:prstGeom>
+        </p:spPr>
+      </p:pic>
+      <p:sp>
+        <p:nvSpPr>
+          <p:cNvPr id="3" name="TextShape 1">
+            <a:extLst>
+              <a:ext uri="{FF2B5EF4-FFF2-40B4-BE49-F238E27FC236}">
+                <a16:creationId xmlns:a16="http://schemas.microsoft.com/office/drawing/2014/main" id="{2DDA927C-3E56-4C18-9D94-170FD60A8DC8}"/>
+              </a:ext>
+            </a:extLst>
+          </p:cNvPr>
+          <p:cNvSpPr txBox="1"/>
+          <p:nvPr/>
+        </p:nvSpPr>
+        <p:spPr>
+          <a:xfrm>
+            <a:off x="838080" y="365040"/>
+            <a:ext cx="10515240" cy="1325160"/>
+          </a:xfrm>
+          <a:prstGeom prst="rect">
+            <a:avLst/>
+          </a:prstGeom>
+          <a:noFill/>
+          <a:ln>
+            <a:noFill/>
+          </a:ln>
+        </p:spPr>
+        <p:txBody>
+          <a:bodyPr anchor="ctr"/>
+          <a:lstStyle/>
+          <a:p>
+            <a:pPr>
+              <a:lnSpc>
+                <a:spcPct val="90000"/>
+              </a:lnSpc>
+            </a:pPr>
+            <a:r>
+              <a:rPr lang="de-DE" sz="4400" b="0" strike="noStrike" spc="-1" dirty="0">
+                <a:solidFill>
+                  <a:srgbClr val="000000"/>
+                </a:solidFill>
+                <a:uFill>
+                  <a:solidFill>
+                    <a:srgbClr val="FFFFFF"/>
+                  </a:solidFill>
+                </a:uFill>
+                <a:latin typeface="Calibri Light"/>
+              </a:rPr>
+              <a:t>Problem:</a:t>
+            </a:r>
+          </a:p>
+        </p:txBody>
+      </p:sp>
+      <p:sp>
+        <p:nvSpPr>
+          <p:cNvPr id="4" name="Textfeld 3">
+            <a:extLst>
+              <a:ext uri="{FF2B5EF4-FFF2-40B4-BE49-F238E27FC236}">
+                <a16:creationId xmlns:a16="http://schemas.microsoft.com/office/drawing/2014/main" id="{A9980A8A-3369-46A9-AD04-B7FF7BA5E242}"/>
+              </a:ext>
+            </a:extLst>
+          </p:cNvPr>
+          <p:cNvSpPr txBox="1"/>
+          <p:nvPr/>
+        </p:nvSpPr>
+        <p:spPr>
+          <a:xfrm>
+            <a:off x="1912774" y="1428590"/>
+            <a:ext cx="8724123" cy="523220"/>
+          </a:xfrm>
+          <a:prstGeom prst="rect">
+            <a:avLst/>
+          </a:prstGeom>
+          <a:noFill/>
+        </p:spPr>
+        <p:txBody>
+          <a:bodyPr wrap="square" rtlCol="0">
+            <a:spAutoFit/>
+          </a:bodyPr>
+          <a:lstStyle/>
+          <a:p>
+            <a:r>
+              <a:rPr lang="de-AT" sz="2800" dirty="0">
+                <a:latin typeface="Calibri" panose="020F0502020204030204" pitchFamily="34" charset="0"/>
+                <a:cs typeface="Calibri" panose="020F0502020204030204" pitchFamily="34" charset="0"/>
+              </a:rPr>
+              <a:t>Wie finde ich die äußere Abgrenzung eines Stiegenhauses?</a:t>
+            </a:r>
+          </a:p>
+        </p:txBody>
+      </p:sp>
+    </p:spTree>
+    <p:extLst>
+      <p:ext uri="{BB962C8B-B14F-4D97-AF65-F5344CB8AC3E}">
+        <p14:creationId xmlns:p14="http://schemas.microsoft.com/office/powerpoint/2010/main" val="212005434"/>
+      </p:ext>
+    </p:extLst>
+  </p:cSld>
+  <p:clrMapOvr>
+    <a:masterClrMapping/>
+  </p:clrMapOvr>
 </p:sld>
 </file>
 
@@ -8178,6 +9205,8 @@
       </a:bgFillStyleLst>
     </a:fmtScheme>
   </a:themeElements>
+  <a:objectDefaults/>
+  <a:extraClrSchemeLst/>
 </a:theme>
 </file>
 
@@ -8401,6 +9430,8 @@
       </a:bgFillStyleLst>
     </a:fmtScheme>
   </a:themeElements>
+  <a:objectDefaults/>
+  <a:extraClrSchemeLst/>
 </a:theme>
 </file>
 
@@ -8624,5 +9655,7 @@
       </a:bgFillStyleLst>
     </a:fmtScheme>
   </a:themeElements>
+  <a:objectDefaults/>
+  <a:extraClrSchemeLst/>
 </a:theme>
 </file>
--- a/EDBVPRAESI.pptx
+++ b/EDBVPRAESI.pptx
@@ -10,10 +10,9 @@
     <p:sldId id="256" r:id="rId4"/>
     <p:sldId id="257" r:id="rId5"/>
     <p:sldId id="258" r:id="rId6"/>
-    <p:sldId id="259" r:id="rId7"/>
-    <p:sldId id="260" r:id="rId8"/>
-    <p:sldId id="261" r:id="rId9"/>
-    <p:sldId id="262" r:id="rId10"/>
+    <p:sldId id="260" r:id="rId7"/>
+    <p:sldId id="261" r:id="rId8"/>
+    <p:sldId id="262" r:id="rId9"/>
   </p:sldIdLst>
   <p:sldSz cx="12192000" cy="6858000"/>
   <p:notesSz cx="7772400" cy="10058400"/>
@@ -112,6 +111,11 @@
       </a:defRPr>
     </a:lvl9pPr>
   </p:defaultTextStyle>
+  <p:extLst>
+    <p:ext uri="{EFAFB233-063F-42B5-8137-9DF3F51BA10A}">
+      <p15:sldGuideLst xmlns:p15="http://schemas.microsoft.com/office/powerpoint/2012/main"/>
+    </p:ext>
+  </p:extLst>
 </p:presentation>
 </file>
 
@@ -4952,7 +4956,7 @@
                 </a:uFill>
                 <a:latin typeface="Calibri"/>
               </a:rPr>
-              <a:t>12/1/2019</a:t>
+              <a:t>12/1/19</a:t>
             </a:fld>
             <a:endParaRPr lang="en-US" sz="1200" b="0" strike="noStrike" spc="-1">
               <a:solidFill>
@@ -5866,7 +5870,7 @@
                 </a:uFill>
                 <a:latin typeface="Calibri"/>
               </a:rPr>
-              <a:t>12/1/2019</a:t>
+              <a:t>12/1/19</a:t>
             </a:fld>
             <a:endParaRPr lang="en-US" sz="1200" b="0" strike="noStrike" spc="-1">
               <a:solidFill>
@@ -6734,7 +6738,7 @@
                 </a:uFill>
                 <a:latin typeface="Calibri"/>
               </a:rPr>
-              <a:t>12/1/2019</a:t>
+              <a:t>12/1/19</a:t>
             </a:fld>
             <a:endParaRPr lang="en-US" sz="1200" b="0" strike="noStrike" spc="-1">
               <a:solidFill>
@@ -7879,7 +7883,7 @@
       </p:grpSpPr>
       <p:sp>
         <p:nvSpPr>
-          <p:cNvPr id="125" name="TextShape 1"/>
+          <p:cNvPr id="127" name="TextShape 1"/>
           <p:cNvSpPr txBox="1"/>
           <p:nvPr/>
         </p:nvSpPr>
@@ -7917,7 +7921,7 @@
                 </a:uFill>
                 <a:latin typeface="Calibri Light"/>
               </a:rPr>
-              <a:t>Methodiken</a:t>
+              <a:t>Aktueller Stand</a:t>
             </a:r>
             <a:endParaRPr lang="de-DE" sz="4400" b="0" strike="noStrike" spc="-1">
               <a:solidFill>
@@ -7933,15 +7937,38 @@
           </a:p>
         </p:txBody>
       </p:sp>
-      <p:sp>
-        <p:nvSpPr>
-          <p:cNvPr id="126" name="TextShape 2"/>
+      <p:pic>
+        <p:nvPicPr>
+          <p:cNvPr id="128" name="Grafik 127"/>
+          <p:cNvPicPr/>
+          <p:nvPr/>
+        </p:nvPicPr>
+        <p:blipFill>
+          <a:blip r:embed="rId2"/>
+          <a:stretch/>
+        </p:blipFill>
+        <p:spPr>
+          <a:xfrm>
+            <a:off x="5212080" y="2960640"/>
+            <a:ext cx="6583680" cy="3440160"/>
+          </a:xfrm>
+          <a:prstGeom prst="rect">
+            <a:avLst/>
+          </a:prstGeom>
+          <a:ln>
+            <a:noFill/>
+          </a:ln>
+        </p:spPr>
+      </p:pic>
+      <p:sp>
+        <p:nvSpPr>
+          <p:cNvPr id="129" name="TextShape 2"/>
           <p:cNvSpPr txBox="1"/>
           <p:nvPr/>
         </p:nvSpPr>
         <p:spPr>
           <a:xfrm>
-            <a:off x="838080" y="1825560"/>
+            <a:off x="838440" y="1825560"/>
             <a:ext cx="10515240" cy="4350960"/>
           </a:xfrm>
           <a:prstGeom prst="rect">
@@ -7970,7 +7997,7 @@
               <a:buChar char="•"/>
             </a:pPr>
             <a:r>
-              <a:rPr lang="de-DE" sz="2800" b="0" strike="noStrike" spc="-1" dirty="0">
+              <a:rPr lang="de-DE" sz="2800" b="0" strike="noStrike" spc="-1">
                 <a:solidFill>
                   <a:srgbClr val="000000"/>
                 </a:solidFill>
@@ -7981,16 +8008,16 @@
                 </a:uFill>
                 <a:latin typeface="Calibri"/>
               </a:rPr>
-              <a:t>Methodik-Pipeline </a:t>
+              <a:t>Entfernung von Details</a:t>
             </a:r>
           </a:p>
           <a:p>
-            <a:pPr marL="685800" lvl="1" indent="-228240">
+            <a:pPr marL="228600" indent="-228240">
               <a:lnSpc>
-                <a:spcPct val="100000"/>
+                <a:spcPct val="90000"/>
               </a:lnSpc>
               <a:spcBef>
-                <a:spcPts val="499"/>
+                <a:spcPts val="1001"/>
               </a:spcBef>
               <a:buClr>
                 <a:srgbClr val="000000"/>
@@ -7999,7 +8026,7 @@
               <a:buChar char="•"/>
             </a:pPr>
             <a:r>
-              <a:rPr lang="de-DE" sz="2400" b="0" strike="noStrike" spc="-1" dirty="0">
+              <a:rPr lang="de-DE" sz="2800" b="0" strike="noStrike" spc="-1">
                 <a:solidFill>
                   <a:srgbClr val="000000"/>
                 </a:solidFill>
@@ -8010,16 +8037,16 @@
                 </a:uFill>
                 <a:latin typeface="Calibri"/>
               </a:rPr>
-              <a:t>1. Umwandlung in ein Binärbild - Threshold nach Otsu </a:t>
+              <a:t>(Vorarbeit für Raumerkennung)</a:t>
             </a:r>
           </a:p>
           <a:p>
-            <a:pPr marL="685800" lvl="1" indent="-228240">
+            <a:pPr marL="228600" indent="-228240">
               <a:lnSpc>
-                <a:spcPct val="100000"/>
+                <a:spcPct val="90000"/>
               </a:lnSpc>
               <a:spcBef>
-                <a:spcPts val="499"/>
+                <a:spcPts val="1001"/>
               </a:spcBef>
               <a:buClr>
                 <a:srgbClr val="000000"/>
@@ -8028,7 +8055,7 @@
               <a:buChar char="•"/>
             </a:pPr>
             <a:r>
-              <a:rPr lang="de-DE" sz="2400" b="0" strike="noStrike" spc="-1" dirty="0">
+              <a:rPr lang="de-DE" sz="2800" b="0" strike="noStrike" spc="-1">
                 <a:solidFill>
                   <a:srgbClr val="000000"/>
                 </a:solidFill>
@@ -8039,16 +8066,16 @@
                 </a:uFill>
                 <a:latin typeface="Calibri"/>
               </a:rPr>
-              <a:t>2. Entfernung von Details - Kantenfilter </a:t>
+              <a:t>Erste Versuche von Fenster-</a:t>
             </a:r>
           </a:p>
           <a:p>
-            <a:pPr marL="685800" lvl="1" indent="-228240">
+            <a:pPr marL="228600" indent="-228240">
               <a:lnSpc>
-                <a:spcPct val="100000"/>
+                <a:spcPct val="90000"/>
               </a:lnSpc>
               <a:spcBef>
-                <a:spcPts val="499"/>
+                <a:spcPts val="1001"/>
               </a:spcBef>
               <a:buClr>
                 <a:srgbClr val="000000"/>
@@ -8057,7 +8084,7 @@
               <a:buChar char="•"/>
             </a:pPr>
             <a:r>
-              <a:rPr lang="de-DE" sz="2400" b="0" strike="noStrike" spc="-1" dirty="0">
+              <a:rPr lang="de-DE" sz="2800" b="0" strike="noStrike" spc="-1">
                 <a:solidFill>
                   <a:srgbClr val="000000"/>
                 </a:solidFill>
@@ -8068,94 +8095,7 @@
                 </a:uFill>
                 <a:latin typeface="Calibri"/>
               </a:rPr>
-              <a:t>3. Flächenbestimmung - Distanztransformation </a:t>
-            </a:r>
-          </a:p>
-          <a:p>
-            <a:pPr marL="685800" lvl="1" indent="-228240">
-              <a:lnSpc>
-                <a:spcPct val="100000"/>
-              </a:lnSpc>
-              <a:spcBef>
-                <a:spcPts val="499"/>
-              </a:spcBef>
-              <a:buClr>
-                <a:srgbClr val="000000"/>
-              </a:buClr>
-              <a:buFont typeface="Arial"/>
-              <a:buChar char="•"/>
-            </a:pPr>
-            <a:r>
-              <a:rPr lang="de-DE" sz="2400" b="0" strike="noStrike" spc="-1" dirty="0">
-                <a:solidFill>
-                  <a:srgbClr val="000000"/>
-                </a:solidFill>
-                <a:uFill>
-                  <a:solidFill>
-                    <a:srgbClr val="FFFFFF"/>
-                  </a:solidFill>
-                </a:uFill>
-                <a:latin typeface="Calibri"/>
-              </a:rPr>
-              <a:t>4. Erkennung der Türen und Abtrennung der Räume - Hough-Transformation</a:t>
-            </a:r>
-          </a:p>
-          <a:p>
-            <a:pPr marL="685800" lvl="1" indent="-228240">
-              <a:lnSpc>
-                <a:spcPct val="100000"/>
-              </a:lnSpc>
-              <a:spcBef>
-                <a:spcPts val="499"/>
-              </a:spcBef>
-              <a:buClr>
-                <a:srgbClr val="000000"/>
-              </a:buClr>
-              <a:buFont typeface="Arial"/>
-              <a:buChar char="•"/>
-            </a:pPr>
-            <a:r>
-              <a:rPr lang="de-DE" sz="2400" b="0" strike="noStrike" spc="-1" dirty="0">
-                <a:solidFill>
-                  <a:srgbClr val="000000"/>
-                </a:solidFill>
-                <a:uFill>
-                  <a:solidFill>
-                    <a:srgbClr val="FFFFFF"/>
-                  </a:solidFill>
-                </a:uFill>
-                <a:latin typeface="Calibri"/>
-              </a:rPr>
-              <a:t>5. Erkennung der Fenster – Mathematische Morphologie </a:t>
-            </a:r>
-          </a:p>
-          <a:p>
-            <a:pPr marL="685800" lvl="1" indent="-228240">
-              <a:lnSpc>
-                <a:spcPct val="100000"/>
-              </a:lnSpc>
-              <a:spcBef>
-                <a:spcPts val="499"/>
-              </a:spcBef>
-              <a:buClr>
-                <a:srgbClr val="000000"/>
-              </a:buClr>
-              <a:buFont typeface="Arial"/>
-              <a:buChar char="•"/>
-            </a:pPr>
-            <a:r>
-              <a:rPr lang="de-DE" sz="2400" b="0" strike="noStrike" spc="-1" dirty="0">
-                <a:solidFill>
-                  <a:srgbClr val="000000"/>
-                </a:solidFill>
-                <a:uFill>
-                  <a:solidFill>
-                    <a:srgbClr val="FFFFFF"/>
-                  </a:solidFill>
-                </a:uFill>
-                <a:latin typeface="Calibri"/>
-              </a:rPr>
-              <a:t>6. Erkennung der Stiegen – Kantenfilter, Hough-Transformation</a:t>
+              <a:t> und Stiegen Erkennung</a:t>
             </a:r>
           </a:p>
         </p:txBody>
@@ -8214,7 +8154,7 @@
       </p:grpSpPr>
       <p:sp>
         <p:nvSpPr>
-          <p:cNvPr id="127" name="TextShape 1"/>
+          <p:cNvPr id="130" name="TextShape 1"/>
           <p:cNvSpPr txBox="1"/>
           <p:nvPr/>
         </p:nvSpPr>
@@ -8241,7 +8181,7 @@
               </a:lnSpc>
             </a:pPr>
             <a:r>
-              <a:rPr lang="de-DE" sz="4400" b="0" strike="noStrike" spc="-1">
+              <a:rPr lang="de-DE" sz="4400" b="0" strike="noStrike" spc="-1" dirty="0">
                 <a:solidFill>
                   <a:srgbClr val="000000"/>
                 </a:solidFill>
@@ -8252,54 +8192,31 @@
                 </a:uFill>
                 <a:latin typeface="Calibri Light"/>
               </a:rPr>
-              <a:t>Aktueller Stand</a:t>
+              <a:t>Probleme</a:t>
             </a:r>
-            <a:endParaRPr lang="de-DE" sz="4400" b="0" strike="noStrike" spc="-1">
-              <a:solidFill>
-                <a:srgbClr val="000000"/>
-              </a:solidFill>
-              <a:uFill>
-                <a:solidFill>
-                  <a:srgbClr val="FFFFFF"/>
-                </a:solidFill>
-              </a:uFill>
-              <a:latin typeface="Calibri"/>
-            </a:endParaRPr>
-          </a:p>
-        </p:txBody>
-      </p:sp>
-      <p:pic>
-        <p:nvPicPr>
-          <p:cNvPr id="128" name="Grafik 127"/>
-          <p:cNvPicPr/>
-          <p:nvPr/>
-        </p:nvPicPr>
-        <p:blipFill>
-          <a:blip r:embed="rId2"/>
-          <a:stretch/>
-        </p:blipFill>
-        <p:spPr>
-          <a:xfrm>
-            <a:off x="5212080" y="2960640"/>
-            <a:ext cx="6583680" cy="3440160"/>
-          </a:xfrm>
-          <a:prstGeom prst="rect">
-            <a:avLst/>
-          </a:prstGeom>
-          <a:ln>
-            <a:noFill/>
-          </a:ln>
-        </p:spPr>
-      </p:pic>
-      <p:sp>
-        <p:nvSpPr>
-          <p:cNvPr id="129" name="TextShape 2"/>
+            <a:endParaRPr lang="de-DE" sz="4400" b="0" strike="noStrike" spc="-1" dirty="0">
+              <a:solidFill>
+                <a:srgbClr val="000000"/>
+              </a:solidFill>
+              <a:uFill>
+                <a:solidFill>
+                  <a:srgbClr val="FFFFFF"/>
+                </a:solidFill>
+              </a:uFill>
+              <a:latin typeface="Calibri"/>
+            </a:endParaRPr>
+          </a:p>
+        </p:txBody>
+      </p:sp>
+      <p:sp>
+        <p:nvSpPr>
+          <p:cNvPr id="131" name="TextShape 2"/>
           <p:cNvSpPr txBox="1"/>
           <p:nvPr/>
         </p:nvSpPr>
         <p:spPr>
           <a:xfrm>
-            <a:off x="838440" y="1825560"/>
+            <a:off x="838080" y="1825560"/>
             <a:ext cx="10515240" cy="4350960"/>
           </a:xfrm>
           <a:prstGeom prst="rect">
@@ -8328,7 +8245,7 @@
               <a:buChar char="•"/>
             </a:pPr>
             <a:r>
-              <a:rPr lang="de-DE" sz="2800" b="0" strike="noStrike" spc="-1">
+              <a:rPr lang="de-DE" sz="2800" b="0" strike="noStrike" spc="-1" dirty="0">
                 <a:solidFill>
                   <a:srgbClr val="000000"/>
                 </a:solidFill>
@@ -8339,8 +8256,126 @@
                 </a:uFill>
                 <a:latin typeface="Calibri"/>
               </a:rPr>
-              <a:t>Entfernung von Details</a:t>
+              <a:t>Fenster</a:t>
             </a:r>
+          </a:p>
+          <a:p>
+            <a:pPr marL="864000" lvl="1" indent="-324000">
+              <a:spcBef>
+                <a:spcPts val="1134"/>
+              </a:spcBef>
+              <a:buClr>
+                <a:srgbClr val="000000"/>
+              </a:buClr>
+              <a:buSzPct val="75000"/>
+              <a:buFont typeface="Symbol" charset="2"/>
+              <a:buChar char=""/>
+            </a:pPr>
+            <a:r>
+              <a:rPr lang="de-DE" sz="2800" b="0" strike="noStrike" spc="-1" dirty="0">
+                <a:solidFill>
+                  <a:srgbClr val="000000"/>
+                </a:solidFill>
+                <a:uFill>
+                  <a:solidFill>
+                    <a:srgbClr val="FFFFFF"/>
+                  </a:solidFill>
+                </a:uFill>
+                <a:latin typeface="Calibri"/>
+              </a:rPr>
+              <a:t>Hit </a:t>
+            </a:r>
+            <a:r>
+              <a:rPr lang="de-DE" sz="2800" b="0" strike="noStrike" spc="-1" dirty="0" err="1">
+                <a:solidFill>
+                  <a:srgbClr val="000000"/>
+                </a:solidFill>
+                <a:uFill>
+                  <a:solidFill>
+                    <a:srgbClr val="FFFFFF"/>
+                  </a:solidFill>
+                </a:uFill>
+                <a:latin typeface="Calibri"/>
+              </a:rPr>
+              <a:t>or</a:t>
+            </a:r>
+            <a:r>
+              <a:rPr lang="de-DE" sz="2800" b="0" strike="noStrike" spc="-1" dirty="0">
+                <a:solidFill>
+                  <a:srgbClr val="000000"/>
+                </a:solidFill>
+                <a:uFill>
+                  <a:solidFill>
+                    <a:srgbClr val="FFFFFF"/>
+                  </a:solidFill>
+                </a:uFill>
+                <a:latin typeface="Calibri"/>
+              </a:rPr>
+              <a:t> Miss Transformation nicht akkurat genug.</a:t>
+            </a:r>
+          </a:p>
+          <a:p>
+            <a:pPr marL="864000" lvl="1" indent="-324000">
+              <a:spcBef>
+                <a:spcPts val="1134"/>
+              </a:spcBef>
+              <a:buClr>
+                <a:srgbClr val="000000"/>
+              </a:buClr>
+              <a:buSzPct val="75000"/>
+              <a:buFont typeface="Symbol" charset="2"/>
+              <a:buChar char=""/>
+            </a:pPr>
+            <a:r>
+              <a:rPr lang="de-DE" sz="2800" b="0" strike="noStrike" spc="-1" dirty="0">
+                <a:solidFill>
+                  <a:srgbClr val="000000"/>
+                </a:solidFill>
+                <a:uFill>
+                  <a:solidFill>
+                    <a:srgbClr val="FFFFFF"/>
+                  </a:solidFill>
+                </a:uFill>
+                <a:latin typeface="Calibri"/>
+              </a:rPr>
+              <a:t>Fenster besitzen leicht unterschiedliche Größen</a:t>
+            </a:r>
+            <a:r>
+              <a:rPr lang="de-DE" sz="2800" spc="-1" dirty="0">
+                <a:solidFill>
+                  <a:srgbClr val="000000"/>
+                </a:solidFill>
+                <a:uFill>
+                  <a:solidFill>
+                    <a:srgbClr val="FFFFFF"/>
+                  </a:solidFill>
+                </a:uFill>
+                <a:latin typeface="Calibri"/>
+              </a:rPr>
+              <a:t>.</a:t>
+            </a:r>
+          </a:p>
+          <a:p>
+            <a:pPr marL="540000" lvl="1">
+              <a:spcBef>
+                <a:spcPts val="1134"/>
+              </a:spcBef>
+              <a:buClr>
+                <a:srgbClr val="000000"/>
+              </a:buClr>
+              <a:buSzPct val="75000"/>
+            </a:pPr>
+            <a:endParaRPr lang="de-DE" sz="2800" b="0" strike="noStrike" spc="-1" dirty="0">
+              <a:solidFill>
+                <a:srgbClr val="000000"/>
+              </a:solidFill>
+              <a:uFill>
+                <a:solidFill>
+                  <a:srgbClr val="FFFFFF"/>
+                </a:solidFill>
+              </a:uFill>
+              <a:latin typeface="Calibri"/>
+            </a:endParaRPr>
           </a:p>
           <a:p>
             <a:pPr marL="228600" indent="-228240">
@@ -8357,7 +8392,7 @@
               <a:buChar char="•"/>
             </a:pPr>
             <a:r>
-              <a:rPr lang="de-DE" sz="2800" b="0" strike="noStrike" spc="-1">
+              <a:rPr lang="de-DE" sz="2800" b="0" strike="noStrike" spc="-1" dirty="0">
                 <a:solidFill>
                   <a:srgbClr val="000000"/>
                 </a:solidFill>
@@ -8368,11 +8403,11 @@
                 </a:uFill>
                 <a:latin typeface="Calibri"/>
               </a:rPr>
-              <a:t>(Vorarbeit für Raumerkennung)</a:t>
+              <a:t>Stiegen</a:t>
             </a:r>
           </a:p>
           <a:p>
-            <a:pPr marL="228600" indent="-228240">
+            <a:pPr marL="360">
               <a:lnSpc>
                 <a:spcPct val="90000"/>
               </a:lnSpc>
@@ -8382,11 +8417,9 @@
               <a:buClr>
                 <a:srgbClr val="000000"/>
               </a:buClr>
-              <a:buFont typeface="Arial"/>
-              <a:buChar char="•"/>
             </a:pPr>
             <a:r>
-              <a:rPr lang="de-DE" sz="2800" b="0" strike="noStrike" spc="-1">
+              <a:rPr lang="de-DE" sz="2800" spc="-1" dirty="0">
                 <a:solidFill>
                   <a:srgbClr val="000000"/>
                 </a:solidFill>
@@ -8397,11 +8430,22 @@
                 </a:uFill>
                 <a:latin typeface="Calibri"/>
               </a:rPr>
-              <a:t>Erste Versuche von Fenster-</a:t>
+              <a:t>	siehe nächste Folie</a:t>
             </a:r>
-          </a:p>
-          <a:p>
-            <a:pPr marL="228600" indent="-228240">
+            <a:endParaRPr lang="de-DE" sz="2800" b="0" strike="noStrike" spc="-1" dirty="0">
+              <a:solidFill>
+                <a:srgbClr val="000000"/>
+              </a:solidFill>
+              <a:uFill>
+                <a:solidFill>
+                  <a:srgbClr val="FFFFFF"/>
+                </a:solidFill>
+              </a:uFill>
+              <a:latin typeface="Calibri"/>
+            </a:endParaRPr>
+          </a:p>
+          <a:p>
+            <a:pPr marL="360">
               <a:lnSpc>
                 <a:spcPct val="90000"/>
               </a:lnSpc>
@@ -8411,23 +8455,18 @@
               <a:buClr>
                 <a:srgbClr val="000000"/>
               </a:buClr>
-              <a:buFont typeface="Arial"/>
-              <a:buChar char="•"/>
             </a:pPr>
-            <a:r>
-              <a:rPr lang="de-DE" sz="2800" b="0" strike="noStrike" spc="-1">
-                <a:solidFill>
-                  <a:srgbClr val="000000"/>
-                </a:solidFill>
-                <a:uFill>
-                  <a:solidFill>
-                    <a:srgbClr val="FFFFFF"/>
-                  </a:solidFill>
-                </a:uFill>
-                <a:latin typeface="Calibri"/>
-              </a:rPr>
-              <a:t> und Stiegen Erkennung</a:t>
-            </a:r>
+            <a:endParaRPr lang="de-DE" sz="2800" b="0" strike="noStrike" spc="-1" dirty="0">
+              <a:solidFill>
+                <a:srgbClr val="000000"/>
+              </a:solidFill>
+              <a:uFill>
+                <a:solidFill>
+                  <a:srgbClr val="FFFFFF"/>
+                </a:solidFill>
+              </a:uFill>
+              <a:latin typeface="Calibri"/>
+            </a:endParaRPr>
           </a:p>
         </p:txBody>
       </p:sp>
@@ -8467,376 +8506,6 @@
 </file>
 
 <file path=ppt/slides/slide6.xml><?xml version="1.0" encoding="utf-8"?>
-<p:sld xmlns:a="http://schemas.openxmlformats.org/drawingml/2006/main" xmlns:r="http://schemas.openxmlformats.org/officeDocument/2006/relationships" xmlns:p="http://schemas.openxmlformats.org/presentationml/2006/main">
-  <p:cSld>
-    <p:spTree>
-      <p:nvGrpSpPr>
-        <p:cNvPr id="1" name=""/>
-        <p:cNvGrpSpPr/>
-        <p:nvPr/>
-      </p:nvGrpSpPr>
-      <p:grpSpPr>
-        <a:xfrm>
-          <a:off x="0" y="0"/>
-          <a:ext cx="0" cy="0"/>
-          <a:chOff x="0" y="0"/>
-          <a:chExt cx="0" cy="0"/>
-        </a:xfrm>
-      </p:grpSpPr>
-      <p:sp>
-        <p:nvSpPr>
-          <p:cNvPr id="130" name="TextShape 1"/>
-          <p:cNvSpPr txBox="1"/>
-          <p:nvPr/>
-        </p:nvSpPr>
-        <p:spPr>
-          <a:xfrm>
-            <a:off x="838080" y="365040"/>
-            <a:ext cx="10515240" cy="1325160"/>
-          </a:xfrm>
-          <a:prstGeom prst="rect">
-            <a:avLst/>
-          </a:prstGeom>
-          <a:noFill/>
-          <a:ln>
-            <a:noFill/>
-          </a:ln>
-        </p:spPr>
-        <p:txBody>
-          <a:bodyPr anchor="ctr"/>
-          <a:lstStyle/>
-          <a:p>
-            <a:pPr>
-              <a:lnSpc>
-                <a:spcPct val="90000"/>
-              </a:lnSpc>
-            </a:pPr>
-            <a:r>
-              <a:rPr lang="de-DE" sz="4400" b="0" strike="noStrike" spc="-1" dirty="0">
-                <a:solidFill>
-                  <a:srgbClr val="000000"/>
-                </a:solidFill>
-                <a:uFill>
-                  <a:solidFill>
-                    <a:srgbClr val="FFFFFF"/>
-                  </a:solidFill>
-                </a:uFill>
-                <a:latin typeface="Calibri Light"/>
-              </a:rPr>
-              <a:t>Probleme</a:t>
-            </a:r>
-            <a:endParaRPr lang="de-DE" sz="4400" b="0" strike="noStrike" spc="-1" dirty="0">
-              <a:solidFill>
-                <a:srgbClr val="000000"/>
-              </a:solidFill>
-              <a:uFill>
-                <a:solidFill>
-                  <a:srgbClr val="FFFFFF"/>
-                </a:solidFill>
-              </a:uFill>
-              <a:latin typeface="Calibri"/>
-            </a:endParaRPr>
-          </a:p>
-        </p:txBody>
-      </p:sp>
-      <p:sp>
-        <p:nvSpPr>
-          <p:cNvPr id="131" name="TextShape 2"/>
-          <p:cNvSpPr txBox="1"/>
-          <p:nvPr/>
-        </p:nvSpPr>
-        <p:spPr>
-          <a:xfrm>
-            <a:off x="838080" y="1825560"/>
-            <a:ext cx="10515240" cy="4350960"/>
-          </a:xfrm>
-          <a:prstGeom prst="rect">
-            <a:avLst/>
-          </a:prstGeom>
-          <a:noFill/>
-          <a:ln>
-            <a:noFill/>
-          </a:ln>
-        </p:spPr>
-        <p:txBody>
-          <a:bodyPr/>
-          <a:lstStyle/>
-          <a:p>
-            <a:pPr marL="228600" indent="-228240">
-              <a:lnSpc>
-                <a:spcPct val="90000"/>
-              </a:lnSpc>
-              <a:spcBef>
-                <a:spcPts val="1001"/>
-              </a:spcBef>
-              <a:buClr>
-                <a:srgbClr val="000000"/>
-              </a:buClr>
-              <a:buFont typeface="Arial"/>
-              <a:buChar char="•"/>
-            </a:pPr>
-            <a:r>
-              <a:rPr lang="de-DE" sz="2800" b="0" strike="noStrike" spc="-1" dirty="0">
-                <a:solidFill>
-                  <a:srgbClr val="000000"/>
-                </a:solidFill>
-                <a:uFill>
-                  <a:solidFill>
-                    <a:srgbClr val="FFFFFF"/>
-                  </a:solidFill>
-                </a:uFill>
-                <a:latin typeface="Calibri"/>
-              </a:rPr>
-              <a:t>Fenster</a:t>
-            </a:r>
-          </a:p>
-          <a:p>
-            <a:pPr marL="864000" lvl="1" indent="-324000">
-              <a:spcBef>
-                <a:spcPts val="1134"/>
-              </a:spcBef>
-              <a:buClr>
-                <a:srgbClr val="000000"/>
-              </a:buClr>
-              <a:buSzPct val="75000"/>
-              <a:buFont typeface="Symbol" charset="2"/>
-              <a:buChar char=""/>
-            </a:pPr>
-            <a:r>
-              <a:rPr lang="de-DE" sz="2800" b="0" strike="noStrike" spc="-1" dirty="0">
-                <a:solidFill>
-                  <a:srgbClr val="000000"/>
-                </a:solidFill>
-                <a:uFill>
-                  <a:solidFill>
-                    <a:srgbClr val="FFFFFF"/>
-                  </a:solidFill>
-                </a:uFill>
-                <a:latin typeface="Calibri"/>
-              </a:rPr>
-              <a:t>Hit </a:t>
-            </a:r>
-            <a:r>
-              <a:rPr lang="de-DE" sz="2800" b="0" strike="noStrike" spc="-1" dirty="0" err="1">
-                <a:solidFill>
-                  <a:srgbClr val="000000"/>
-                </a:solidFill>
-                <a:uFill>
-                  <a:solidFill>
-                    <a:srgbClr val="FFFFFF"/>
-                  </a:solidFill>
-                </a:uFill>
-                <a:latin typeface="Calibri"/>
-              </a:rPr>
-              <a:t>or</a:t>
-            </a:r>
-            <a:r>
-              <a:rPr lang="de-DE" sz="2800" b="0" strike="noStrike" spc="-1" dirty="0">
-                <a:solidFill>
-                  <a:srgbClr val="000000"/>
-                </a:solidFill>
-                <a:uFill>
-                  <a:solidFill>
-                    <a:srgbClr val="FFFFFF"/>
-                  </a:solidFill>
-                </a:uFill>
-                <a:latin typeface="Calibri"/>
-              </a:rPr>
-              <a:t> Miss Transformation nicht akkurat genug.</a:t>
-            </a:r>
-          </a:p>
-          <a:p>
-            <a:pPr marL="864000" lvl="1" indent="-324000">
-              <a:spcBef>
-                <a:spcPts val="1134"/>
-              </a:spcBef>
-              <a:buClr>
-                <a:srgbClr val="000000"/>
-              </a:buClr>
-              <a:buSzPct val="75000"/>
-              <a:buFont typeface="Symbol" charset="2"/>
-              <a:buChar char=""/>
-            </a:pPr>
-            <a:r>
-              <a:rPr lang="de-DE" sz="2800" b="0" strike="noStrike" spc="-1" dirty="0">
-                <a:solidFill>
-                  <a:srgbClr val="000000"/>
-                </a:solidFill>
-                <a:uFill>
-                  <a:solidFill>
-                    <a:srgbClr val="FFFFFF"/>
-                  </a:solidFill>
-                </a:uFill>
-                <a:latin typeface="Calibri"/>
-              </a:rPr>
-              <a:t>Fenster besitzen leicht unterschiedliche Größen</a:t>
-            </a:r>
-            <a:r>
-              <a:rPr lang="de-DE" sz="2800" spc="-1" dirty="0">
-                <a:solidFill>
-                  <a:srgbClr val="000000"/>
-                </a:solidFill>
-                <a:uFill>
-                  <a:solidFill>
-                    <a:srgbClr val="FFFFFF"/>
-                  </a:solidFill>
-                </a:uFill>
-                <a:latin typeface="Calibri"/>
-              </a:rPr>
-              <a:t>.</a:t>
-            </a:r>
-          </a:p>
-          <a:p>
-            <a:pPr marL="540000" lvl="1">
-              <a:spcBef>
-                <a:spcPts val="1134"/>
-              </a:spcBef>
-              <a:buClr>
-                <a:srgbClr val="000000"/>
-              </a:buClr>
-              <a:buSzPct val="75000"/>
-            </a:pPr>
-            <a:endParaRPr lang="de-DE" sz="2800" b="0" strike="noStrike" spc="-1" dirty="0">
-              <a:solidFill>
-                <a:srgbClr val="000000"/>
-              </a:solidFill>
-              <a:uFill>
-                <a:solidFill>
-                  <a:srgbClr val="FFFFFF"/>
-                </a:solidFill>
-              </a:uFill>
-              <a:latin typeface="Calibri"/>
-            </a:endParaRPr>
-          </a:p>
-          <a:p>
-            <a:pPr marL="228600" indent="-228240">
-              <a:lnSpc>
-                <a:spcPct val="90000"/>
-              </a:lnSpc>
-              <a:spcBef>
-                <a:spcPts val="1001"/>
-              </a:spcBef>
-              <a:buClr>
-                <a:srgbClr val="000000"/>
-              </a:buClr>
-              <a:buFont typeface="Arial"/>
-              <a:buChar char="•"/>
-            </a:pPr>
-            <a:r>
-              <a:rPr lang="de-DE" sz="2800" b="0" strike="noStrike" spc="-1" dirty="0">
-                <a:solidFill>
-                  <a:srgbClr val="000000"/>
-                </a:solidFill>
-                <a:uFill>
-                  <a:solidFill>
-                    <a:srgbClr val="FFFFFF"/>
-                  </a:solidFill>
-                </a:uFill>
-                <a:latin typeface="Calibri"/>
-              </a:rPr>
-              <a:t>Stiegen</a:t>
-            </a:r>
-          </a:p>
-          <a:p>
-            <a:pPr marL="360">
-              <a:lnSpc>
-                <a:spcPct val="90000"/>
-              </a:lnSpc>
-              <a:spcBef>
-                <a:spcPts val="1001"/>
-              </a:spcBef>
-              <a:buClr>
-                <a:srgbClr val="000000"/>
-              </a:buClr>
-            </a:pPr>
-            <a:r>
-              <a:rPr lang="de-DE" sz="2800" spc="-1" dirty="0">
-                <a:solidFill>
-                  <a:srgbClr val="000000"/>
-                </a:solidFill>
-                <a:uFill>
-                  <a:solidFill>
-                    <a:srgbClr val="FFFFFF"/>
-                  </a:solidFill>
-                </a:uFill>
-                <a:latin typeface="Calibri"/>
-              </a:rPr>
-              <a:t>	siehe nächste Folie</a:t>
-            </a:r>
-            <a:endParaRPr lang="de-DE" sz="2800" b="0" strike="noStrike" spc="-1" dirty="0">
-              <a:solidFill>
-                <a:srgbClr val="000000"/>
-              </a:solidFill>
-              <a:uFill>
-                <a:solidFill>
-                  <a:srgbClr val="FFFFFF"/>
-                </a:solidFill>
-              </a:uFill>
-              <a:latin typeface="Calibri"/>
-            </a:endParaRPr>
-          </a:p>
-          <a:p>
-            <a:pPr marL="360">
-              <a:lnSpc>
-                <a:spcPct val="90000"/>
-              </a:lnSpc>
-              <a:spcBef>
-                <a:spcPts val="1001"/>
-              </a:spcBef>
-              <a:buClr>
-                <a:srgbClr val="000000"/>
-              </a:buClr>
-            </a:pPr>
-            <a:endParaRPr lang="de-DE" sz="2800" b="0" strike="noStrike" spc="-1" dirty="0">
-              <a:solidFill>
-                <a:srgbClr val="000000"/>
-              </a:solidFill>
-              <a:uFill>
-                <a:solidFill>
-                  <a:srgbClr val="FFFFFF"/>
-                </a:solidFill>
-              </a:uFill>
-              <a:latin typeface="Calibri"/>
-            </a:endParaRPr>
-          </a:p>
-        </p:txBody>
-      </p:sp>
-    </p:spTree>
-  </p:cSld>
-  <p:clrMapOvr>
-    <a:masterClrMapping/>
-  </p:clrMapOvr>
-  <p:timing>
-    <p:tnLst>
-      <p:par>
-        <p:cTn id="1" dur="indefinite" restart="never" nodeType="tmRoot">
-          <p:childTnLst>
-            <p:seq>
-              <p:cTn id="2" nodeType="mainSeq"/>
-              <p:prevCondLst>
-                <p:cond evt="onPrev" delay="0">
-                  <p:tgtEl>
-                    <p:sldTgt/>
-                  </p:tgtEl>
-                </p:cond>
-              </p:prevCondLst>
-              <p:nextCondLst>
-                <p:cond evt="onNext" delay="0">
-                  <p:tgtEl>
-                    <p:sldTgt/>
-                  </p:tgtEl>
-                </p:cond>
-              </p:nextCondLst>
-            </p:seq>
-          </p:childTnLst>
-        </p:cTn>
-      </p:par>
-    </p:tnLst>
-  </p:timing>
-</p:sld>
-</file>
-
-<file path=ppt/slides/slide7.xml><?xml version="1.0" encoding="utf-8"?>
 <p:sld xmlns:a="http://schemas.openxmlformats.org/drawingml/2006/main" xmlns:r="http://schemas.openxmlformats.org/officeDocument/2006/relationships" xmlns:p="http://schemas.openxmlformats.org/presentationml/2006/main">
   <p:cSld>
     <p:spTree>
